--- a/Презентации/L2/L2.pptx
+++ b/Презентации/L2/L2.pptx
@@ -13,6 +13,10 @@
     <p:sldId id="266" r:id="rId7"/>
     <p:sldId id="260" r:id="rId8"/>
     <p:sldId id="261" r:id="rId9"/>
+    <p:sldId id="268" r:id="rId10"/>
+    <p:sldId id="270" r:id="rId11"/>
+    <p:sldId id="271" r:id="rId12"/>
+    <p:sldId id="272" r:id="rId13"/>
   </p:sldIdLst>
   <p:sldSz cx="9144000" cy="5143500" type="screen16x9"/>
   <p:notesSz cx="6858000" cy="9144000"/>
@@ -295,7 +299,7 @@
           <a:p>
             <a:fld id="{B4C71EC6-210F-42DE-9C53-41977AD35B3D}" type="datetimeFigureOut">
               <a:rPr lang="ru-RU" smtClean="0"/>
-              <a:t>06.10.2025</a:t>
+              <a:t>08.10.2025</a:t>
             </a:fld>
             <a:endParaRPr lang="ru-RU"/>
           </a:p>
@@ -550,7 +554,7 @@
           <a:p>
             <a:fld id="{B4C71EC6-210F-42DE-9C53-41977AD35B3D}" type="datetimeFigureOut">
               <a:rPr lang="ru-RU" smtClean="0"/>
-              <a:t>06.10.2025</a:t>
+              <a:t>08.10.2025</a:t>
             </a:fld>
             <a:endParaRPr lang="ru-RU"/>
           </a:p>
@@ -722,7 +726,7 @@
           <a:p>
             <a:fld id="{B4C71EC6-210F-42DE-9C53-41977AD35B3D}" type="datetimeFigureOut">
               <a:rPr lang="ru-RU" smtClean="0"/>
-              <a:t>06.10.2025</a:t>
+              <a:t>08.10.2025</a:t>
             </a:fld>
             <a:endParaRPr lang="ru-RU"/>
           </a:p>
@@ -904,7 +908,7 @@
           <a:p>
             <a:fld id="{B4C71EC6-210F-42DE-9C53-41977AD35B3D}" type="datetimeFigureOut">
               <a:rPr lang="ru-RU" smtClean="0"/>
-              <a:t>06.10.2025</a:t>
+              <a:t>08.10.2025</a:t>
             </a:fld>
             <a:endParaRPr lang="ru-RU"/>
           </a:p>
@@ -1076,7 +1080,7 @@
           <a:p>
             <a:fld id="{B4C71EC6-210F-42DE-9C53-41977AD35B3D}" type="datetimeFigureOut">
               <a:rPr lang="ru-RU" smtClean="0"/>
-              <a:t>06.10.2025</a:t>
+              <a:t>08.10.2025</a:t>
             </a:fld>
             <a:endParaRPr lang="ru-RU"/>
           </a:p>
@@ -1324,7 +1328,7 @@
           <a:p>
             <a:fld id="{B4C71EC6-210F-42DE-9C53-41977AD35B3D}" type="datetimeFigureOut">
               <a:rPr lang="ru-RU" smtClean="0"/>
-              <a:t>06.10.2025</a:t>
+              <a:t>08.10.2025</a:t>
             </a:fld>
             <a:endParaRPr lang="ru-RU"/>
           </a:p>
@@ -1607,7 +1611,7 @@
           <a:p>
             <a:fld id="{B4C71EC6-210F-42DE-9C53-41977AD35B3D}" type="datetimeFigureOut">
               <a:rPr lang="ru-RU" smtClean="0"/>
-              <a:t>06.10.2025</a:t>
+              <a:t>08.10.2025</a:t>
             </a:fld>
             <a:endParaRPr lang="ru-RU"/>
           </a:p>
@@ -2024,7 +2028,7 @@
           <a:p>
             <a:fld id="{B4C71EC6-210F-42DE-9C53-41977AD35B3D}" type="datetimeFigureOut">
               <a:rPr lang="ru-RU" smtClean="0"/>
-              <a:t>06.10.2025</a:t>
+              <a:t>08.10.2025</a:t>
             </a:fld>
             <a:endParaRPr lang="ru-RU"/>
           </a:p>
@@ -2137,7 +2141,7 @@
           <a:p>
             <a:fld id="{B4C71EC6-210F-42DE-9C53-41977AD35B3D}" type="datetimeFigureOut">
               <a:rPr lang="ru-RU" smtClean="0"/>
-              <a:t>06.10.2025</a:t>
+              <a:t>08.10.2025</a:t>
             </a:fld>
             <a:endParaRPr lang="ru-RU"/>
           </a:p>
@@ -2257,7 +2261,7 @@
           <a:p>
             <a:fld id="{B4C71EC6-210F-42DE-9C53-41977AD35B3D}" type="datetimeFigureOut">
               <a:rPr lang="ru-RU" smtClean="0"/>
-              <a:t>06.10.2025</a:t>
+              <a:t>08.10.2025</a:t>
             </a:fld>
             <a:endParaRPr lang="ru-RU"/>
           </a:p>
@@ -2359,7 +2363,7 @@
           <a:p>
             <a:fld id="{B4C71EC6-210F-42DE-9C53-41977AD35B3D}" type="datetimeFigureOut">
               <a:rPr lang="ru-RU" smtClean="0"/>
-              <a:t>06.10.2025</a:t>
+              <a:t>08.10.2025</a:t>
             </a:fld>
             <a:endParaRPr lang="ru-RU"/>
           </a:p>
@@ -2638,7 +2642,7 @@
           <a:p>
             <a:fld id="{B4C71EC6-210F-42DE-9C53-41977AD35B3D}" type="datetimeFigureOut">
               <a:rPr lang="ru-RU" smtClean="0"/>
-              <a:t>06.10.2025</a:t>
+              <a:t>08.10.2025</a:t>
             </a:fld>
             <a:endParaRPr lang="ru-RU"/>
           </a:p>
@@ -2853,7 +2857,7 @@
           <a:p>
             <a:fld id="{B4C71EC6-210F-42DE-9C53-41977AD35B3D}" type="datetimeFigureOut">
               <a:rPr lang="ru-RU" smtClean="0"/>
-              <a:t>06.10.2025</a:t>
+              <a:t>08.10.2025</a:t>
             </a:fld>
             <a:endParaRPr lang="ru-RU"/>
           </a:p>
@@ -3288,6 +3292,3117 @@
 </p:sld>
 </file>
 
+<file path=ppt/slides/slide10.xml><?xml version="1.0" encoding="utf-8"?>
+<p:sld xmlns:a="http://schemas.openxmlformats.org/drawingml/2006/main" xmlns:r="http://schemas.openxmlformats.org/officeDocument/2006/relationships" xmlns:p="http://schemas.openxmlformats.org/presentationml/2006/main">
+  <p:cSld>
+    <p:spTree>
+      <p:nvGrpSpPr>
+        <p:cNvPr id="1" name=""/>
+        <p:cNvGrpSpPr/>
+        <p:nvPr/>
+      </p:nvGrpSpPr>
+      <p:grpSpPr>
+        <a:xfrm>
+          <a:off x="0" y="0"/>
+          <a:ext cx="0" cy="0"/>
+          <a:chOff x="0" y="0"/>
+          <a:chExt cx="0" cy="0"/>
+        </a:xfrm>
+      </p:grpSpPr>
+      <p:sp>
+        <p:nvSpPr>
+          <p:cNvPr id="2" name="Заголовок 1"/>
+          <p:cNvSpPr>
+            <a:spLocks noGrp="1"/>
+          </p:cNvSpPr>
+          <p:nvPr>
+            <p:ph type="title"/>
+          </p:nvPr>
+        </p:nvSpPr>
+        <p:spPr>
+          <a:xfrm>
+            <a:off x="457200" y="58316"/>
+            <a:ext cx="8229600" cy="857250"/>
+          </a:xfrm>
+        </p:spPr>
+        <p:txBody>
+          <a:bodyPr>
+            <a:normAutofit fontScale="90000"/>
+          </a:bodyPr>
+          <a:lstStyle/>
+          <a:p>
+            <a:r>
+              <a:rPr lang="ru-RU" sz="3600" dirty="0" smtClean="0"/>
+              <a:t>Кватернионы</a:t>
+            </a:r>
+            <a:r>
+              <a:rPr lang="en-US" sz="3600" dirty="0" smtClean="0"/>
+              <a:t>. </a:t>
+            </a:r>
+            <a:r>
+              <a:rPr lang="ru-RU" sz="3600" dirty="0" smtClean="0"/>
+              <a:t>Преобразование координат и базиса</a:t>
+            </a:r>
+            <a:endParaRPr lang="en-US" sz="3600" dirty="0"/>
+          </a:p>
+        </p:txBody>
+      </p:sp>
+      <mc:AlternateContent xmlns:mc="http://schemas.openxmlformats.org/markup-compatibility/2006">
+        <mc:Choice xmlns:a14="http://schemas.microsoft.com/office/drawing/2010/main" Requires="a14">
+          <p:sp>
+            <p:nvSpPr>
+              <p:cNvPr id="4" name="TextBox 3"/>
+              <p:cNvSpPr txBox="1"/>
+              <p:nvPr/>
+            </p:nvSpPr>
+            <p:spPr>
+              <a:xfrm>
+                <a:off x="395536" y="987574"/>
+                <a:ext cx="8280920" cy="3418115"/>
+              </a:xfrm>
+              <a:prstGeom prst="rect">
+                <a:avLst/>
+              </a:prstGeom>
+              <a:noFill/>
+            </p:spPr>
+            <p:txBody>
+              <a:bodyPr wrap="square" rtlCol="0">
+                <a:spAutoFit/>
+              </a:bodyPr>
+              <a:lstStyle/>
+              <a:p>
+                <a:pPr algn="just">
+                  <a:lnSpc>
+                    <a:spcPct val="150000"/>
+                  </a:lnSpc>
+                </a:pPr>
+                <a:r>
+                  <a:rPr lang="ru-RU" b="1" dirty="0" smtClean="0"/>
+                  <a:t>Теорема</a:t>
+                </a:r>
+                <a:r>
+                  <a:rPr lang="ru-RU" dirty="0" smtClean="0"/>
+                  <a:t>. Пусть </a:t>
+                </a:r>
+                <a14:m>
+                  <m:oMath xmlns:m="http://schemas.openxmlformats.org/officeDocument/2006/math">
+                    <m:r>
+                      <m:rPr>
+                        <m:sty m:val="p"/>
+                      </m:rPr>
+                      <a:rPr lang="ru-RU" b="0" i="0" smtClean="0">
+                        <a:latin typeface="Cambria Math"/>
+                      </a:rPr>
+                      <m:t>Λ</m:t>
+                    </m:r>
+                  </m:oMath>
+                </a14:m>
+                <a:r>
+                  <a:rPr lang="en-US" dirty="0" smtClean="0"/>
+                  <a:t> – </a:t>
+                </a:r>
+                <a:r>
+                  <a:rPr lang="ru-RU" dirty="0" smtClean="0"/>
+                  <a:t>нормированный кватернион заданный в базисе </a:t>
+                </a:r>
+                <a:r>
+                  <a:rPr lang="en-US" b="1" dirty="0" smtClean="0"/>
+                  <a:t>I</a:t>
+                </a:r>
+                <a:r>
+                  <a:rPr lang="en-US" dirty="0" smtClean="0"/>
+                  <a:t>. </a:t>
+                </a:r>
+                <a:r>
+                  <a:rPr lang="ru-RU" dirty="0" smtClean="0"/>
+                  <a:t>Тогда преобразование базисных векторов </a:t>
+                </a:r>
+                <a14:m>
+                  <m:oMath xmlns:m="http://schemas.openxmlformats.org/officeDocument/2006/math">
+                    <m:sSub>
+                      <m:sSubPr>
+                        <m:ctrlPr>
+                          <a:rPr lang="en-US" b="0" i="1" smtClean="0">
+                            <a:latin typeface="Cambria Math"/>
+                          </a:rPr>
+                        </m:ctrlPr>
+                      </m:sSubPr>
+                      <m:e>
+                        <m:r>
+                          <a:rPr lang="en-US" b="0" i="1" smtClean="0">
+                            <a:latin typeface="Cambria Math"/>
+                          </a:rPr>
+                          <m:t>𝑖</m:t>
+                        </m:r>
+                      </m:e>
+                      <m:sub>
+                        <m:r>
+                          <a:rPr lang="en-US" b="0" i="1" smtClean="0">
+                            <a:latin typeface="Cambria Math"/>
+                          </a:rPr>
+                          <m:t>𝑘</m:t>
+                        </m:r>
+                      </m:sub>
+                    </m:sSub>
+                  </m:oMath>
+                </a14:m>
+                <a:r>
+                  <a:rPr lang="en-US" b="1" dirty="0" smtClean="0"/>
+                  <a:t> </a:t>
+                </a:r>
+                <a:r>
+                  <a:rPr lang="ru-RU" dirty="0" smtClean="0"/>
+                  <a:t>в соответствующие базисные векторы </a:t>
+                </a:r>
+                <a14:m>
+                  <m:oMath xmlns:m="http://schemas.openxmlformats.org/officeDocument/2006/math">
+                    <m:sSub>
+                      <m:sSubPr>
+                        <m:ctrlPr>
+                          <a:rPr lang="en-US" b="0" i="1" smtClean="0">
+                            <a:latin typeface="Cambria Math"/>
+                          </a:rPr>
+                        </m:ctrlPr>
+                      </m:sSubPr>
+                      <m:e>
+                        <m:r>
+                          <a:rPr lang="en-US" b="0" i="1" smtClean="0">
+                            <a:latin typeface="Cambria Math"/>
+                          </a:rPr>
+                          <m:t>𝑒</m:t>
+                        </m:r>
+                      </m:e>
+                      <m:sub>
+                        <m:r>
+                          <a:rPr lang="en-US" b="0" i="1" smtClean="0">
+                            <a:latin typeface="Cambria Math"/>
+                          </a:rPr>
+                          <m:t>𝑘</m:t>
+                        </m:r>
+                      </m:sub>
+                    </m:sSub>
+                  </m:oMath>
+                </a14:m>
+                <a:r>
+                  <a:rPr lang="en-US" dirty="0" smtClean="0"/>
+                  <a:t> </a:t>
+                </a:r>
+                <a:r>
+                  <a:rPr lang="ru-RU" dirty="0" smtClean="0"/>
+                  <a:t>базиса </a:t>
+                </a:r>
+                <a:r>
+                  <a:rPr lang="en-US" b="1" dirty="0" smtClean="0"/>
+                  <a:t>E</a:t>
+                </a:r>
+                <a:r>
+                  <a:rPr lang="en-US" dirty="0" smtClean="0"/>
+                  <a:t> </a:t>
+                </a:r>
+                <a:r>
+                  <a:rPr lang="ru-RU" dirty="0" smtClean="0"/>
+                  <a:t>задается преобразованием вида</a:t>
+                </a:r>
+              </a:p>
+              <a:p>
+                <a:pPr algn="just">
+                  <a:lnSpc>
+                    <a:spcPct val="150000"/>
+                  </a:lnSpc>
+                </a:pPr>
+                <a14:m>
+                  <m:oMathPara xmlns:m="http://schemas.openxmlformats.org/officeDocument/2006/math">
+                    <m:oMathParaPr>
+                      <m:jc m:val="centerGroup"/>
+                    </m:oMathParaPr>
+                    <m:oMath xmlns:m="http://schemas.openxmlformats.org/officeDocument/2006/math">
+                      <m:sSub>
+                        <m:sSubPr>
+                          <m:ctrlPr>
+                            <a:rPr lang="en-US" i="1" smtClean="0">
+                              <a:latin typeface="Cambria Math"/>
+                            </a:rPr>
+                          </m:ctrlPr>
+                        </m:sSubPr>
+                        <m:e>
+                          <m:r>
+                            <a:rPr lang="en-US" b="0" i="1" smtClean="0">
+                              <a:latin typeface="Cambria Math"/>
+                            </a:rPr>
+                            <m:t>𝑒</m:t>
+                          </m:r>
+                        </m:e>
+                        <m:sub>
+                          <m:r>
+                            <a:rPr lang="en-US" b="0" i="1" smtClean="0">
+                              <a:latin typeface="Cambria Math"/>
+                            </a:rPr>
+                            <m:t>𝑘</m:t>
+                          </m:r>
+                        </m:sub>
+                      </m:sSub>
+                      <m:r>
+                        <a:rPr lang="en-US" b="0" i="1" smtClean="0">
+                          <a:latin typeface="Cambria Math"/>
+                        </a:rPr>
+                        <m:t>=</m:t>
+                      </m:r>
+                      <m:r>
+                        <m:rPr>
+                          <m:sty m:val="p"/>
+                        </m:rPr>
+                        <a:rPr lang="en-US" b="0" i="0" smtClean="0">
+                          <a:latin typeface="Cambria Math"/>
+                        </a:rPr>
+                        <m:t>Λ</m:t>
+                      </m:r>
+                      <m:r>
+                        <a:rPr lang="en-US" b="0" i="1" smtClean="0">
+                          <a:latin typeface="Cambria Math"/>
+                        </a:rPr>
+                        <m:t>∘</m:t>
+                      </m:r>
+                      <m:sSub>
+                        <m:sSubPr>
+                          <m:ctrlPr>
+                            <a:rPr lang="en-US" i="1" smtClean="0">
+                              <a:latin typeface="Cambria Math"/>
+                            </a:rPr>
+                          </m:ctrlPr>
+                        </m:sSubPr>
+                        <m:e>
+                          <m:r>
+                            <a:rPr lang="en-US" b="0" i="1" smtClean="0">
+                              <a:latin typeface="Cambria Math"/>
+                            </a:rPr>
+                            <m:t>𝑖</m:t>
+                          </m:r>
+                        </m:e>
+                        <m:sub>
+                          <m:r>
+                            <a:rPr lang="en-US" b="0" i="1" smtClean="0">
+                              <a:latin typeface="Cambria Math"/>
+                            </a:rPr>
+                            <m:t>𝑘</m:t>
+                          </m:r>
+                        </m:sub>
+                      </m:sSub>
+                      <m:r>
+                        <a:rPr lang="en-US" b="0" i="1" smtClean="0">
+                          <a:latin typeface="Cambria Math"/>
+                        </a:rPr>
+                        <m:t>∘</m:t>
+                      </m:r>
+                      <m:acc>
+                        <m:accPr>
+                          <m:chr m:val="̅"/>
+                          <m:ctrlPr>
+                            <a:rPr lang="en-US" i="1" smtClean="0">
+                              <a:latin typeface="Cambria Math"/>
+                            </a:rPr>
+                          </m:ctrlPr>
+                        </m:accPr>
+                        <m:e>
+                          <m:r>
+                            <m:rPr>
+                              <m:sty m:val="p"/>
+                            </m:rPr>
+                            <a:rPr lang="en-US" b="0" i="0" smtClean="0">
+                              <a:latin typeface="Cambria Math"/>
+                            </a:rPr>
+                            <m:t>Λ</m:t>
+                          </m:r>
+                        </m:e>
+                      </m:acc>
+                    </m:oMath>
+                  </m:oMathPara>
+                </a14:m>
+                <a:endParaRPr lang="en-US" dirty="0" smtClean="0"/>
+              </a:p>
+              <a:p>
+                <a:pPr algn="just">
+                  <a:lnSpc>
+                    <a:spcPct val="150000"/>
+                  </a:lnSpc>
+                </a:pPr>
+                <a:r>
+                  <a:rPr lang="ru-RU" dirty="0" smtClean="0"/>
+                  <a:t>Преобразование координат неизменного вектора </a:t>
+                </a:r>
+                <a14:m>
+                  <m:oMath xmlns:m="http://schemas.openxmlformats.org/officeDocument/2006/math">
+                    <m:r>
+                      <a:rPr lang="en-US" b="1" i="1" smtClean="0">
+                        <a:latin typeface="Cambria Math"/>
+                      </a:rPr>
+                      <m:t>𝒓</m:t>
+                    </m:r>
+                  </m:oMath>
+                </a14:m>
+                <a:r>
+                  <a:rPr lang="en-US" dirty="0" smtClean="0"/>
+                  <a:t> </a:t>
+                </a:r>
+                <a:r>
+                  <a:rPr lang="ru-RU" dirty="0" smtClean="0"/>
+                  <a:t>на эти базисы задается обратной операцией</a:t>
+                </a:r>
+              </a:p>
+              <a:p>
+                <a:pPr algn="just">
+                  <a:lnSpc>
+                    <a:spcPct val="150000"/>
+                  </a:lnSpc>
+                </a:pPr>
+                <a14:m>
+                  <m:oMathPara xmlns:m="http://schemas.openxmlformats.org/officeDocument/2006/math">
+                    <m:oMathParaPr>
+                      <m:jc m:val="centerGroup"/>
+                    </m:oMathParaPr>
+                    <m:oMath xmlns:m="http://schemas.openxmlformats.org/officeDocument/2006/math">
+                      <m:sSub>
+                        <m:sSubPr>
+                          <m:ctrlPr>
+                            <a:rPr lang="en-US" b="0" i="1" smtClean="0">
+                              <a:latin typeface="Cambria Math"/>
+                            </a:rPr>
+                          </m:ctrlPr>
+                        </m:sSubPr>
+                        <m:e>
+                          <m:r>
+                            <a:rPr lang="en-US" b="0" i="1" smtClean="0">
+                              <a:latin typeface="Cambria Math"/>
+                            </a:rPr>
+                            <m:t>𝑅</m:t>
+                          </m:r>
+                        </m:e>
+                        <m:sub>
+                          <m:r>
+                            <a:rPr lang="en-US" b="0" i="1" smtClean="0">
+                              <a:latin typeface="Cambria Math"/>
+                            </a:rPr>
+                            <m:t>𝐸</m:t>
+                          </m:r>
+                        </m:sub>
+                      </m:sSub>
+                      <m:r>
+                        <a:rPr lang="en-US" b="0" i="1" smtClean="0">
+                          <a:latin typeface="Cambria Math"/>
+                        </a:rPr>
+                        <m:t>=</m:t>
+                      </m:r>
+                      <m:acc>
+                        <m:accPr>
+                          <m:chr m:val="̅"/>
+                          <m:ctrlPr>
+                            <a:rPr lang="en-US" b="0" i="1" smtClean="0">
+                              <a:latin typeface="Cambria Math"/>
+                            </a:rPr>
+                          </m:ctrlPr>
+                        </m:accPr>
+                        <m:e>
+                          <m:r>
+                            <m:rPr>
+                              <m:sty m:val="p"/>
+                            </m:rPr>
+                            <a:rPr lang="en-US" b="0" i="0" smtClean="0">
+                              <a:latin typeface="Cambria Math"/>
+                            </a:rPr>
+                            <m:t>Λ</m:t>
+                          </m:r>
+                        </m:e>
+                      </m:acc>
+                      <m:r>
+                        <a:rPr lang="en-US" b="0" i="1" smtClean="0">
+                          <a:latin typeface="Cambria Math"/>
+                        </a:rPr>
+                        <m:t>∘</m:t>
+                      </m:r>
+                      <m:sSub>
+                        <m:sSubPr>
+                          <m:ctrlPr>
+                            <a:rPr lang="en-US" b="0" i="1" smtClean="0">
+                              <a:latin typeface="Cambria Math"/>
+                            </a:rPr>
+                          </m:ctrlPr>
+                        </m:sSubPr>
+                        <m:e>
+                          <m:r>
+                            <a:rPr lang="en-US" b="0" i="1" smtClean="0">
+                              <a:latin typeface="Cambria Math"/>
+                            </a:rPr>
+                            <m:t>𝑅</m:t>
+                          </m:r>
+                        </m:e>
+                        <m:sub>
+                          <m:r>
+                            <a:rPr lang="en-US" b="0" i="1" smtClean="0">
+                              <a:latin typeface="Cambria Math"/>
+                            </a:rPr>
+                            <m:t>𝐼</m:t>
+                          </m:r>
+                        </m:sub>
+                      </m:sSub>
+                      <m:r>
+                        <a:rPr lang="en-US" b="0" i="1" smtClean="0">
+                          <a:latin typeface="Cambria Math"/>
+                        </a:rPr>
+                        <m:t>∘</m:t>
+                      </m:r>
+                      <m:r>
+                        <m:rPr>
+                          <m:sty m:val="p"/>
+                        </m:rPr>
+                        <a:rPr lang="en-US" b="0" i="0" smtClean="0">
+                          <a:latin typeface="Cambria Math"/>
+                        </a:rPr>
+                        <m:t>Λ</m:t>
+                      </m:r>
+                    </m:oMath>
+                  </m:oMathPara>
+                </a14:m>
+                <a:endParaRPr lang="en-US" b="0" dirty="0" smtClean="0"/>
+              </a:p>
+              <a:p>
+                <a:pPr algn="just">
+                  <a:lnSpc>
+                    <a:spcPct val="150000"/>
+                  </a:lnSpc>
+                </a:pPr>
+                <a:r>
+                  <a:rPr lang="ru-RU" dirty="0" smtClean="0"/>
+                  <a:t>Где </a:t>
+                </a:r>
+                <a14:m>
+                  <m:oMath xmlns:m="http://schemas.openxmlformats.org/officeDocument/2006/math">
+                    <m:sSub>
+                      <m:sSubPr>
+                        <m:ctrlPr>
+                          <a:rPr lang="en-US" b="0" i="1" smtClean="0">
+                            <a:latin typeface="Cambria Math"/>
+                          </a:rPr>
+                        </m:ctrlPr>
+                      </m:sSubPr>
+                      <m:e>
+                        <m:r>
+                          <a:rPr lang="en-US" b="0" i="1" smtClean="0">
+                            <a:latin typeface="Cambria Math"/>
+                          </a:rPr>
+                          <m:t>𝑅</m:t>
+                        </m:r>
+                      </m:e>
+                      <m:sub>
+                        <m:r>
+                          <a:rPr lang="en-US" b="0" i="1" smtClean="0">
+                            <a:latin typeface="Cambria Math"/>
+                          </a:rPr>
+                          <m:t>𝐸</m:t>
+                        </m:r>
+                      </m:sub>
+                    </m:sSub>
+                    <m:r>
+                      <a:rPr lang="en-US" b="0" i="1" smtClean="0">
+                        <a:latin typeface="Cambria Math"/>
+                      </a:rPr>
+                      <m:t> </m:t>
+                    </m:r>
+                    <m:r>
+                      <a:rPr lang="ru-RU" b="0" i="1" smtClean="0">
+                        <a:latin typeface="Cambria Math"/>
+                      </a:rPr>
+                      <m:t>и </m:t>
+                    </m:r>
+                    <m:sSub>
+                      <m:sSubPr>
+                        <m:ctrlPr>
+                          <a:rPr lang="en-US" b="0" i="1" smtClean="0">
+                            <a:latin typeface="Cambria Math"/>
+                          </a:rPr>
+                        </m:ctrlPr>
+                      </m:sSubPr>
+                      <m:e>
+                        <m:r>
+                          <a:rPr lang="en-US" b="0" i="1" smtClean="0">
+                            <a:latin typeface="Cambria Math"/>
+                          </a:rPr>
+                          <m:t>𝑅</m:t>
+                        </m:r>
+                      </m:e>
+                      <m:sub>
+                        <m:r>
+                          <a:rPr lang="en-US" b="0" i="1" smtClean="0">
+                            <a:latin typeface="Cambria Math"/>
+                          </a:rPr>
+                          <m:t>𝐼</m:t>
+                        </m:r>
+                      </m:sub>
+                    </m:sSub>
+                  </m:oMath>
+                </a14:m>
+                <a:r>
+                  <a:rPr lang="en-US" dirty="0" smtClean="0"/>
+                  <a:t> - </a:t>
+                </a:r>
+                <a:r>
+                  <a:rPr lang="ru-RU" dirty="0" smtClean="0"/>
+                  <a:t>координатные столбцы вектора </a:t>
+                </a:r>
+                <a14:m>
+                  <m:oMath xmlns:m="http://schemas.openxmlformats.org/officeDocument/2006/math">
+                    <m:r>
+                      <a:rPr lang="en-US" b="1" i="1" smtClean="0">
+                        <a:latin typeface="Cambria Math"/>
+                      </a:rPr>
+                      <m:t>𝒓</m:t>
+                    </m:r>
+                  </m:oMath>
+                </a14:m>
+                <a:r>
+                  <a:rPr lang="ru-RU" b="1" dirty="0" smtClean="0"/>
+                  <a:t> </a:t>
+                </a:r>
+                <a:r>
+                  <a:rPr lang="ru-RU" dirty="0" smtClean="0"/>
+                  <a:t>в соответствующем базисе</a:t>
+                </a:r>
+                <a:r>
+                  <a:rPr lang="en-US" b="1" dirty="0" smtClean="0"/>
+                  <a:t> </a:t>
+                </a:r>
+                <a:endParaRPr lang="en-US" b="1" dirty="0"/>
+              </a:p>
+            </p:txBody>
+          </p:sp>
+        </mc:Choice>
+        <mc:Fallback>
+          <p:sp>
+            <p:nvSpPr>
+              <p:cNvPr id="4" name="TextBox 3"/>
+              <p:cNvSpPr txBox="1">
+                <a:spLocks noRot="1" noChangeAspect="1" noMove="1" noResize="1" noEditPoints="1" noAdjustHandles="1" noChangeArrowheads="1" noChangeShapeType="1" noTextEdit="1"/>
+              </p:cNvSpPr>
+              <p:nvPr/>
+            </p:nvSpPr>
+            <p:spPr>
+              <a:xfrm>
+                <a:off x="395536" y="987574"/>
+                <a:ext cx="8280920" cy="3418115"/>
+              </a:xfrm>
+              <a:prstGeom prst="rect">
+                <a:avLst/>
+              </a:prstGeom>
+              <a:blipFill rotWithShape="1">
+                <a:blip r:embed="rId2"/>
+                <a:stretch>
+                  <a:fillRect l="-663" r="-589" b="-535"/>
+                </a:stretch>
+              </a:blipFill>
+            </p:spPr>
+            <p:txBody>
+              <a:bodyPr/>
+              <a:lstStyle/>
+              <a:p>
+                <a:r>
+                  <a:rPr lang="en-US">
+                    <a:noFill/>
+                  </a:rPr>
+                  <a:t> </a:t>
+                </a:r>
+              </a:p>
+            </p:txBody>
+          </p:sp>
+        </mc:Fallback>
+      </mc:AlternateContent>
+    </p:spTree>
+    <p:extLst>
+      <p:ext uri="{BB962C8B-B14F-4D97-AF65-F5344CB8AC3E}">
+        <p14:creationId xmlns:p14="http://schemas.microsoft.com/office/powerpoint/2010/main" val="3304393810"/>
+      </p:ext>
+    </p:extLst>
+  </p:cSld>
+  <p:clrMapOvr>
+    <a:masterClrMapping/>
+  </p:clrMapOvr>
+  <p:timing>
+    <p:tnLst>
+      <p:par>
+        <p:cTn id="1" dur="indefinite" restart="never" nodeType="tmRoot"/>
+      </p:par>
+    </p:tnLst>
+  </p:timing>
+</p:sld>
+</file>
+
+<file path=ppt/slides/slide11.xml><?xml version="1.0" encoding="utf-8"?>
+<p:sld xmlns:a="http://schemas.openxmlformats.org/drawingml/2006/main" xmlns:r="http://schemas.openxmlformats.org/officeDocument/2006/relationships" xmlns:p="http://schemas.openxmlformats.org/presentationml/2006/main">
+  <p:cSld>
+    <p:spTree>
+      <p:nvGrpSpPr>
+        <p:cNvPr id="1" name=""/>
+        <p:cNvGrpSpPr/>
+        <p:nvPr/>
+      </p:nvGrpSpPr>
+      <p:grpSpPr>
+        <a:xfrm>
+          <a:off x="0" y="0"/>
+          <a:ext cx="0" cy="0"/>
+          <a:chOff x="0" y="0"/>
+          <a:chExt cx="0" cy="0"/>
+        </a:xfrm>
+      </p:grpSpPr>
+      <mc:AlternateContent xmlns:mc="http://schemas.openxmlformats.org/markup-compatibility/2006">
+        <mc:Choice xmlns:a14="http://schemas.microsoft.com/office/drawing/2010/main" Requires="a14">
+          <p:sp>
+            <p:nvSpPr>
+              <p:cNvPr id="2" name="Заголовок 1"/>
+              <p:cNvSpPr>
+                <a:spLocks noGrp="1"/>
+              </p:cNvSpPr>
+              <p:nvPr>
+                <p:ph type="title"/>
+              </p:nvPr>
+            </p:nvSpPr>
+            <p:spPr>
+              <a:xfrm>
+                <a:off x="457200" y="58316"/>
+                <a:ext cx="8229600" cy="857250"/>
+              </a:xfrm>
+            </p:spPr>
+            <p:txBody>
+              <a:bodyPr>
+                <a:normAutofit fontScale="90000"/>
+              </a:bodyPr>
+              <a:lstStyle/>
+              <a:p>
+                <a:r>
+                  <a:rPr lang="ru-RU" sz="3600" dirty="0" smtClean="0"/>
+                  <a:t>Кватернионы. Связь компонент </a:t>
+                </a:r>
+                <a14:m>
+                  <m:oMath xmlns:m="http://schemas.openxmlformats.org/officeDocument/2006/math">
+                    <m:sSubSup>
+                      <m:sSubSupPr>
+                        <m:ctrlPr>
+                          <a:rPr lang="en-US" sz="3600" b="0" i="1" smtClean="0">
+                            <a:latin typeface="Cambria Math"/>
+                          </a:rPr>
+                        </m:ctrlPr>
+                      </m:sSubSupPr>
+                      <m:e>
+                        <m:r>
+                          <a:rPr lang="en-US" sz="3600" b="0" i="1" smtClean="0">
+                            <a:latin typeface="Cambria Math"/>
+                          </a:rPr>
+                          <m:t>𝑅</m:t>
+                        </m:r>
+                      </m:e>
+                      <m:sub>
+                        <m:r>
+                          <a:rPr lang="en-US" sz="3600" b="0" i="1" smtClean="0">
+                            <a:latin typeface="Cambria Math"/>
+                          </a:rPr>
+                          <m:t>𝑖</m:t>
+                        </m:r>
+                      </m:sub>
+                      <m:sup>
+                        <m:r>
+                          <a:rPr lang="en-US" sz="3600" b="0" i="1" smtClean="0">
+                            <a:latin typeface="Cambria Math"/>
+                          </a:rPr>
+                          <m:t>𝑏</m:t>
+                        </m:r>
+                      </m:sup>
+                    </m:sSubSup>
+                  </m:oMath>
+                </a14:m>
+                <a:r>
+                  <a:rPr lang="ru-RU" sz="3600" dirty="0" smtClean="0"/>
+                  <a:t> и кватерниона</a:t>
+                </a:r>
+                <a:r>
+                  <a:rPr lang="en-US" sz="3600" dirty="0" smtClean="0"/>
+                  <a:t> </a:t>
+                </a:r>
+                <a:endParaRPr lang="en-US" sz="3600" dirty="0"/>
+              </a:p>
+            </p:txBody>
+          </p:sp>
+        </mc:Choice>
+        <mc:Fallback>
+          <p:sp>
+            <p:nvSpPr>
+              <p:cNvPr id="2" name="Заголовок 1"/>
+              <p:cNvSpPr>
+                <a:spLocks noGrp="1" noRot="1" noChangeAspect="1" noMove="1" noResize="1" noEditPoints="1" noAdjustHandles="1" noChangeArrowheads="1" noChangeShapeType="1" noTextEdit="1"/>
+              </p:cNvSpPr>
+              <p:nvPr>
+                <p:ph type="title"/>
+              </p:nvPr>
+            </p:nvSpPr>
+            <p:spPr>
+              <a:xfrm>
+                <a:off x="457200" y="58316"/>
+                <a:ext cx="8229600" cy="857250"/>
+              </a:xfrm>
+              <a:blipFill rotWithShape="1">
+                <a:blip r:embed="rId2"/>
+                <a:stretch>
+                  <a:fillRect t="-19286" b="-38571"/>
+                </a:stretch>
+              </a:blipFill>
+            </p:spPr>
+            <p:txBody>
+              <a:bodyPr/>
+              <a:lstStyle/>
+              <a:p>
+                <a:r>
+                  <a:rPr lang="en-US">
+                    <a:noFill/>
+                  </a:rPr>
+                  <a:t> </a:t>
+                </a:r>
+              </a:p>
+            </p:txBody>
+          </p:sp>
+        </mc:Fallback>
+      </mc:AlternateContent>
+      <mc:AlternateContent xmlns:mc="http://schemas.openxmlformats.org/markup-compatibility/2006">
+        <mc:Choice xmlns:a14="http://schemas.microsoft.com/office/drawing/2010/main" Requires="a14">
+          <p:sp>
+            <p:nvSpPr>
+              <p:cNvPr id="3" name="TextBox 2"/>
+              <p:cNvSpPr txBox="1"/>
+              <p:nvPr/>
+            </p:nvSpPr>
+            <p:spPr>
+              <a:xfrm>
+                <a:off x="251520" y="1347614"/>
+                <a:ext cx="8496944" cy="2171813"/>
+              </a:xfrm>
+              <a:prstGeom prst="rect">
+                <a:avLst/>
+              </a:prstGeom>
+              <a:noFill/>
+            </p:spPr>
+            <p:txBody>
+              <a:bodyPr wrap="square" rtlCol="0">
+                <a:spAutoFit/>
+              </a:bodyPr>
+              <a:lstStyle/>
+              <a:p>
+                <a:r>
+                  <a:rPr lang="ru-RU" dirty="0" smtClean="0"/>
+                  <a:t>Сравнивая две записи преобразования компонент вектора в разных базисах через матрицу поворота </a:t>
+                </a:r>
+                <a14:m>
+                  <m:oMath xmlns:m="http://schemas.openxmlformats.org/officeDocument/2006/math">
+                    <m:sSubSup>
+                      <m:sSubSupPr>
+                        <m:ctrlPr>
+                          <a:rPr lang="en-US" b="0" i="1" smtClean="0">
+                            <a:latin typeface="Cambria Math"/>
+                          </a:rPr>
+                        </m:ctrlPr>
+                      </m:sSubSupPr>
+                      <m:e>
+                        <m:r>
+                          <a:rPr lang="en-US" b="0" i="1" smtClean="0">
+                            <a:latin typeface="Cambria Math"/>
+                          </a:rPr>
+                          <m:t>𝑅</m:t>
+                        </m:r>
+                      </m:e>
+                      <m:sub>
+                        <m:r>
+                          <a:rPr lang="en-US" b="0" i="1" smtClean="0">
+                            <a:latin typeface="Cambria Math"/>
+                          </a:rPr>
+                          <m:t>𝑖</m:t>
+                        </m:r>
+                      </m:sub>
+                      <m:sup>
+                        <m:r>
+                          <a:rPr lang="en-US" b="0" i="1" smtClean="0">
+                            <a:latin typeface="Cambria Math"/>
+                          </a:rPr>
+                          <m:t>𝑏</m:t>
+                        </m:r>
+                      </m:sup>
+                    </m:sSubSup>
+                  </m:oMath>
+                </a14:m>
+                <a:r>
+                  <a:rPr lang="en-US" dirty="0" smtClean="0"/>
+                  <a:t> </a:t>
+                </a:r>
+                <a:r>
+                  <a:rPr lang="ru-RU" dirty="0" smtClean="0"/>
+                  <a:t>и кватернион, получим связь компонент </a:t>
+                </a:r>
+                <a14:m>
+                  <m:oMath xmlns:m="http://schemas.openxmlformats.org/officeDocument/2006/math">
+                    <m:sSubSup>
+                      <m:sSubSupPr>
+                        <m:ctrlPr>
+                          <a:rPr lang="en-US" i="1">
+                            <a:latin typeface="Cambria Math"/>
+                          </a:rPr>
+                        </m:ctrlPr>
+                      </m:sSubSupPr>
+                      <m:e>
+                        <m:r>
+                          <a:rPr lang="en-US" i="1">
+                            <a:latin typeface="Cambria Math"/>
+                          </a:rPr>
+                          <m:t>𝑅</m:t>
+                        </m:r>
+                      </m:e>
+                      <m:sub>
+                        <m:r>
+                          <a:rPr lang="en-US" i="1">
+                            <a:latin typeface="Cambria Math"/>
+                          </a:rPr>
+                          <m:t>𝑖</m:t>
+                        </m:r>
+                      </m:sub>
+                      <m:sup>
+                        <m:r>
+                          <a:rPr lang="en-US" i="1">
+                            <a:latin typeface="Cambria Math"/>
+                          </a:rPr>
+                          <m:t>𝑏</m:t>
+                        </m:r>
+                      </m:sup>
+                    </m:sSubSup>
+                  </m:oMath>
+                </a14:m>
+                <a:r>
+                  <a:rPr lang="ru-RU" dirty="0"/>
+                  <a:t> и </a:t>
+                </a:r>
+                <a:r>
+                  <a:rPr lang="ru-RU" dirty="0" smtClean="0"/>
+                  <a:t>кватерниона</a:t>
+                </a:r>
+              </a:p>
+              <a:p>
+                <a14:m>
+                  <m:oMathPara xmlns:m="http://schemas.openxmlformats.org/officeDocument/2006/math">
+                    <m:oMathParaPr>
+                      <m:jc m:val="centerGroup"/>
+                    </m:oMathParaPr>
+                    <m:oMath xmlns:m="http://schemas.openxmlformats.org/officeDocument/2006/math">
+                      <m:sSup>
+                        <m:sSupPr>
+                          <m:ctrlPr>
+                            <a:rPr lang="en-US" b="0" i="1" smtClean="0">
+                              <a:latin typeface="Cambria Math"/>
+                            </a:rPr>
+                          </m:ctrlPr>
+                        </m:sSupPr>
+                        <m:e>
+                          <m:r>
+                            <a:rPr lang="en-US" b="1" i="1" smtClean="0">
+                              <a:latin typeface="Cambria Math"/>
+                            </a:rPr>
+                            <m:t>𝒓</m:t>
+                          </m:r>
+                        </m:e>
+                        <m:sup>
+                          <m:r>
+                            <a:rPr lang="en-US" b="0" i="1" smtClean="0">
+                              <a:latin typeface="Cambria Math"/>
+                            </a:rPr>
+                            <m:t>𝑏</m:t>
+                          </m:r>
+                        </m:sup>
+                      </m:sSup>
+                      <m:r>
+                        <a:rPr lang="en-US" b="0" i="1" smtClean="0">
+                          <a:latin typeface="Cambria Math"/>
+                        </a:rPr>
+                        <m:t>=</m:t>
+                      </m:r>
+                      <m:sSubSup>
+                        <m:sSubSupPr>
+                          <m:ctrlPr>
+                            <a:rPr lang="en-US" b="0" i="1" smtClean="0">
+                              <a:latin typeface="Cambria Math"/>
+                            </a:rPr>
+                          </m:ctrlPr>
+                        </m:sSubSupPr>
+                        <m:e>
+                          <m:r>
+                            <a:rPr lang="en-US" b="0" i="1" smtClean="0">
+                              <a:latin typeface="Cambria Math"/>
+                            </a:rPr>
+                            <m:t>𝑅</m:t>
+                          </m:r>
+                        </m:e>
+                        <m:sub>
+                          <m:r>
+                            <a:rPr lang="en-US" b="0" i="1" smtClean="0">
+                              <a:latin typeface="Cambria Math"/>
+                            </a:rPr>
+                            <m:t>𝑖</m:t>
+                          </m:r>
+                        </m:sub>
+                        <m:sup>
+                          <m:r>
+                            <a:rPr lang="en-US" b="0" i="1" smtClean="0">
+                              <a:latin typeface="Cambria Math"/>
+                            </a:rPr>
+                            <m:t>𝑏</m:t>
+                          </m:r>
+                        </m:sup>
+                      </m:sSubSup>
+                      <m:sSup>
+                        <m:sSupPr>
+                          <m:ctrlPr>
+                            <a:rPr lang="en-US" b="0" i="1" smtClean="0">
+                              <a:latin typeface="Cambria Math"/>
+                            </a:rPr>
+                          </m:ctrlPr>
+                        </m:sSupPr>
+                        <m:e>
+                          <m:r>
+                            <a:rPr lang="en-US" b="1" i="1" smtClean="0">
+                              <a:latin typeface="Cambria Math"/>
+                            </a:rPr>
+                            <m:t>𝒓</m:t>
+                          </m:r>
+                        </m:e>
+                        <m:sup>
+                          <m:r>
+                            <a:rPr lang="en-US" b="0" i="1" smtClean="0">
+                              <a:latin typeface="Cambria Math"/>
+                            </a:rPr>
+                            <m:t>𝑖</m:t>
+                          </m:r>
+                        </m:sup>
+                      </m:sSup>
+                      <m:r>
+                        <a:rPr lang="en-US" b="0" i="1" smtClean="0">
+                          <a:latin typeface="Cambria Math"/>
+                        </a:rPr>
+                        <m:t>=</m:t>
+                      </m:r>
+                      <m:acc>
+                        <m:accPr>
+                          <m:chr m:val="̅"/>
+                          <m:ctrlPr>
+                            <a:rPr lang="en-US" b="0" i="1" smtClean="0">
+                              <a:latin typeface="Cambria Math"/>
+                            </a:rPr>
+                          </m:ctrlPr>
+                        </m:accPr>
+                        <m:e>
+                          <m:r>
+                            <m:rPr>
+                              <m:sty m:val="p"/>
+                            </m:rPr>
+                            <a:rPr lang="en-US" b="0" i="0" smtClean="0">
+                              <a:latin typeface="Cambria Math"/>
+                            </a:rPr>
+                            <m:t>Λ</m:t>
+                          </m:r>
+                        </m:e>
+                      </m:acc>
+                      <m:r>
+                        <a:rPr lang="en-US" b="0" i="1" smtClean="0">
+                          <a:latin typeface="Cambria Math"/>
+                        </a:rPr>
+                        <m:t>∘</m:t>
+                      </m:r>
+                      <m:sSup>
+                        <m:sSupPr>
+                          <m:ctrlPr>
+                            <a:rPr lang="en-US" b="0" i="1" smtClean="0">
+                              <a:latin typeface="Cambria Math"/>
+                            </a:rPr>
+                          </m:ctrlPr>
+                        </m:sSupPr>
+                        <m:e>
+                          <m:r>
+                            <a:rPr lang="en-US" b="1" i="1" smtClean="0">
+                              <a:latin typeface="Cambria Math"/>
+                            </a:rPr>
+                            <m:t>𝒓</m:t>
+                          </m:r>
+                        </m:e>
+                        <m:sup>
+                          <m:r>
+                            <a:rPr lang="en-US" b="0" i="1" smtClean="0">
+                              <a:latin typeface="Cambria Math"/>
+                            </a:rPr>
+                            <m:t>𝑖</m:t>
+                          </m:r>
+                        </m:sup>
+                      </m:sSup>
+                      <m:r>
+                        <a:rPr lang="en-US" b="0" i="1" smtClean="0">
+                          <a:latin typeface="Cambria Math"/>
+                        </a:rPr>
+                        <m:t>∘</m:t>
+                      </m:r>
+                      <m:r>
+                        <m:rPr>
+                          <m:sty m:val="p"/>
+                        </m:rPr>
+                        <a:rPr lang="en-US" b="0" i="0" smtClean="0">
+                          <a:latin typeface="Cambria Math"/>
+                        </a:rPr>
+                        <m:t>Λ</m:t>
+                      </m:r>
+                    </m:oMath>
+                  </m:oMathPara>
+                </a14:m>
+                <a:endParaRPr lang="en-US" dirty="0" smtClean="0"/>
+              </a:p>
+              <a:p>
+                <a:endParaRPr lang="en-US" dirty="0"/>
+              </a:p>
+              <a:p>
+                <a14:m>
+                  <m:oMathPara xmlns:m="http://schemas.openxmlformats.org/officeDocument/2006/math">
+                    <m:oMathParaPr>
+                      <m:jc m:val="centerGroup"/>
+                    </m:oMathParaPr>
+                    <m:oMath xmlns:m="http://schemas.openxmlformats.org/officeDocument/2006/math">
+                      <m:sSubSup>
+                        <m:sSubSupPr>
+                          <m:ctrlPr>
+                            <a:rPr lang="en-US" b="0" i="1" smtClean="0">
+                              <a:latin typeface="Cambria Math"/>
+                            </a:rPr>
+                          </m:ctrlPr>
+                        </m:sSubSupPr>
+                        <m:e>
+                          <m:r>
+                            <a:rPr lang="en-US" b="0" i="1" smtClean="0">
+                              <a:latin typeface="Cambria Math"/>
+                            </a:rPr>
+                            <m:t>𝑅</m:t>
+                          </m:r>
+                        </m:e>
+                        <m:sub>
+                          <m:r>
+                            <a:rPr lang="en-US" b="0" i="1" smtClean="0">
+                              <a:latin typeface="Cambria Math"/>
+                            </a:rPr>
+                            <m:t>𝑖</m:t>
+                          </m:r>
+                        </m:sub>
+                        <m:sup>
+                          <m:r>
+                            <a:rPr lang="en-US" b="0" i="1" smtClean="0">
+                              <a:latin typeface="Cambria Math"/>
+                            </a:rPr>
+                            <m:t>𝑏</m:t>
+                          </m:r>
+                        </m:sup>
+                      </m:sSubSup>
+                      <m:r>
+                        <a:rPr lang="en-US" b="0" i="1" smtClean="0">
+                          <a:latin typeface="Cambria Math"/>
+                        </a:rPr>
+                        <m:t>=</m:t>
+                      </m:r>
+                      <m:d>
+                        <m:dPr>
+                          <m:ctrlPr>
+                            <a:rPr lang="en-US" b="0" i="1" smtClean="0">
+                              <a:latin typeface="Cambria Math"/>
+                            </a:rPr>
+                          </m:ctrlPr>
+                        </m:dPr>
+                        <m:e>
+                          <m:m>
+                            <m:mPr>
+                              <m:mcs>
+                                <m:mc>
+                                  <m:mcPr>
+                                    <m:count m:val="3"/>
+                                    <m:mcJc m:val="center"/>
+                                  </m:mcPr>
+                                </m:mc>
+                              </m:mcs>
+                              <m:ctrlPr>
+                                <a:rPr lang="en-US" b="0" i="1" smtClean="0">
+                                  <a:latin typeface="Cambria Math"/>
+                                </a:rPr>
+                              </m:ctrlPr>
+                            </m:mPr>
+                            <m:mr>
+                              <m:e>
+                                <m:sSubSup>
+                                  <m:sSubSupPr>
+                                    <m:ctrlPr>
+                                      <a:rPr lang="en-US" b="0" i="1" smtClean="0">
+                                        <a:latin typeface="Cambria Math"/>
+                                      </a:rPr>
+                                    </m:ctrlPr>
+                                  </m:sSubSupPr>
+                                  <m:e>
+                                    <m:r>
+                                      <a:rPr lang="en-US" b="0" i="1" smtClean="0">
+                                        <a:latin typeface="Cambria Math"/>
+                                      </a:rPr>
+                                      <m:t>𝜆</m:t>
+                                    </m:r>
+                                  </m:e>
+                                  <m:sub>
+                                    <m:r>
+                                      <a:rPr lang="en-US" b="0" i="1" smtClean="0">
+                                        <a:latin typeface="Cambria Math"/>
+                                      </a:rPr>
+                                      <m:t>0</m:t>
+                                    </m:r>
+                                  </m:sub>
+                                  <m:sup>
+                                    <m:r>
+                                      <a:rPr lang="en-US" b="0" i="1" smtClean="0">
+                                        <a:latin typeface="Cambria Math"/>
+                                      </a:rPr>
+                                      <m:t>2</m:t>
+                                    </m:r>
+                                  </m:sup>
+                                </m:sSubSup>
+                                <m:r>
+                                  <a:rPr lang="en-US" b="0" i="1" smtClean="0">
+                                    <a:latin typeface="Cambria Math"/>
+                                  </a:rPr>
+                                  <m:t>+</m:t>
+                                </m:r>
+                                <m:sSubSup>
+                                  <m:sSubSupPr>
+                                    <m:ctrlPr>
+                                      <a:rPr lang="en-US" b="0" i="1" smtClean="0">
+                                        <a:latin typeface="Cambria Math"/>
+                                      </a:rPr>
+                                    </m:ctrlPr>
+                                  </m:sSubSupPr>
+                                  <m:e>
+                                    <m:r>
+                                      <a:rPr lang="en-US" b="0" i="1" smtClean="0">
+                                        <a:latin typeface="Cambria Math"/>
+                                      </a:rPr>
+                                      <m:t>𝜆</m:t>
+                                    </m:r>
+                                  </m:e>
+                                  <m:sub>
+                                    <m:r>
+                                      <a:rPr lang="en-US" b="0" i="1" smtClean="0">
+                                        <a:latin typeface="Cambria Math"/>
+                                      </a:rPr>
+                                      <m:t>1</m:t>
+                                    </m:r>
+                                  </m:sub>
+                                  <m:sup>
+                                    <m:r>
+                                      <a:rPr lang="en-US" b="0" i="1" smtClean="0">
+                                        <a:latin typeface="Cambria Math"/>
+                                      </a:rPr>
+                                      <m:t>2</m:t>
+                                    </m:r>
+                                  </m:sup>
+                                </m:sSubSup>
+                                <m:r>
+                                  <a:rPr lang="en-US" b="0" i="1" smtClean="0">
+                                    <a:latin typeface="Cambria Math"/>
+                                  </a:rPr>
+                                  <m:t>−</m:t>
+                                </m:r>
+                                <m:sSubSup>
+                                  <m:sSubSupPr>
+                                    <m:ctrlPr>
+                                      <a:rPr lang="en-US" b="0" i="1" smtClean="0">
+                                        <a:latin typeface="Cambria Math"/>
+                                      </a:rPr>
+                                    </m:ctrlPr>
+                                  </m:sSubSupPr>
+                                  <m:e>
+                                    <m:r>
+                                      <a:rPr lang="en-US" b="0" i="1" smtClean="0">
+                                        <a:latin typeface="Cambria Math"/>
+                                      </a:rPr>
+                                      <m:t>𝜆</m:t>
+                                    </m:r>
+                                  </m:e>
+                                  <m:sub>
+                                    <m:r>
+                                      <a:rPr lang="en-US" b="0" i="1" smtClean="0">
+                                        <a:latin typeface="Cambria Math"/>
+                                      </a:rPr>
+                                      <m:t>2</m:t>
+                                    </m:r>
+                                  </m:sub>
+                                  <m:sup>
+                                    <m:r>
+                                      <a:rPr lang="en-US" b="0" i="1" smtClean="0">
+                                        <a:latin typeface="Cambria Math"/>
+                                      </a:rPr>
+                                      <m:t>2</m:t>
+                                    </m:r>
+                                  </m:sup>
+                                </m:sSubSup>
+                                <m:r>
+                                  <a:rPr lang="en-US" b="0" i="1" smtClean="0">
+                                    <a:latin typeface="Cambria Math"/>
+                                  </a:rPr>
+                                  <m:t>−</m:t>
+                                </m:r>
+                                <m:sSubSup>
+                                  <m:sSubSupPr>
+                                    <m:ctrlPr>
+                                      <a:rPr lang="en-US" b="0" i="1" smtClean="0">
+                                        <a:latin typeface="Cambria Math"/>
+                                      </a:rPr>
+                                    </m:ctrlPr>
+                                  </m:sSubSupPr>
+                                  <m:e>
+                                    <m:r>
+                                      <a:rPr lang="en-US" b="0" i="1" smtClean="0">
+                                        <a:latin typeface="Cambria Math"/>
+                                      </a:rPr>
+                                      <m:t>𝜆</m:t>
+                                    </m:r>
+                                  </m:e>
+                                  <m:sub>
+                                    <m:r>
+                                      <a:rPr lang="en-US" b="0" i="1" smtClean="0">
+                                        <a:latin typeface="Cambria Math"/>
+                                      </a:rPr>
+                                      <m:t>3</m:t>
+                                    </m:r>
+                                  </m:sub>
+                                  <m:sup>
+                                    <m:r>
+                                      <a:rPr lang="en-US" b="0" i="1" smtClean="0">
+                                        <a:latin typeface="Cambria Math"/>
+                                      </a:rPr>
+                                      <m:t>2</m:t>
+                                    </m:r>
+                                  </m:sup>
+                                </m:sSubSup>
+                              </m:e>
+                              <m:e>
+                                <m:r>
+                                  <a:rPr lang="en-US" b="0" i="1" smtClean="0">
+                                    <a:latin typeface="Cambria Math"/>
+                                  </a:rPr>
+                                  <m:t>2(</m:t>
+                                </m:r>
+                                <m:sSub>
+                                  <m:sSubPr>
+                                    <m:ctrlPr>
+                                      <a:rPr lang="en-US" b="0" i="1" smtClean="0">
+                                        <a:latin typeface="Cambria Math"/>
+                                      </a:rPr>
+                                    </m:ctrlPr>
+                                  </m:sSubPr>
+                                  <m:e>
+                                    <m:r>
+                                      <a:rPr lang="en-US" b="0" i="1" smtClean="0">
+                                        <a:latin typeface="Cambria Math"/>
+                                      </a:rPr>
+                                      <m:t>𝜆</m:t>
+                                    </m:r>
+                                  </m:e>
+                                  <m:sub>
+                                    <m:r>
+                                      <a:rPr lang="en-US" b="0" i="1" smtClean="0">
+                                        <a:latin typeface="Cambria Math"/>
+                                      </a:rPr>
+                                      <m:t>1</m:t>
+                                    </m:r>
+                                  </m:sub>
+                                </m:sSub>
+                                <m:sSub>
+                                  <m:sSubPr>
+                                    <m:ctrlPr>
+                                      <a:rPr lang="en-US" b="0" i="1" smtClean="0">
+                                        <a:latin typeface="Cambria Math"/>
+                                      </a:rPr>
+                                    </m:ctrlPr>
+                                  </m:sSubPr>
+                                  <m:e>
+                                    <m:r>
+                                      <a:rPr lang="en-US" b="0" i="1" smtClean="0">
+                                        <a:latin typeface="Cambria Math"/>
+                                      </a:rPr>
+                                      <m:t>𝜆</m:t>
+                                    </m:r>
+                                  </m:e>
+                                  <m:sub>
+                                    <m:r>
+                                      <a:rPr lang="en-US" b="0" i="1" smtClean="0">
+                                        <a:latin typeface="Cambria Math"/>
+                                      </a:rPr>
+                                      <m:t>2</m:t>
+                                    </m:r>
+                                  </m:sub>
+                                </m:sSub>
+                                <m:r>
+                                  <a:rPr lang="en-US" b="0" i="1" smtClean="0">
+                                    <a:latin typeface="Cambria Math"/>
+                                  </a:rPr>
+                                  <m:t>−</m:t>
+                                </m:r>
+                                <m:sSub>
+                                  <m:sSubPr>
+                                    <m:ctrlPr>
+                                      <a:rPr lang="en-US" b="0" i="1" smtClean="0">
+                                        <a:latin typeface="Cambria Math"/>
+                                      </a:rPr>
+                                    </m:ctrlPr>
+                                  </m:sSubPr>
+                                  <m:e>
+                                    <m:r>
+                                      <a:rPr lang="en-US" b="0" i="1" smtClean="0">
+                                        <a:latin typeface="Cambria Math"/>
+                                      </a:rPr>
+                                      <m:t>𝜆</m:t>
+                                    </m:r>
+                                  </m:e>
+                                  <m:sub>
+                                    <m:r>
+                                      <a:rPr lang="en-US" b="0" i="1" smtClean="0">
+                                        <a:latin typeface="Cambria Math"/>
+                                      </a:rPr>
+                                      <m:t>0</m:t>
+                                    </m:r>
+                                  </m:sub>
+                                </m:sSub>
+                                <m:sSub>
+                                  <m:sSubPr>
+                                    <m:ctrlPr>
+                                      <a:rPr lang="en-US" b="0" i="1" smtClean="0">
+                                        <a:latin typeface="Cambria Math"/>
+                                      </a:rPr>
+                                    </m:ctrlPr>
+                                  </m:sSubPr>
+                                  <m:e>
+                                    <m:r>
+                                      <a:rPr lang="en-US" b="0" i="1" smtClean="0">
+                                        <a:latin typeface="Cambria Math"/>
+                                      </a:rPr>
+                                      <m:t>𝜆</m:t>
+                                    </m:r>
+                                  </m:e>
+                                  <m:sub>
+                                    <m:r>
+                                      <a:rPr lang="en-US" b="0" i="1" smtClean="0">
+                                        <a:latin typeface="Cambria Math"/>
+                                      </a:rPr>
+                                      <m:t>3</m:t>
+                                    </m:r>
+                                  </m:sub>
+                                </m:sSub>
+                                <m:r>
+                                  <a:rPr lang="en-US" b="0" i="1" smtClean="0">
+                                    <a:latin typeface="Cambria Math"/>
+                                  </a:rPr>
+                                  <m:t>)</m:t>
+                                </m:r>
+                              </m:e>
+                              <m:e>
+                                <m:r>
+                                  <a:rPr lang="en-US" b="0" i="1" smtClean="0">
+                                    <a:latin typeface="Cambria Math"/>
+                                  </a:rPr>
+                                  <m:t>2(</m:t>
+                                </m:r>
+                                <m:sSub>
+                                  <m:sSubPr>
+                                    <m:ctrlPr>
+                                      <a:rPr lang="en-US" b="0" i="1" smtClean="0">
+                                        <a:latin typeface="Cambria Math"/>
+                                      </a:rPr>
+                                    </m:ctrlPr>
+                                  </m:sSubPr>
+                                  <m:e>
+                                    <m:r>
+                                      <a:rPr lang="en-US" b="0" i="1" smtClean="0">
+                                        <a:latin typeface="Cambria Math"/>
+                                      </a:rPr>
+                                      <m:t>𝜆</m:t>
+                                    </m:r>
+                                  </m:e>
+                                  <m:sub>
+                                    <m:r>
+                                      <a:rPr lang="en-US" b="0" i="1" smtClean="0">
+                                        <a:latin typeface="Cambria Math"/>
+                                      </a:rPr>
+                                      <m:t>0</m:t>
+                                    </m:r>
+                                  </m:sub>
+                                </m:sSub>
+                                <m:sSub>
+                                  <m:sSubPr>
+                                    <m:ctrlPr>
+                                      <a:rPr lang="en-US" b="0" i="1" smtClean="0">
+                                        <a:latin typeface="Cambria Math"/>
+                                      </a:rPr>
+                                    </m:ctrlPr>
+                                  </m:sSubPr>
+                                  <m:e>
+                                    <m:r>
+                                      <a:rPr lang="en-US" b="0" i="1" smtClean="0">
+                                        <a:latin typeface="Cambria Math"/>
+                                      </a:rPr>
+                                      <m:t>𝜆</m:t>
+                                    </m:r>
+                                  </m:e>
+                                  <m:sub>
+                                    <m:r>
+                                      <a:rPr lang="en-US" b="0" i="1" smtClean="0">
+                                        <a:latin typeface="Cambria Math"/>
+                                      </a:rPr>
+                                      <m:t>2</m:t>
+                                    </m:r>
+                                  </m:sub>
+                                </m:sSub>
+                                <m:r>
+                                  <a:rPr lang="en-US" b="0" i="1" smtClean="0">
+                                    <a:latin typeface="Cambria Math"/>
+                                  </a:rPr>
+                                  <m:t>+</m:t>
+                                </m:r>
+                                <m:sSub>
+                                  <m:sSubPr>
+                                    <m:ctrlPr>
+                                      <a:rPr lang="en-US" b="0" i="1" smtClean="0">
+                                        <a:latin typeface="Cambria Math"/>
+                                      </a:rPr>
+                                    </m:ctrlPr>
+                                  </m:sSubPr>
+                                  <m:e>
+                                    <m:r>
+                                      <a:rPr lang="en-US" b="0" i="1" smtClean="0">
+                                        <a:latin typeface="Cambria Math"/>
+                                      </a:rPr>
+                                      <m:t>𝜆</m:t>
+                                    </m:r>
+                                  </m:e>
+                                  <m:sub>
+                                    <m:r>
+                                      <a:rPr lang="en-US" b="0" i="1" smtClean="0">
+                                        <a:latin typeface="Cambria Math"/>
+                                      </a:rPr>
+                                      <m:t>1</m:t>
+                                    </m:r>
+                                  </m:sub>
+                                </m:sSub>
+                                <m:sSub>
+                                  <m:sSubPr>
+                                    <m:ctrlPr>
+                                      <a:rPr lang="en-US" b="0" i="1" smtClean="0">
+                                        <a:latin typeface="Cambria Math"/>
+                                      </a:rPr>
+                                    </m:ctrlPr>
+                                  </m:sSubPr>
+                                  <m:e>
+                                    <m:r>
+                                      <a:rPr lang="en-US" b="0" i="1" smtClean="0">
+                                        <a:latin typeface="Cambria Math"/>
+                                      </a:rPr>
+                                      <m:t>𝜆</m:t>
+                                    </m:r>
+                                  </m:e>
+                                  <m:sub>
+                                    <m:r>
+                                      <a:rPr lang="en-US" b="0" i="1" smtClean="0">
+                                        <a:latin typeface="Cambria Math"/>
+                                      </a:rPr>
+                                      <m:t>3</m:t>
+                                    </m:r>
+                                  </m:sub>
+                                </m:sSub>
+                                <m:r>
+                                  <a:rPr lang="en-US" b="0" i="1" smtClean="0">
+                                    <a:latin typeface="Cambria Math"/>
+                                  </a:rPr>
+                                  <m:t>)</m:t>
+                                </m:r>
+                              </m:e>
+                            </m:mr>
+                            <m:mr>
+                              <m:e>
+                                <m:r>
+                                  <a:rPr lang="en-US" b="0" i="1" smtClean="0">
+                                    <a:latin typeface="Cambria Math"/>
+                                  </a:rPr>
+                                  <m:t>2(</m:t>
+                                </m:r>
+                                <m:sSub>
+                                  <m:sSubPr>
+                                    <m:ctrlPr>
+                                      <a:rPr lang="en-US" b="0" i="1" smtClean="0">
+                                        <a:latin typeface="Cambria Math"/>
+                                      </a:rPr>
+                                    </m:ctrlPr>
+                                  </m:sSubPr>
+                                  <m:e>
+                                    <m:r>
+                                      <a:rPr lang="en-US" b="0" i="1" smtClean="0">
+                                        <a:latin typeface="Cambria Math"/>
+                                      </a:rPr>
+                                      <m:t>𝜆</m:t>
+                                    </m:r>
+                                  </m:e>
+                                  <m:sub>
+                                    <m:r>
+                                      <a:rPr lang="en-US" b="0" i="1" smtClean="0">
+                                        <a:latin typeface="Cambria Math"/>
+                                      </a:rPr>
+                                      <m:t>0</m:t>
+                                    </m:r>
+                                  </m:sub>
+                                </m:sSub>
+                                <m:sSub>
+                                  <m:sSubPr>
+                                    <m:ctrlPr>
+                                      <a:rPr lang="en-US" b="0" i="1" smtClean="0">
+                                        <a:latin typeface="Cambria Math"/>
+                                      </a:rPr>
+                                    </m:ctrlPr>
+                                  </m:sSubPr>
+                                  <m:e>
+                                    <m:r>
+                                      <a:rPr lang="en-US" b="0" i="1" smtClean="0">
+                                        <a:latin typeface="Cambria Math"/>
+                                      </a:rPr>
+                                      <m:t>𝜆</m:t>
+                                    </m:r>
+                                  </m:e>
+                                  <m:sub>
+                                    <m:r>
+                                      <a:rPr lang="en-US" b="0" i="1" smtClean="0">
+                                        <a:latin typeface="Cambria Math"/>
+                                      </a:rPr>
+                                      <m:t>3</m:t>
+                                    </m:r>
+                                  </m:sub>
+                                </m:sSub>
+                                <m:r>
+                                  <a:rPr lang="en-US" b="0" i="1" smtClean="0">
+                                    <a:latin typeface="Cambria Math"/>
+                                  </a:rPr>
+                                  <m:t> −</m:t>
+                                </m:r>
+                                <m:sSub>
+                                  <m:sSubPr>
+                                    <m:ctrlPr>
+                                      <a:rPr lang="en-US" b="0" i="1" smtClean="0">
+                                        <a:latin typeface="Cambria Math"/>
+                                      </a:rPr>
+                                    </m:ctrlPr>
+                                  </m:sSubPr>
+                                  <m:e>
+                                    <m:r>
+                                      <a:rPr lang="en-US" b="0" i="1" smtClean="0">
+                                        <a:latin typeface="Cambria Math"/>
+                                      </a:rPr>
+                                      <m:t>𝜆</m:t>
+                                    </m:r>
+                                  </m:e>
+                                  <m:sub>
+                                    <m:r>
+                                      <a:rPr lang="en-US" b="0" i="1" smtClean="0">
+                                        <a:latin typeface="Cambria Math"/>
+                                      </a:rPr>
+                                      <m:t>1</m:t>
+                                    </m:r>
+                                  </m:sub>
+                                </m:sSub>
+                                <m:sSub>
+                                  <m:sSubPr>
+                                    <m:ctrlPr>
+                                      <a:rPr lang="en-US" b="0" i="1" smtClean="0">
+                                        <a:latin typeface="Cambria Math"/>
+                                      </a:rPr>
+                                    </m:ctrlPr>
+                                  </m:sSubPr>
+                                  <m:e>
+                                    <m:r>
+                                      <a:rPr lang="en-US" b="0" i="1" smtClean="0">
+                                        <a:latin typeface="Cambria Math"/>
+                                      </a:rPr>
+                                      <m:t>𝜆</m:t>
+                                    </m:r>
+                                  </m:e>
+                                  <m:sub>
+                                    <m:r>
+                                      <a:rPr lang="en-US" b="0" i="1" smtClean="0">
+                                        <a:latin typeface="Cambria Math"/>
+                                      </a:rPr>
+                                      <m:t>2</m:t>
+                                    </m:r>
+                                  </m:sub>
+                                </m:sSub>
+                                <m:r>
+                                  <a:rPr lang="en-US" b="0" i="1" smtClean="0">
+                                    <a:latin typeface="Cambria Math"/>
+                                  </a:rPr>
+                                  <m:t>)</m:t>
+                                </m:r>
+                              </m:e>
+                              <m:e>
+                                <m:sSubSup>
+                                  <m:sSubSupPr>
+                                    <m:ctrlPr>
+                                      <a:rPr lang="en-US" i="1">
+                                        <a:latin typeface="Cambria Math"/>
+                                      </a:rPr>
+                                    </m:ctrlPr>
+                                  </m:sSubSupPr>
+                                  <m:e>
+                                    <m:r>
+                                      <a:rPr lang="en-US" i="1">
+                                        <a:latin typeface="Cambria Math"/>
+                                      </a:rPr>
+                                      <m:t>𝜆</m:t>
+                                    </m:r>
+                                  </m:e>
+                                  <m:sub>
+                                    <m:r>
+                                      <a:rPr lang="en-US" i="1">
+                                        <a:latin typeface="Cambria Math"/>
+                                      </a:rPr>
+                                      <m:t>0</m:t>
+                                    </m:r>
+                                  </m:sub>
+                                  <m:sup>
+                                    <m:r>
+                                      <a:rPr lang="en-US" i="1">
+                                        <a:latin typeface="Cambria Math"/>
+                                      </a:rPr>
+                                      <m:t>2</m:t>
+                                    </m:r>
+                                  </m:sup>
+                                </m:sSubSup>
+                                <m:r>
+                                  <a:rPr lang="en-US" b="0" i="1" smtClean="0">
+                                    <a:latin typeface="Cambria Math"/>
+                                  </a:rPr>
+                                  <m:t>−</m:t>
+                                </m:r>
+                                <m:sSubSup>
+                                  <m:sSubSupPr>
+                                    <m:ctrlPr>
+                                      <a:rPr lang="en-US" i="1">
+                                        <a:latin typeface="Cambria Math"/>
+                                      </a:rPr>
+                                    </m:ctrlPr>
+                                  </m:sSubSupPr>
+                                  <m:e>
+                                    <m:r>
+                                      <a:rPr lang="en-US" i="1">
+                                        <a:latin typeface="Cambria Math"/>
+                                      </a:rPr>
+                                      <m:t>𝜆</m:t>
+                                    </m:r>
+                                  </m:e>
+                                  <m:sub>
+                                    <m:r>
+                                      <a:rPr lang="en-US" i="1">
+                                        <a:latin typeface="Cambria Math"/>
+                                      </a:rPr>
+                                      <m:t>1</m:t>
+                                    </m:r>
+                                  </m:sub>
+                                  <m:sup>
+                                    <m:r>
+                                      <a:rPr lang="en-US" i="1">
+                                        <a:latin typeface="Cambria Math"/>
+                                      </a:rPr>
+                                      <m:t>2</m:t>
+                                    </m:r>
+                                  </m:sup>
+                                </m:sSubSup>
+                                <m:r>
+                                  <a:rPr lang="en-US" b="0" i="1" smtClean="0">
+                                    <a:latin typeface="Cambria Math"/>
+                                  </a:rPr>
+                                  <m:t>+</m:t>
+                                </m:r>
+                                <m:sSubSup>
+                                  <m:sSubSupPr>
+                                    <m:ctrlPr>
+                                      <a:rPr lang="en-US" i="1">
+                                        <a:latin typeface="Cambria Math"/>
+                                      </a:rPr>
+                                    </m:ctrlPr>
+                                  </m:sSubSupPr>
+                                  <m:e>
+                                    <m:r>
+                                      <a:rPr lang="en-US" i="1">
+                                        <a:latin typeface="Cambria Math"/>
+                                      </a:rPr>
+                                      <m:t>𝜆</m:t>
+                                    </m:r>
+                                  </m:e>
+                                  <m:sub>
+                                    <m:r>
+                                      <a:rPr lang="en-US" i="1">
+                                        <a:latin typeface="Cambria Math"/>
+                                      </a:rPr>
+                                      <m:t>2</m:t>
+                                    </m:r>
+                                  </m:sub>
+                                  <m:sup>
+                                    <m:r>
+                                      <a:rPr lang="en-US" i="1">
+                                        <a:latin typeface="Cambria Math"/>
+                                      </a:rPr>
+                                      <m:t>2</m:t>
+                                    </m:r>
+                                  </m:sup>
+                                </m:sSubSup>
+                                <m:r>
+                                  <a:rPr lang="en-US" i="1">
+                                    <a:latin typeface="Cambria Math"/>
+                                  </a:rPr>
+                                  <m:t>−</m:t>
+                                </m:r>
+                                <m:sSubSup>
+                                  <m:sSubSupPr>
+                                    <m:ctrlPr>
+                                      <a:rPr lang="en-US" i="1">
+                                        <a:latin typeface="Cambria Math"/>
+                                      </a:rPr>
+                                    </m:ctrlPr>
+                                  </m:sSubSupPr>
+                                  <m:e>
+                                    <m:r>
+                                      <a:rPr lang="en-US" i="1">
+                                        <a:latin typeface="Cambria Math"/>
+                                      </a:rPr>
+                                      <m:t>𝜆</m:t>
+                                    </m:r>
+                                  </m:e>
+                                  <m:sub>
+                                    <m:r>
+                                      <a:rPr lang="en-US" i="1">
+                                        <a:latin typeface="Cambria Math"/>
+                                      </a:rPr>
+                                      <m:t>3</m:t>
+                                    </m:r>
+                                  </m:sub>
+                                  <m:sup>
+                                    <m:r>
+                                      <a:rPr lang="en-US" i="1">
+                                        <a:latin typeface="Cambria Math"/>
+                                      </a:rPr>
+                                      <m:t>2</m:t>
+                                    </m:r>
+                                  </m:sup>
+                                </m:sSubSup>
+                              </m:e>
+                              <m:e>
+                                <m:r>
+                                  <a:rPr lang="en-US" b="0" i="1" smtClean="0">
+                                    <a:latin typeface="Cambria Math"/>
+                                  </a:rPr>
+                                  <m:t>2(</m:t>
+                                </m:r>
+                                <m:sSub>
+                                  <m:sSubPr>
+                                    <m:ctrlPr>
+                                      <a:rPr lang="en-US" b="0" i="1" smtClean="0">
+                                        <a:latin typeface="Cambria Math"/>
+                                      </a:rPr>
+                                    </m:ctrlPr>
+                                  </m:sSubPr>
+                                  <m:e>
+                                    <m:r>
+                                      <a:rPr lang="en-US" b="0" i="1" smtClean="0">
+                                        <a:latin typeface="Cambria Math"/>
+                                      </a:rPr>
+                                      <m:t>𝜆</m:t>
+                                    </m:r>
+                                  </m:e>
+                                  <m:sub>
+                                    <m:r>
+                                      <a:rPr lang="en-US" b="0" i="1" smtClean="0">
+                                        <a:latin typeface="Cambria Math"/>
+                                      </a:rPr>
+                                      <m:t>2</m:t>
+                                    </m:r>
+                                  </m:sub>
+                                </m:sSub>
+                                <m:sSub>
+                                  <m:sSubPr>
+                                    <m:ctrlPr>
+                                      <a:rPr lang="en-US" b="0" i="1" smtClean="0">
+                                        <a:latin typeface="Cambria Math"/>
+                                      </a:rPr>
+                                    </m:ctrlPr>
+                                  </m:sSubPr>
+                                  <m:e>
+                                    <m:r>
+                                      <a:rPr lang="en-US" b="0" i="1" smtClean="0">
+                                        <a:latin typeface="Cambria Math"/>
+                                      </a:rPr>
+                                      <m:t>𝜆</m:t>
+                                    </m:r>
+                                  </m:e>
+                                  <m:sub>
+                                    <m:r>
+                                      <a:rPr lang="en-US" b="0" i="1" smtClean="0">
+                                        <a:latin typeface="Cambria Math"/>
+                                      </a:rPr>
+                                      <m:t>3</m:t>
+                                    </m:r>
+                                  </m:sub>
+                                </m:sSub>
+                                <m:r>
+                                  <a:rPr lang="en-US" b="0" i="1" smtClean="0">
+                                    <a:latin typeface="Cambria Math"/>
+                                  </a:rPr>
+                                  <m:t>−</m:t>
+                                </m:r>
+                                <m:sSub>
+                                  <m:sSubPr>
+                                    <m:ctrlPr>
+                                      <a:rPr lang="en-US" b="0" i="1" smtClean="0">
+                                        <a:latin typeface="Cambria Math"/>
+                                      </a:rPr>
+                                    </m:ctrlPr>
+                                  </m:sSubPr>
+                                  <m:e>
+                                    <m:r>
+                                      <a:rPr lang="en-US" b="0" i="1" smtClean="0">
+                                        <a:latin typeface="Cambria Math"/>
+                                      </a:rPr>
+                                      <m:t>𝜆</m:t>
+                                    </m:r>
+                                  </m:e>
+                                  <m:sub>
+                                    <m:r>
+                                      <a:rPr lang="en-US" b="0" i="1" smtClean="0">
+                                        <a:latin typeface="Cambria Math"/>
+                                      </a:rPr>
+                                      <m:t>0</m:t>
+                                    </m:r>
+                                  </m:sub>
+                                </m:sSub>
+                                <m:sSub>
+                                  <m:sSubPr>
+                                    <m:ctrlPr>
+                                      <a:rPr lang="en-US" b="0" i="1" smtClean="0">
+                                        <a:latin typeface="Cambria Math"/>
+                                      </a:rPr>
+                                    </m:ctrlPr>
+                                  </m:sSubPr>
+                                  <m:e>
+                                    <m:r>
+                                      <a:rPr lang="en-US" b="0" i="1" smtClean="0">
+                                        <a:latin typeface="Cambria Math"/>
+                                      </a:rPr>
+                                      <m:t>𝜆</m:t>
+                                    </m:r>
+                                  </m:e>
+                                  <m:sub>
+                                    <m:r>
+                                      <a:rPr lang="en-US" b="0" i="1" smtClean="0">
+                                        <a:latin typeface="Cambria Math"/>
+                                      </a:rPr>
+                                      <m:t>1</m:t>
+                                    </m:r>
+                                  </m:sub>
+                                </m:sSub>
+                                <m:r>
+                                  <a:rPr lang="en-US" b="0" i="1" smtClean="0">
+                                    <a:latin typeface="Cambria Math"/>
+                                  </a:rPr>
+                                  <m:t>)</m:t>
+                                </m:r>
+                              </m:e>
+                            </m:mr>
+                            <m:mr>
+                              <m:e>
+                                <m:r>
+                                  <a:rPr lang="en-US" b="0" i="1" smtClean="0">
+                                    <a:latin typeface="Cambria Math"/>
+                                  </a:rPr>
+                                  <m:t>2(</m:t>
+                                </m:r>
+                                <m:sSub>
+                                  <m:sSubPr>
+                                    <m:ctrlPr>
+                                      <a:rPr lang="en-US" b="0" i="1" smtClean="0">
+                                        <a:latin typeface="Cambria Math"/>
+                                      </a:rPr>
+                                    </m:ctrlPr>
+                                  </m:sSubPr>
+                                  <m:e>
+                                    <m:r>
+                                      <a:rPr lang="en-US" b="0" i="1" smtClean="0">
+                                        <a:latin typeface="Cambria Math"/>
+                                      </a:rPr>
+                                      <m:t>𝜆</m:t>
+                                    </m:r>
+                                  </m:e>
+                                  <m:sub>
+                                    <m:r>
+                                      <a:rPr lang="en-US" b="0" i="1" smtClean="0">
+                                        <a:latin typeface="Cambria Math"/>
+                                      </a:rPr>
+                                      <m:t>1</m:t>
+                                    </m:r>
+                                  </m:sub>
+                                </m:sSub>
+                                <m:sSub>
+                                  <m:sSubPr>
+                                    <m:ctrlPr>
+                                      <a:rPr lang="en-US" b="0" i="1" smtClean="0">
+                                        <a:latin typeface="Cambria Math"/>
+                                      </a:rPr>
+                                    </m:ctrlPr>
+                                  </m:sSubPr>
+                                  <m:e>
+                                    <m:r>
+                                      <a:rPr lang="en-US" b="0" i="1" smtClean="0">
+                                        <a:latin typeface="Cambria Math"/>
+                                      </a:rPr>
+                                      <m:t>𝜆</m:t>
+                                    </m:r>
+                                  </m:e>
+                                  <m:sub>
+                                    <m:r>
+                                      <a:rPr lang="en-US" b="0" i="1" smtClean="0">
+                                        <a:latin typeface="Cambria Math"/>
+                                      </a:rPr>
+                                      <m:t>3</m:t>
+                                    </m:r>
+                                  </m:sub>
+                                </m:sSub>
+                                <m:r>
+                                  <a:rPr lang="en-US" b="0" i="1" smtClean="0">
+                                    <a:latin typeface="Cambria Math"/>
+                                  </a:rPr>
+                                  <m:t>−</m:t>
+                                </m:r>
+                                <m:sSub>
+                                  <m:sSubPr>
+                                    <m:ctrlPr>
+                                      <a:rPr lang="en-US" b="0" i="1" smtClean="0">
+                                        <a:latin typeface="Cambria Math"/>
+                                      </a:rPr>
+                                    </m:ctrlPr>
+                                  </m:sSubPr>
+                                  <m:e>
+                                    <m:r>
+                                      <a:rPr lang="en-US" b="0" i="1" smtClean="0">
+                                        <a:latin typeface="Cambria Math"/>
+                                      </a:rPr>
+                                      <m:t>𝜆</m:t>
+                                    </m:r>
+                                  </m:e>
+                                  <m:sub>
+                                    <m:r>
+                                      <a:rPr lang="en-US" b="0" i="1" smtClean="0">
+                                        <a:latin typeface="Cambria Math"/>
+                                      </a:rPr>
+                                      <m:t>0</m:t>
+                                    </m:r>
+                                  </m:sub>
+                                </m:sSub>
+                                <m:sSub>
+                                  <m:sSubPr>
+                                    <m:ctrlPr>
+                                      <a:rPr lang="en-US" b="0" i="1" smtClean="0">
+                                        <a:latin typeface="Cambria Math"/>
+                                      </a:rPr>
+                                    </m:ctrlPr>
+                                  </m:sSubPr>
+                                  <m:e>
+                                    <m:r>
+                                      <a:rPr lang="en-US" b="0" i="1" smtClean="0">
+                                        <a:latin typeface="Cambria Math"/>
+                                      </a:rPr>
+                                      <m:t>𝜆</m:t>
+                                    </m:r>
+                                  </m:e>
+                                  <m:sub>
+                                    <m:r>
+                                      <a:rPr lang="en-US" b="0" i="1" smtClean="0">
+                                        <a:latin typeface="Cambria Math"/>
+                                      </a:rPr>
+                                      <m:t>2</m:t>
+                                    </m:r>
+                                  </m:sub>
+                                </m:sSub>
+                                <m:r>
+                                  <a:rPr lang="en-US" b="0" i="1" smtClean="0">
+                                    <a:latin typeface="Cambria Math"/>
+                                  </a:rPr>
+                                  <m:t>)</m:t>
+                                </m:r>
+                              </m:e>
+                              <m:e>
+                                <m:r>
+                                  <a:rPr lang="en-US" b="0" i="1" smtClean="0">
+                                    <a:latin typeface="Cambria Math"/>
+                                  </a:rPr>
+                                  <m:t>2(</m:t>
+                                </m:r>
+                                <m:sSub>
+                                  <m:sSubPr>
+                                    <m:ctrlPr>
+                                      <a:rPr lang="en-US" b="0" i="1" smtClean="0">
+                                        <a:latin typeface="Cambria Math"/>
+                                      </a:rPr>
+                                    </m:ctrlPr>
+                                  </m:sSubPr>
+                                  <m:e>
+                                    <m:r>
+                                      <a:rPr lang="en-US" b="0" i="1" smtClean="0">
+                                        <a:latin typeface="Cambria Math"/>
+                                      </a:rPr>
+                                      <m:t>𝜆</m:t>
+                                    </m:r>
+                                  </m:e>
+                                  <m:sub>
+                                    <m:r>
+                                      <a:rPr lang="en-US" b="0" i="1" smtClean="0">
+                                        <a:latin typeface="Cambria Math"/>
+                                      </a:rPr>
+                                      <m:t>0</m:t>
+                                    </m:r>
+                                  </m:sub>
+                                </m:sSub>
+                                <m:sSub>
+                                  <m:sSubPr>
+                                    <m:ctrlPr>
+                                      <a:rPr lang="en-US" b="0" i="1" smtClean="0">
+                                        <a:latin typeface="Cambria Math"/>
+                                      </a:rPr>
+                                    </m:ctrlPr>
+                                  </m:sSubPr>
+                                  <m:e>
+                                    <m:r>
+                                      <a:rPr lang="en-US" b="0" i="1" smtClean="0">
+                                        <a:latin typeface="Cambria Math"/>
+                                      </a:rPr>
+                                      <m:t>𝜆</m:t>
+                                    </m:r>
+                                  </m:e>
+                                  <m:sub>
+                                    <m:r>
+                                      <a:rPr lang="en-US" b="0" i="1" smtClean="0">
+                                        <a:latin typeface="Cambria Math"/>
+                                      </a:rPr>
+                                      <m:t>1</m:t>
+                                    </m:r>
+                                  </m:sub>
+                                </m:sSub>
+                                <m:r>
+                                  <a:rPr lang="en-US" b="0" i="1" smtClean="0">
+                                    <a:latin typeface="Cambria Math"/>
+                                  </a:rPr>
+                                  <m:t>+</m:t>
+                                </m:r>
+                                <m:sSub>
+                                  <m:sSubPr>
+                                    <m:ctrlPr>
+                                      <a:rPr lang="en-US" b="0" i="1" smtClean="0">
+                                        <a:latin typeface="Cambria Math"/>
+                                      </a:rPr>
+                                    </m:ctrlPr>
+                                  </m:sSubPr>
+                                  <m:e>
+                                    <m:r>
+                                      <a:rPr lang="en-US" b="0" i="1" smtClean="0">
+                                        <a:latin typeface="Cambria Math"/>
+                                      </a:rPr>
+                                      <m:t>𝜆</m:t>
+                                    </m:r>
+                                  </m:e>
+                                  <m:sub>
+                                    <m:r>
+                                      <a:rPr lang="en-US" b="0" i="1" smtClean="0">
+                                        <a:latin typeface="Cambria Math"/>
+                                      </a:rPr>
+                                      <m:t>2</m:t>
+                                    </m:r>
+                                  </m:sub>
+                                </m:sSub>
+                                <m:sSub>
+                                  <m:sSubPr>
+                                    <m:ctrlPr>
+                                      <a:rPr lang="en-US" b="0" i="1" smtClean="0">
+                                        <a:latin typeface="Cambria Math"/>
+                                      </a:rPr>
+                                    </m:ctrlPr>
+                                  </m:sSubPr>
+                                  <m:e>
+                                    <m:r>
+                                      <a:rPr lang="en-US" b="0" i="1" smtClean="0">
+                                        <a:latin typeface="Cambria Math"/>
+                                      </a:rPr>
+                                      <m:t>𝜆</m:t>
+                                    </m:r>
+                                  </m:e>
+                                  <m:sub>
+                                    <m:r>
+                                      <a:rPr lang="en-US" b="0" i="1" smtClean="0">
+                                        <a:latin typeface="Cambria Math"/>
+                                      </a:rPr>
+                                      <m:t>3</m:t>
+                                    </m:r>
+                                  </m:sub>
+                                </m:sSub>
+                                <m:r>
+                                  <a:rPr lang="en-US" b="0" i="1" smtClean="0">
+                                    <a:latin typeface="Cambria Math"/>
+                                  </a:rPr>
+                                  <m:t>)</m:t>
+                                </m:r>
+                              </m:e>
+                              <m:e>
+                                <m:sSubSup>
+                                  <m:sSubSupPr>
+                                    <m:ctrlPr>
+                                      <a:rPr lang="en-US" i="1">
+                                        <a:latin typeface="Cambria Math"/>
+                                      </a:rPr>
+                                    </m:ctrlPr>
+                                  </m:sSubSupPr>
+                                  <m:e>
+                                    <m:r>
+                                      <a:rPr lang="en-US" i="1">
+                                        <a:latin typeface="Cambria Math"/>
+                                      </a:rPr>
+                                      <m:t>𝜆</m:t>
+                                    </m:r>
+                                  </m:e>
+                                  <m:sub>
+                                    <m:r>
+                                      <a:rPr lang="en-US" i="1">
+                                        <a:latin typeface="Cambria Math"/>
+                                      </a:rPr>
+                                      <m:t>0</m:t>
+                                    </m:r>
+                                  </m:sub>
+                                  <m:sup>
+                                    <m:r>
+                                      <a:rPr lang="en-US" i="1">
+                                        <a:latin typeface="Cambria Math"/>
+                                      </a:rPr>
+                                      <m:t>2</m:t>
+                                    </m:r>
+                                  </m:sup>
+                                </m:sSubSup>
+                                <m:r>
+                                  <a:rPr lang="en-US" b="0" i="1" smtClean="0">
+                                    <a:latin typeface="Cambria Math"/>
+                                  </a:rPr>
+                                  <m:t>−</m:t>
+                                </m:r>
+                                <m:sSubSup>
+                                  <m:sSubSupPr>
+                                    <m:ctrlPr>
+                                      <a:rPr lang="en-US" i="1">
+                                        <a:latin typeface="Cambria Math"/>
+                                      </a:rPr>
+                                    </m:ctrlPr>
+                                  </m:sSubSupPr>
+                                  <m:e>
+                                    <m:r>
+                                      <a:rPr lang="en-US" i="1">
+                                        <a:latin typeface="Cambria Math"/>
+                                      </a:rPr>
+                                      <m:t>𝜆</m:t>
+                                    </m:r>
+                                  </m:e>
+                                  <m:sub>
+                                    <m:r>
+                                      <a:rPr lang="en-US" i="1">
+                                        <a:latin typeface="Cambria Math"/>
+                                      </a:rPr>
+                                      <m:t>1</m:t>
+                                    </m:r>
+                                  </m:sub>
+                                  <m:sup>
+                                    <m:r>
+                                      <a:rPr lang="en-US" i="1">
+                                        <a:latin typeface="Cambria Math"/>
+                                      </a:rPr>
+                                      <m:t>2</m:t>
+                                    </m:r>
+                                  </m:sup>
+                                </m:sSubSup>
+                                <m:r>
+                                  <a:rPr lang="en-US" i="1">
+                                    <a:latin typeface="Cambria Math"/>
+                                  </a:rPr>
+                                  <m:t>−</m:t>
+                                </m:r>
+                                <m:sSubSup>
+                                  <m:sSubSupPr>
+                                    <m:ctrlPr>
+                                      <a:rPr lang="en-US" i="1">
+                                        <a:latin typeface="Cambria Math"/>
+                                      </a:rPr>
+                                    </m:ctrlPr>
+                                  </m:sSubSupPr>
+                                  <m:e>
+                                    <m:r>
+                                      <a:rPr lang="en-US" i="1">
+                                        <a:latin typeface="Cambria Math"/>
+                                      </a:rPr>
+                                      <m:t>𝜆</m:t>
+                                    </m:r>
+                                  </m:e>
+                                  <m:sub>
+                                    <m:r>
+                                      <a:rPr lang="en-US" i="1">
+                                        <a:latin typeface="Cambria Math"/>
+                                      </a:rPr>
+                                      <m:t>2</m:t>
+                                    </m:r>
+                                  </m:sub>
+                                  <m:sup>
+                                    <m:r>
+                                      <a:rPr lang="en-US" i="1">
+                                        <a:latin typeface="Cambria Math"/>
+                                      </a:rPr>
+                                      <m:t>2</m:t>
+                                    </m:r>
+                                  </m:sup>
+                                </m:sSubSup>
+                                <m:r>
+                                  <a:rPr lang="en-US" b="0" i="1" smtClean="0">
+                                    <a:latin typeface="Cambria Math"/>
+                                  </a:rPr>
+                                  <m:t>+</m:t>
+                                </m:r>
+                                <m:sSubSup>
+                                  <m:sSubSupPr>
+                                    <m:ctrlPr>
+                                      <a:rPr lang="en-US" i="1">
+                                        <a:latin typeface="Cambria Math"/>
+                                      </a:rPr>
+                                    </m:ctrlPr>
+                                  </m:sSubSupPr>
+                                  <m:e>
+                                    <m:r>
+                                      <a:rPr lang="en-US" i="1">
+                                        <a:latin typeface="Cambria Math"/>
+                                      </a:rPr>
+                                      <m:t>𝜆</m:t>
+                                    </m:r>
+                                  </m:e>
+                                  <m:sub>
+                                    <m:r>
+                                      <a:rPr lang="en-US" i="1">
+                                        <a:latin typeface="Cambria Math"/>
+                                      </a:rPr>
+                                      <m:t>3</m:t>
+                                    </m:r>
+                                  </m:sub>
+                                  <m:sup>
+                                    <m:r>
+                                      <a:rPr lang="en-US" i="1">
+                                        <a:latin typeface="Cambria Math"/>
+                                      </a:rPr>
+                                      <m:t>2</m:t>
+                                    </m:r>
+                                  </m:sup>
+                                </m:sSubSup>
+                              </m:e>
+                            </m:mr>
+                          </m:m>
+                        </m:e>
+                      </m:d>
+                    </m:oMath>
+                  </m:oMathPara>
+                </a14:m>
+                <a:endParaRPr lang="en-US" dirty="0"/>
+              </a:p>
+            </p:txBody>
+          </p:sp>
+        </mc:Choice>
+        <mc:Fallback>
+          <p:sp>
+            <p:nvSpPr>
+              <p:cNvPr id="3" name="TextBox 2"/>
+              <p:cNvSpPr txBox="1">
+                <a:spLocks noRot="1" noChangeAspect="1" noMove="1" noResize="1" noEditPoints="1" noAdjustHandles="1" noChangeArrowheads="1" noChangeShapeType="1" noTextEdit="1"/>
+              </p:cNvSpPr>
+              <p:nvPr/>
+            </p:nvSpPr>
+            <p:spPr>
+              <a:xfrm>
+                <a:off x="251520" y="1347614"/>
+                <a:ext cx="8496944" cy="2171813"/>
+              </a:xfrm>
+              <a:prstGeom prst="rect">
+                <a:avLst/>
+              </a:prstGeom>
+              <a:blipFill rotWithShape="1">
+                <a:blip r:embed="rId3"/>
+                <a:stretch>
+                  <a:fillRect l="-574" t="-1404"/>
+                </a:stretch>
+              </a:blipFill>
+            </p:spPr>
+            <p:txBody>
+              <a:bodyPr/>
+              <a:lstStyle/>
+              <a:p>
+                <a:r>
+                  <a:rPr lang="en-US">
+                    <a:noFill/>
+                  </a:rPr>
+                  <a:t> </a:t>
+                </a:r>
+              </a:p>
+            </p:txBody>
+          </p:sp>
+        </mc:Fallback>
+      </mc:AlternateContent>
+    </p:spTree>
+    <p:extLst>
+      <p:ext uri="{BB962C8B-B14F-4D97-AF65-F5344CB8AC3E}">
+        <p14:creationId xmlns:p14="http://schemas.microsoft.com/office/powerpoint/2010/main" val="3304393810"/>
+      </p:ext>
+    </p:extLst>
+  </p:cSld>
+  <p:clrMapOvr>
+    <a:masterClrMapping/>
+  </p:clrMapOvr>
+  <p:timing>
+    <p:tnLst>
+      <p:par>
+        <p:cTn id="1" dur="indefinite" restart="never" nodeType="tmRoot"/>
+      </p:par>
+    </p:tnLst>
+  </p:timing>
+</p:sld>
+</file>
+
+<file path=ppt/slides/slide12.xml><?xml version="1.0" encoding="utf-8"?>
+<p:sld xmlns:a="http://schemas.openxmlformats.org/drawingml/2006/main" xmlns:r="http://schemas.openxmlformats.org/officeDocument/2006/relationships" xmlns:p="http://schemas.openxmlformats.org/presentationml/2006/main">
+  <p:cSld>
+    <p:spTree>
+      <p:nvGrpSpPr>
+        <p:cNvPr id="1" name=""/>
+        <p:cNvGrpSpPr/>
+        <p:nvPr/>
+      </p:nvGrpSpPr>
+      <p:grpSpPr>
+        <a:xfrm>
+          <a:off x="0" y="0"/>
+          <a:ext cx="0" cy="0"/>
+          <a:chOff x="0" y="0"/>
+          <a:chExt cx="0" cy="0"/>
+        </a:xfrm>
+      </p:grpSpPr>
+      <p:sp>
+        <p:nvSpPr>
+          <p:cNvPr id="2" name="Заголовок 1"/>
+          <p:cNvSpPr>
+            <a:spLocks noGrp="1"/>
+          </p:cNvSpPr>
+          <p:nvPr>
+            <p:ph type="title"/>
+          </p:nvPr>
+        </p:nvSpPr>
+        <p:spPr>
+          <a:xfrm>
+            <a:off x="457200" y="51470"/>
+            <a:ext cx="8229600" cy="857250"/>
+          </a:xfrm>
+        </p:spPr>
+        <p:txBody>
+          <a:bodyPr>
+            <a:noAutofit/>
+          </a:bodyPr>
+          <a:lstStyle/>
+          <a:p>
+            <a:r>
+              <a:rPr lang="ru-RU" sz="3600" dirty="0" err="1" smtClean="0"/>
+              <a:t>Кватернионное</a:t>
+            </a:r>
+            <a:r>
+              <a:rPr lang="ru-RU" sz="3600" dirty="0" smtClean="0"/>
+              <a:t> кинематическое уравнение</a:t>
+            </a:r>
+            <a:endParaRPr lang="en-US" sz="3600" dirty="0"/>
+          </a:p>
+        </p:txBody>
+      </p:sp>
+      <mc:AlternateContent xmlns:mc="http://schemas.openxmlformats.org/markup-compatibility/2006">
+        <mc:Choice xmlns:a14="http://schemas.microsoft.com/office/drawing/2010/main" Requires="a14">
+          <p:sp>
+            <p:nvSpPr>
+              <p:cNvPr id="4" name="TextBox 3"/>
+              <p:cNvSpPr txBox="1"/>
+              <p:nvPr/>
+            </p:nvSpPr>
+            <p:spPr>
+              <a:xfrm>
+                <a:off x="539552" y="1131590"/>
+                <a:ext cx="8208912" cy="3712940"/>
+              </a:xfrm>
+              <a:prstGeom prst="rect">
+                <a:avLst/>
+              </a:prstGeom>
+              <a:noFill/>
+            </p:spPr>
+            <p:txBody>
+              <a:bodyPr wrap="square" rtlCol="0">
+                <a:spAutoFit/>
+              </a:bodyPr>
+              <a:lstStyle/>
+              <a:p>
+                <a:pPr>
+                  <a:lnSpc>
+                    <a:spcPct val="150000"/>
+                  </a:lnSpc>
+                </a:pPr>
+                <a14:m>
+                  <m:oMathPara xmlns:m="http://schemas.openxmlformats.org/officeDocument/2006/math">
+                    <m:oMathParaPr>
+                      <m:jc m:val="centerGroup"/>
+                    </m:oMathParaPr>
+                    <m:oMath xmlns:m="http://schemas.openxmlformats.org/officeDocument/2006/math">
+                      <m:acc>
+                        <m:accPr>
+                          <m:chr m:val="̇"/>
+                          <m:ctrlPr>
+                            <a:rPr lang="ru-RU" b="0" i="1" smtClean="0">
+                              <a:latin typeface="Cambria Math"/>
+                            </a:rPr>
+                          </m:ctrlPr>
+                        </m:accPr>
+                        <m:e>
+                          <m:r>
+                            <m:rPr>
+                              <m:sty m:val="p"/>
+                            </m:rPr>
+                            <a:rPr lang="en-US" b="0" i="0" smtClean="0">
+                              <a:latin typeface="Cambria Math"/>
+                            </a:rPr>
+                            <m:t>Λ</m:t>
+                          </m:r>
+                        </m:e>
+                      </m:acc>
+                      <m:r>
+                        <a:rPr lang="en-US" b="0" i="1" smtClean="0">
+                          <a:latin typeface="Cambria Math"/>
+                        </a:rPr>
+                        <m:t>=</m:t>
+                      </m:r>
+                      <m:f>
+                        <m:fPr>
+                          <m:ctrlPr>
+                            <a:rPr lang="en-US" b="0" i="1" smtClean="0">
+                              <a:latin typeface="Cambria Math"/>
+                            </a:rPr>
+                          </m:ctrlPr>
+                        </m:fPr>
+                        <m:num>
+                          <m:r>
+                            <a:rPr lang="en-US" b="0" i="1" smtClean="0">
+                              <a:latin typeface="Cambria Math"/>
+                            </a:rPr>
+                            <m:t>1</m:t>
+                          </m:r>
+                        </m:num>
+                        <m:den>
+                          <m:r>
+                            <a:rPr lang="en-US" b="0" i="1" smtClean="0">
+                              <a:latin typeface="Cambria Math"/>
+                            </a:rPr>
+                            <m:t>2</m:t>
+                          </m:r>
+                        </m:den>
+                      </m:f>
+                      <m:r>
+                        <m:rPr>
+                          <m:sty m:val="p"/>
+                        </m:rPr>
+                        <a:rPr lang="en-US" b="0" i="0" smtClean="0">
+                          <a:latin typeface="Cambria Math"/>
+                        </a:rPr>
+                        <m:t>Ω</m:t>
+                      </m:r>
+                      <m:r>
+                        <a:rPr lang="en-US" b="0" i="0" smtClean="0">
+                          <a:latin typeface="Cambria Math"/>
+                        </a:rPr>
+                        <m:t>(</m:t>
+                      </m:r>
+                      <m:sSubSup>
+                        <m:sSubSupPr>
+                          <m:ctrlPr>
+                            <a:rPr lang="en-US" b="0" i="1" smtClean="0">
+                              <a:latin typeface="Cambria Math"/>
+                            </a:rPr>
+                          </m:ctrlPr>
+                        </m:sSubSupPr>
+                        <m:e>
+                          <m:r>
+                            <a:rPr lang="en-US" b="1" i="1" smtClean="0">
+                              <a:latin typeface="Cambria Math"/>
+                            </a:rPr>
+                            <m:t>𝝎</m:t>
+                          </m:r>
+                        </m:e>
+                        <m:sub>
+                          <m:r>
+                            <a:rPr lang="en-US" b="0" i="1" smtClean="0">
+                              <a:latin typeface="Cambria Math"/>
+                            </a:rPr>
+                            <m:t>𝑏</m:t>
+                          </m:r>
+                          <m:r>
+                            <a:rPr lang="en-US" b="0" i="1" smtClean="0">
+                              <a:latin typeface="Cambria Math"/>
+                            </a:rPr>
+                            <m:t>/</m:t>
+                          </m:r>
+                          <m:r>
+                            <a:rPr lang="en-US" b="0" i="1" smtClean="0">
+                              <a:latin typeface="Cambria Math"/>
+                            </a:rPr>
+                            <m:t>𝑖</m:t>
+                          </m:r>
+                        </m:sub>
+                        <m:sup>
+                          <m:r>
+                            <a:rPr lang="en-US" b="0" i="1" smtClean="0">
+                              <a:latin typeface="Cambria Math"/>
+                            </a:rPr>
+                            <m:t>𝑏</m:t>
+                          </m:r>
+                        </m:sup>
+                      </m:sSubSup>
+                      <m:r>
+                        <a:rPr lang="en-US" b="0" i="0" smtClean="0">
+                          <a:latin typeface="Cambria Math"/>
+                        </a:rPr>
+                        <m:t>)</m:t>
+                      </m:r>
+                      <m:r>
+                        <m:rPr>
+                          <m:sty m:val="p"/>
+                        </m:rPr>
+                        <a:rPr lang="en-US" b="0" i="0" smtClean="0">
+                          <a:latin typeface="Cambria Math"/>
+                        </a:rPr>
+                        <m:t>Λ</m:t>
+                      </m:r>
+                      <m:r>
+                        <a:rPr lang="en-US" b="0" i="0" smtClean="0">
+                          <a:latin typeface="Cambria Math"/>
+                        </a:rPr>
+                        <m:t>(</m:t>
+                      </m:r>
+                      <m:r>
+                        <m:rPr>
+                          <m:sty m:val="p"/>
+                        </m:rPr>
+                        <a:rPr lang="en-US" b="0" i="0" smtClean="0">
+                          <a:latin typeface="Cambria Math"/>
+                        </a:rPr>
+                        <m:t>t</m:t>
+                      </m:r>
+                      <m:r>
+                        <a:rPr lang="en-US" b="0" i="0" smtClean="0">
+                          <a:latin typeface="Cambria Math"/>
+                        </a:rPr>
+                        <m:t>)</m:t>
+                      </m:r>
+                    </m:oMath>
+                  </m:oMathPara>
+                </a14:m>
+                <a:endParaRPr lang="en-US" dirty="0" smtClean="0"/>
+              </a:p>
+              <a:p>
+                <a:pPr>
+                  <a:lnSpc>
+                    <a:spcPct val="150000"/>
+                  </a:lnSpc>
+                </a:pPr>
+                <a14:m>
+                  <m:oMathPara xmlns:m="http://schemas.openxmlformats.org/officeDocument/2006/math">
+                    <m:oMathParaPr>
+                      <m:jc m:val="centerGroup"/>
+                    </m:oMathParaPr>
+                    <m:oMath xmlns:m="http://schemas.openxmlformats.org/officeDocument/2006/math">
+                      <m:r>
+                        <m:rPr>
+                          <m:sty m:val="p"/>
+                        </m:rPr>
+                        <a:rPr lang="en-US">
+                          <a:latin typeface="Cambria Math"/>
+                        </a:rPr>
+                        <m:t>Ω</m:t>
+                      </m:r>
+                      <m:d>
+                        <m:dPr>
+                          <m:ctrlPr>
+                            <a:rPr lang="en-US" i="1">
+                              <a:latin typeface="Cambria Math"/>
+                            </a:rPr>
+                          </m:ctrlPr>
+                        </m:dPr>
+                        <m:e>
+                          <m:sSubSup>
+                            <m:sSubSupPr>
+                              <m:ctrlPr>
+                                <a:rPr lang="en-US" i="1">
+                                  <a:latin typeface="Cambria Math"/>
+                                </a:rPr>
+                              </m:ctrlPr>
+                            </m:sSubSupPr>
+                            <m:e>
+                              <m:r>
+                                <a:rPr lang="en-US" b="1" i="1">
+                                  <a:latin typeface="Cambria Math"/>
+                                </a:rPr>
+                                <m:t>𝝎</m:t>
+                              </m:r>
+                            </m:e>
+                            <m:sub>
+                              <m:r>
+                                <a:rPr lang="en-US" b="0" i="1" smtClean="0">
+                                  <a:latin typeface="Cambria Math"/>
+                                </a:rPr>
+                                <m:t>𝑏</m:t>
+                              </m:r>
+                              <m:r>
+                                <a:rPr lang="en-US" b="0" i="1" smtClean="0">
+                                  <a:latin typeface="Cambria Math"/>
+                                </a:rPr>
+                                <m:t>/</m:t>
+                              </m:r>
+                              <m:r>
+                                <a:rPr lang="en-US" b="0" i="1" smtClean="0">
+                                  <a:latin typeface="Cambria Math"/>
+                                </a:rPr>
+                                <m:t>𝑖</m:t>
+                              </m:r>
+                            </m:sub>
+                            <m:sup>
+                              <m:r>
+                                <a:rPr lang="en-US" i="1">
+                                  <a:latin typeface="Cambria Math"/>
+                                </a:rPr>
+                                <m:t>𝑏</m:t>
+                              </m:r>
+                            </m:sup>
+                          </m:sSubSup>
+                        </m:e>
+                      </m:d>
+                      <m:r>
+                        <a:rPr lang="ru-RU" b="0" i="1" smtClean="0">
+                          <a:latin typeface="Cambria Math"/>
+                        </a:rPr>
+                        <m:t>=</m:t>
+                      </m:r>
+                      <m:d>
+                        <m:dPr>
+                          <m:ctrlPr>
+                            <a:rPr lang="en-US" b="0" i="1" smtClean="0">
+                              <a:latin typeface="Cambria Math"/>
+                            </a:rPr>
+                          </m:ctrlPr>
+                        </m:dPr>
+                        <m:e>
+                          <m:m>
+                            <m:mPr>
+                              <m:mcs>
+                                <m:mc>
+                                  <m:mcPr>
+                                    <m:count m:val="3"/>
+                                    <m:mcJc m:val="center"/>
+                                  </m:mcPr>
+                                </m:mc>
+                              </m:mcs>
+                              <m:ctrlPr>
+                                <a:rPr lang="en-US" b="0" i="1" smtClean="0">
+                                  <a:latin typeface="Cambria Math"/>
+                                </a:rPr>
+                              </m:ctrlPr>
+                            </m:mPr>
+                            <m:mr>
+                              <m:e>
+                                <m:r>
+                                  <m:rPr>
+                                    <m:brk m:alnAt="7"/>
+                                  </m:rPr>
+                                  <a:rPr lang="en-US" b="0" i="1" smtClean="0">
+                                    <a:latin typeface="Cambria Math"/>
+                                  </a:rPr>
+                                  <m:t>0</m:t>
+                                </m:r>
+                              </m:e>
+                              <m:e>
+                                <m:r>
+                                  <a:rPr lang="en-US" b="0" i="1" smtClean="0">
+                                    <a:latin typeface="Cambria Math"/>
+                                  </a:rPr>
+                                  <m:t>−</m:t>
+                                </m:r>
+                                <m:r>
+                                  <a:rPr lang="en-US" b="0" i="1" smtClean="0">
+                                    <a:latin typeface="Cambria Math"/>
+                                  </a:rPr>
+                                  <m:t>𝑝</m:t>
+                                </m:r>
+                              </m:e>
+                              <m:e>
+                                <m:m>
+                                  <m:mPr>
+                                    <m:mcs>
+                                      <m:mc>
+                                        <m:mcPr>
+                                          <m:count m:val="2"/>
+                                          <m:mcJc m:val="center"/>
+                                        </m:mcPr>
+                                      </m:mc>
+                                    </m:mcs>
+                                    <m:ctrlPr>
+                                      <a:rPr lang="en-US" b="0" i="1" smtClean="0">
+                                        <a:latin typeface="Cambria Math"/>
+                                      </a:rPr>
+                                    </m:ctrlPr>
+                                  </m:mPr>
+                                  <m:mr>
+                                    <m:e>
+                                      <m:r>
+                                        <m:rPr>
+                                          <m:brk m:alnAt="7"/>
+                                        </m:rPr>
+                                        <a:rPr lang="en-US" b="0" i="1" smtClean="0">
+                                          <a:latin typeface="Cambria Math"/>
+                                        </a:rPr>
+                                        <m:t>−</m:t>
+                                      </m:r>
+                                      <m:r>
+                                        <m:rPr>
+                                          <m:brk m:alnAt="7"/>
+                                        </m:rPr>
+                                        <a:rPr lang="en-US" b="0" i="1" smtClean="0">
+                                          <a:latin typeface="Cambria Math"/>
+                                        </a:rPr>
+                                        <m:t>𝑞</m:t>
+                                      </m:r>
+                                    </m:e>
+                                    <m:e>
+                                      <m:r>
+                                        <a:rPr lang="en-US" b="0" i="1" smtClean="0">
+                                          <a:latin typeface="Cambria Math"/>
+                                        </a:rPr>
+                                        <m:t>−</m:t>
+                                      </m:r>
+                                      <m:r>
+                                        <a:rPr lang="en-US" b="0" i="1" smtClean="0">
+                                          <a:latin typeface="Cambria Math"/>
+                                        </a:rPr>
+                                        <m:t>𝑟</m:t>
+                                      </m:r>
+                                    </m:e>
+                                  </m:mr>
+                                </m:m>
+                              </m:e>
+                            </m:mr>
+                            <m:mr>
+                              <m:e>
+                                <m:r>
+                                  <a:rPr lang="en-US" b="0" i="1" smtClean="0">
+                                    <a:latin typeface="Cambria Math"/>
+                                  </a:rPr>
+                                  <m:t>𝑝</m:t>
+                                </m:r>
+                              </m:e>
+                              <m:e>
+                                <m:r>
+                                  <a:rPr lang="en-US" b="0" i="1" smtClean="0">
+                                    <a:latin typeface="Cambria Math"/>
+                                  </a:rPr>
+                                  <m:t>0</m:t>
+                                </m:r>
+                              </m:e>
+                              <m:e>
+                                <m:m>
+                                  <m:mPr>
+                                    <m:mcs>
+                                      <m:mc>
+                                        <m:mcPr>
+                                          <m:count m:val="2"/>
+                                          <m:mcJc m:val="center"/>
+                                        </m:mcPr>
+                                      </m:mc>
+                                    </m:mcs>
+                                    <m:ctrlPr>
+                                      <a:rPr lang="en-US" b="0" i="1" smtClean="0">
+                                        <a:latin typeface="Cambria Math"/>
+                                      </a:rPr>
+                                    </m:ctrlPr>
+                                  </m:mPr>
+                                  <m:mr>
+                                    <m:e>
+                                      <m:r>
+                                        <m:rPr>
+                                          <m:brk m:alnAt="7"/>
+                                        </m:rPr>
+                                        <a:rPr lang="en-US" b="0" i="1" smtClean="0">
+                                          <a:latin typeface="Cambria Math"/>
+                                        </a:rPr>
+                                        <m:t>𝑟</m:t>
+                                      </m:r>
+                                    </m:e>
+                                    <m:e>
+                                      <m:r>
+                                        <a:rPr lang="en-US" b="0" i="1" smtClean="0">
+                                          <a:latin typeface="Cambria Math"/>
+                                        </a:rPr>
+                                        <m:t>−</m:t>
+                                      </m:r>
+                                      <m:r>
+                                        <a:rPr lang="en-US" b="0" i="1" smtClean="0">
+                                          <a:latin typeface="Cambria Math"/>
+                                        </a:rPr>
+                                        <m:t>𝑞</m:t>
+                                      </m:r>
+                                    </m:e>
+                                  </m:mr>
+                                </m:m>
+                              </m:e>
+                            </m:mr>
+                            <m:mr>
+                              <m:e>
+                                <m:eqArr>
+                                  <m:eqArrPr>
+                                    <m:ctrlPr>
+                                      <a:rPr lang="en-US" b="0" i="1" smtClean="0">
+                                        <a:latin typeface="Cambria Math"/>
+                                      </a:rPr>
+                                    </m:ctrlPr>
+                                  </m:eqArrPr>
+                                  <m:e>
+                                    <m:r>
+                                      <a:rPr lang="en-US" b="0" i="1" smtClean="0">
+                                        <a:latin typeface="Cambria Math"/>
+                                      </a:rPr>
+                                      <m:t>𝑞</m:t>
+                                    </m:r>
+                                  </m:e>
+                                  <m:e>
+                                    <m:r>
+                                      <a:rPr lang="en-US" b="0" i="1" smtClean="0">
+                                        <a:latin typeface="Cambria Math"/>
+                                      </a:rPr>
+                                      <m:t>𝑟</m:t>
+                                    </m:r>
+                                  </m:e>
+                                </m:eqArr>
+                              </m:e>
+                              <m:e>
+                                <m:eqArr>
+                                  <m:eqArrPr>
+                                    <m:ctrlPr>
+                                      <a:rPr lang="en-US" b="0" i="1" smtClean="0">
+                                        <a:latin typeface="Cambria Math"/>
+                                      </a:rPr>
+                                    </m:ctrlPr>
+                                  </m:eqArrPr>
+                                  <m:e>
+                                    <m:r>
+                                      <a:rPr lang="en-US" b="0" i="1" smtClean="0">
+                                        <a:latin typeface="Cambria Math"/>
+                                      </a:rPr>
+                                      <m:t>−</m:t>
+                                    </m:r>
+                                    <m:r>
+                                      <a:rPr lang="en-US" b="0" i="1" smtClean="0">
+                                        <a:latin typeface="Cambria Math"/>
+                                      </a:rPr>
+                                      <m:t>𝑟</m:t>
+                                    </m:r>
+                                  </m:e>
+                                  <m:e>
+                                    <m:r>
+                                      <a:rPr lang="en-US" b="0" i="1" smtClean="0">
+                                        <a:latin typeface="Cambria Math"/>
+                                      </a:rPr>
+                                      <m:t>𝑞</m:t>
+                                    </m:r>
+                                  </m:e>
+                                </m:eqArr>
+                              </m:e>
+                              <m:e>
+                                <m:m>
+                                  <m:mPr>
+                                    <m:mcs>
+                                      <m:mc>
+                                        <m:mcPr>
+                                          <m:count m:val="2"/>
+                                          <m:mcJc m:val="center"/>
+                                        </m:mcPr>
+                                      </m:mc>
+                                    </m:mcs>
+                                    <m:ctrlPr>
+                                      <a:rPr lang="en-US" b="0" i="1" smtClean="0">
+                                        <a:latin typeface="Cambria Math"/>
+                                      </a:rPr>
+                                    </m:ctrlPr>
+                                  </m:mPr>
+                                  <m:mr>
+                                    <m:e>
+                                      <m:eqArr>
+                                        <m:eqArrPr>
+                                          <m:ctrlPr>
+                                            <a:rPr lang="en-US" b="0" i="1" smtClean="0">
+                                              <a:latin typeface="Cambria Math"/>
+                                            </a:rPr>
+                                          </m:ctrlPr>
+                                        </m:eqArrPr>
+                                        <m:e>
+                                          <m:r>
+                                            <a:rPr lang="en-US" b="0" i="1" smtClean="0">
+                                              <a:latin typeface="Cambria Math"/>
+                                            </a:rPr>
+                                            <m:t>0</m:t>
+                                          </m:r>
+                                        </m:e>
+                                        <m:e>
+                                          <m:r>
+                                            <a:rPr lang="en-US" b="0" i="1" smtClean="0">
+                                              <a:latin typeface="Cambria Math"/>
+                                            </a:rPr>
+                                            <m:t>−</m:t>
+                                          </m:r>
+                                          <m:r>
+                                            <a:rPr lang="en-US" b="0" i="1" smtClean="0">
+                                              <a:latin typeface="Cambria Math"/>
+                                            </a:rPr>
+                                            <m:t>𝑝</m:t>
+                                          </m:r>
+                                        </m:e>
+                                      </m:eqArr>
+                                    </m:e>
+                                    <m:e>
+                                      <m:eqArr>
+                                        <m:eqArrPr>
+                                          <m:ctrlPr>
+                                            <a:rPr lang="en-US" b="0" i="1" smtClean="0">
+                                              <a:latin typeface="Cambria Math"/>
+                                            </a:rPr>
+                                          </m:ctrlPr>
+                                        </m:eqArrPr>
+                                        <m:e>
+                                          <m:r>
+                                            <a:rPr lang="en-US" b="0" i="1" smtClean="0">
+                                              <a:latin typeface="Cambria Math"/>
+                                            </a:rPr>
+                                            <m:t>𝑝</m:t>
+                                          </m:r>
+                                        </m:e>
+                                        <m:e>
+                                          <m:r>
+                                            <a:rPr lang="en-US" b="0" i="1" smtClean="0">
+                                              <a:latin typeface="Cambria Math"/>
+                                            </a:rPr>
+                                            <m:t>0</m:t>
+                                          </m:r>
+                                        </m:e>
+                                      </m:eqArr>
+                                    </m:e>
+                                  </m:mr>
+                                </m:m>
+                              </m:e>
+                            </m:mr>
+                          </m:m>
+                        </m:e>
+                      </m:d>
+                    </m:oMath>
+                  </m:oMathPara>
+                </a14:m>
+                <a:endParaRPr lang="en-US" dirty="0" smtClean="0"/>
+              </a:p>
+              <a:p>
+                <a:pPr>
+                  <a:lnSpc>
+                    <a:spcPct val="150000"/>
+                  </a:lnSpc>
+                </a:pPr>
+                <a:r>
+                  <a:rPr lang="ru-RU" dirty="0" smtClean="0"/>
+                  <a:t>4 дифференциальных уравнения первого порядка вместо 9 для уравнения Пуассона. Стабильность при численном интегрировании – нормировка кватерниона на 1, так как повороту СК соответствует нормированный кватернион</a:t>
+                </a:r>
+                <a:endParaRPr lang="en-US" dirty="0"/>
+              </a:p>
+            </p:txBody>
+          </p:sp>
+        </mc:Choice>
+        <mc:Fallback>
+          <p:sp>
+            <p:nvSpPr>
+              <p:cNvPr id="4" name="TextBox 3"/>
+              <p:cNvSpPr txBox="1">
+                <a:spLocks noRot="1" noChangeAspect="1" noMove="1" noResize="1" noEditPoints="1" noAdjustHandles="1" noChangeArrowheads="1" noChangeShapeType="1" noTextEdit="1"/>
+              </p:cNvSpPr>
+              <p:nvPr/>
+            </p:nvSpPr>
+            <p:spPr>
+              <a:xfrm>
+                <a:off x="539552" y="1131590"/>
+                <a:ext cx="8208912" cy="3712940"/>
+              </a:xfrm>
+              <a:prstGeom prst="rect">
+                <a:avLst/>
+              </a:prstGeom>
+              <a:blipFill rotWithShape="1">
+                <a:blip r:embed="rId2"/>
+                <a:stretch>
+                  <a:fillRect l="-669" r="-297" b="-493"/>
+                </a:stretch>
+              </a:blipFill>
+            </p:spPr>
+            <p:txBody>
+              <a:bodyPr/>
+              <a:lstStyle/>
+              <a:p>
+                <a:r>
+                  <a:rPr lang="en-US">
+                    <a:noFill/>
+                  </a:rPr>
+                  <a:t> </a:t>
+                </a:r>
+              </a:p>
+            </p:txBody>
+          </p:sp>
+        </mc:Fallback>
+      </mc:AlternateContent>
+    </p:spTree>
+    <p:extLst>
+      <p:ext uri="{BB962C8B-B14F-4D97-AF65-F5344CB8AC3E}">
+        <p14:creationId xmlns:p14="http://schemas.microsoft.com/office/powerpoint/2010/main" val="2005484729"/>
+      </p:ext>
+    </p:extLst>
+  </p:cSld>
+  <p:clrMapOvr>
+    <a:masterClrMapping/>
+  </p:clrMapOvr>
+  <p:timing>
+    <p:tnLst>
+      <p:par>
+        <p:cTn id="1" dur="indefinite" restart="never" nodeType="tmRoot"/>
+      </p:par>
+    </p:tnLst>
+  </p:timing>
+</p:sld>
+</file>
+
 <file path=ppt/slides/slide2.xml><?xml version="1.0" encoding="utf-8"?>
 <p:sld xmlns:a="http://schemas.openxmlformats.org/drawingml/2006/main" xmlns:r="http://schemas.openxmlformats.org/officeDocument/2006/relationships" xmlns:p="http://schemas.openxmlformats.org/presentationml/2006/main">
   <p:cSld>
@@ -3385,8 +6500,8 @@
           </a:p>
         </p:txBody>
       </p:sp>
-      <mc:AlternateContent xmlns:mc="http://schemas.openxmlformats.org/markup-compatibility/2006" xmlns:a14="http://schemas.microsoft.com/office/drawing/2010/main">
-        <mc:Choice Requires="a14">
+      <mc:AlternateContent xmlns:mc="http://schemas.openxmlformats.org/markup-compatibility/2006">
+        <mc:Choice xmlns:a14="http://schemas.microsoft.com/office/drawing/2010/main" Requires="a14">
           <p:graphicFrame>
             <p:nvGraphicFramePr>
               <p:cNvPr id="5" name="Таблица 4"/>
@@ -3396,14 +6511,14 @@
               <p:nvPr>
                 <p:extLst>
                   <p:ext uri="{D42A27DB-BD31-4B8C-83A1-F6EECF244321}">
-                    <p14:modId xmlns:p14="http://schemas.microsoft.com/office/powerpoint/2010/main" val="1411405109"/>
+                    <p14:modId xmlns:p14="http://schemas.microsoft.com/office/powerpoint/2010/main" val="3861217990"/>
                   </p:ext>
                 </p:extLst>
               </p:nvPr>
             </p:nvGraphicFramePr>
             <p:xfrm>
-              <a:off x="107504" y="759830"/>
-              <a:ext cx="5472608" cy="3638280"/>
+              <a:off x="107504" y="555526"/>
+              <a:ext cx="5472608" cy="4442382"/>
             </p:xfrm>
             <a:graphic>
               <a:graphicData uri="http://schemas.openxmlformats.org/drawingml/2006/table">
@@ -3565,7 +6680,7 @@
                             </a:spcAft>
                           </a:pPr>
                           <a:r>
-                            <a:rPr lang="ru-RU" sz="1100" dirty="0">
+                            <a:rPr lang="ru-RU" sz="1200" dirty="0">
                               <a:effectLst/>
                             </a:rPr>
                             <a:t>Положение ЛА по северной координате </a:t>
@@ -3575,7 +6690,7 @@
                               <m:sSub>
                                 <m:sSubPr>
                                   <m:ctrlPr>
-                                    <a:rPr lang="en-US" sz="1100" i="1">
+                                    <a:rPr lang="en-US" sz="1200" i="1">
                                       <a:effectLst/>
                                       <a:latin typeface="Cambria Math"/>
                                     </a:rPr>
@@ -3583,7 +6698,7 @@
                                 </m:sSubPr>
                                 <m:e>
                                   <m:r>
-                                    <a:rPr lang="ru-RU" sz="1100">
+                                    <a:rPr lang="ru-RU" sz="1200">
                                       <a:effectLst/>
                                       <a:latin typeface="Cambria Math"/>
                                     </a:rPr>
@@ -3592,7 +6707,7 @@
                                 </m:e>
                                 <m:sub>
                                   <m:r>
-                                    <a:rPr lang="ru-RU" sz="1100">
+                                    <a:rPr lang="ru-RU" sz="1200">
                                       <a:effectLst/>
                                       <a:latin typeface="Cambria Math"/>
                                     </a:rPr>
@@ -3603,18 +6718,18 @@
                             </m:oMath>
                           </a14:m>
                           <a:r>
-                            <a:rPr lang="ru-RU" sz="1100" dirty="0">
+                            <a:rPr lang="ru-RU" sz="1200" dirty="0">
                               <a:effectLst/>
                             </a:rPr>
                             <a:t> в инерциальной СК </a:t>
                           </a:r>
                           <a:r>
-                            <a:rPr lang="en-US" sz="1100" dirty="0">
+                            <a:rPr lang="en-US" sz="1200" dirty="0">
                               <a:effectLst/>
                             </a:rPr>
                             <a:t>NED </a:t>
                           </a:r>
-                          <a:endParaRPr lang="en-US" sz="1100" dirty="0">
+                          <a:endParaRPr lang="en-US" sz="1200" dirty="0">
                             <a:effectLst/>
                             <a:latin typeface="Times New Roman"/>
                             <a:ea typeface="Calibri"/>
@@ -3700,7 +6815,7 @@
                             </a:spcAft>
                           </a:pPr>
                           <a:r>
-                            <a:rPr lang="ru-RU" sz="1100" dirty="0">
+                            <a:rPr lang="ru-RU" sz="1200" dirty="0">
                               <a:effectLst/>
                             </a:rPr>
                             <a:t>Положение ЛА по восточной координате </a:t>
@@ -3710,7 +6825,7 @@
                               <m:sSub>
                                 <m:sSubPr>
                                   <m:ctrlPr>
-                                    <a:rPr lang="en-US" sz="1100" i="1">
+                                    <a:rPr lang="en-US" sz="1200" i="1">
                                       <a:effectLst/>
                                       <a:latin typeface="Cambria Math"/>
                                     </a:rPr>
@@ -3718,7 +6833,7 @@
                                 </m:sSubPr>
                                 <m:e>
                                   <m:r>
-                                    <a:rPr lang="ru-RU" sz="1100">
+                                    <a:rPr lang="ru-RU" sz="1200">
                                       <a:effectLst/>
                                       <a:latin typeface="Cambria Math"/>
                                     </a:rPr>
@@ -3727,7 +6842,7 @@
                                 </m:e>
                                 <m:sub>
                                   <m:r>
-                                    <a:rPr lang="ru-RU" sz="1100">
+                                    <a:rPr lang="ru-RU" sz="1200">
                                       <a:effectLst/>
                                       <a:latin typeface="Cambria Math"/>
                                     </a:rPr>
@@ -3738,18 +6853,18 @@
                             </m:oMath>
                           </a14:m>
                           <a:r>
-                            <a:rPr lang="ru-RU" sz="1100" dirty="0">
+                            <a:rPr lang="ru-RU" sz="1200" dirty="0">
                               <a:effectLst/>
                             </a:rPr>
                             <a:t> в инерциальной СК </a:t>
                           </a:r>
                           <a:r>
-                            <a:rPr lang="en-US" sz="1100" dirty="0">
+                            <a:rPr lang="en-US" sz="1200" dirty="0">
                               <a:effectLst/>
                             </a:rPr>
                             <a:t>NED</a:t>
                           </a:r>
-                          <a:endParaRPr lang="en-US" sz="1100" dirty="0">
+                          <a:endParaRPr lang="en-US" sz="1200" dirty="0">
                             <a:effectLst/>
                             <a:latin typeface="Times New Roman"/>
                             <a:ea typeface="Calibri"/>
@@ -3835,7 +6950,7 @@
                             </a:spcAft>
                           </a:pPr>
                           <a:r>
-                            <a:rPr lang="ru-RU" sz="1100" dirty="0">
+                            <a:rPr lang="ru-RU" sz="1200" dirty="0">
                               <a:effectLst/>
                             </a:rPr>
                             <a:t>Положение ЛА по вертикальной координате </a:t>
@@ -3845,7 +6960,7 @@
                               <m:sSub>
                                 <m:sSubPr>
                                   <m:ctrlPr>
-                                    <a:rPr lang="en-US" sz="1100" i="1">
+                                    <a:rPr lang="en-US" sz="1200" i="1">
                                       <a:effectLst/>
                                       <a:latin typeface="Cambria Math"/>
                                     </a:rPr>
@@ -3853,7 +6968,7 @@
                                 </m:sSubPr>
                                 <m:e>
                                   <m:r>
-                                    <a:rPr lang="en-US" sz="1100">
+                                    <a:rPr lang="en-US" sz="1200">
                                       <a:effectLst/>
                                       <a:latin typeface="Cambria Math"/>
                                     </a:rPr>
@@ -3862,7 +6977,7 @@
                                 </m:e>
                                 <m:sub>
                                   <m:r>
-                                    <a:rPr lang="ru-RU" sz="1100">
+                                    <a:rPr lang="ru-RU" sz="1200">
                                       <a:effectLst/>
                                       <a:latin typeface="Cambria Math"/>
                                     </a:rPr>
@@ -3873,18 +6988,18 @@
                             </m:oMath>
                           </a14:m>
                           <a:r>
-                            <a:rPr lang="ru-RU" sz="1100" dirty="0">
+                            <a:rPr lang="ru-RU" sz="1200" dirty="0">
                               <a:effectLst/>
                             </a:rPr>
                             <a:t> в инерциальной СК </a:t>
                           </a:r>
                           <a:r>
-                            <a:rPr lang="en-US" sz="1100" dirty="0">
+                            <a:rPr lang="en-US" sz="1200" dirty="0">
                               <a:effectLst/>
                             </a:rPr>
                             <a:t>NED</a:t>
                           </a:r>
-                          <a:endParaRPr lang="en-US" sz="1100" dirty="0">
+                          <a:endParaRPr lang="en-US" sz="1200" dirty="0">
                             <a:effectLst/>
                             <a:latin typeface="Times New Roman"/>
                             <a:ea typeface="Calibri"/>
@@ -3949,7 +7064,7 @@
                             </a:spcAft>
                           </a:pPr>
                           <a:r>
-                            <a:rPr lang="ru-RU" sz="1100" dirty="0">
+                            <a:rPr lang="ru-RU" sz="1200" dirty="0">
                               <a:effectLst/>
                             </a:rPr>
                             <a:t>Координата скорости ЛА относительно земли вдоль </a:t>
@@ -3959,7 +7074,7 @@
                               <m:sSub>
                                 <m:sSubPr>
                                   <m:ctrlPr>
-                                    <a:rPr lang="en-US" sz="1100" i="1">
+                                    <a:rPr lang="en-US" sz="1200" i="1">
                                       <a:effectLst/>
                                       <a:latin typeface="Cambria Math"/>
                                     </a:rPr>
@@ -3967,7 +7082,7 @@
                                 </m:sSubPr>
                                 <m:e>
                                   <m:r>
-                                    <a:rPr lang="en-US" sz="1100">
+                                    <a:rPr lang="en-US" sz="1200">
                                       <a:effectLst/>
                                       <a:latin typeface="Cambria Math"/>
                                     </a:rPr>
@@ -3976,7 +7091,7 @@
                                 </m:e>
                                 <m:sub>
                                   <m:r>
-                                    <a:rPr lang="en-US" sz="1100">
+                                    <a:rPr lang="en-US" sz="1200">
                                       <a:effectLst/>
                                       <a:latin typeface="Cambria Math"/>
                                     </a:rPr>
@@ -3987,18 +7102,18 @@
                             </m:oMath>
                           </a14:m>
                           <a:r>
-                            <a:rPr lang="en-US" sz="1100" dirty="0">
+                            <a:rPr lang="en-US" sz="1200" dirty="0">
                               <a:effectLst/>
                             </a:rPr>
                             <a:t> </a:t>
                           </a:r>
                           <a:r>
-                            <a:rPr lang="ru-RU" sz="1100" dirty="0">
+                            <a:rPr lang="ru-RU" sz="1200" dirty="0">
                               <a:effectLst/>
                             </a:rPr>
                             <a:t>ССК </a:t>
                           </a:r>
-                          <a:endParaRPr lang="en-US" sz="1100" dirty="0">
+                          <a:endParaRPr lang="en-US" sz="1200" dirty="0">
                             <a:effectLst/>
                             <a:latin typeface="Times New Roman"/>
                             <a:ea typeface="Calibri"/>
@@ -4063,7 +7178,7 @@
                             </a:spcAft>
                           </a:pPr>
                           <a:r>
-                            <a:rPr lang="ru-RU" sz="1100" dirty="0">
+                            <a:rPr lang="ru-RU" sz="1200" dirty="0">
                               <a:effectLst/>
                             </a:rPr>
                             <a:t>Координата скорости ЛА относительно земли вдоль </a:t>
@@ -4073,7 +7188,7 @@
                               <m:sSub>
                                 <m:sSubPr>
                                   <m:ctrlPr>
-                                    <a:rPr lang="en-US" sz="1100" i="1">
+                                    <a:rPr lang="en-US" sz="1200" i="1">
                                       <a:effectLst/>
                                       <a:latin typeface="Cambria Math"/>
                                     </a:rPr>
@@ -4081,7 +7196,7 @@
                                 </m:sSubPr>
                                 <m:e>
                                   <m:r>
-                                    <a:rPr lang="en-US" sz="1100">
+                                    <a:rPr lang="en-US" sz="1200">
                                       <a:effectLst/>
                                       <a:latin typeface="Cambria Math"/>
                                     </a:rPr>
@@ -4090,7 +7205,7 @@
                                 </m:e>
                                 <m:sub>
                                   <m:r>
-                                    <a:rPr lang="en-US" sz="1100">
+                                    <a:rPr lang="en-US" sz="1200">
                                       <a:effectLst/>
                                       <a:latin typeface="Cambria Math"/>
                                     </a:rPr>
@@ -4101,18 +7216,18 @@
                             </m:oMath>
                           </a14:m>
                           <a:r>
-                            <a:rPr lang="en-US" sz="1100" dirty="0">
+                            <a:rPr lang="en-US" sz="1200" dirty="0">
                               <a:effectLst/>
                             </a:rPr>
                             <a:t> </a:t>
                           </a:r>
                           <a:r>
-                            <a:rPr lang="ru-RU" sz="1100" dirty="0">
+                            <a:rPr lang="ru-RU" sz="1200" dirty="0">
                               <a:effectLst/>
                             </a:rPr>
                             <a:t>ССК</a:t>
                           </a:r>
-                          <a:endParaRPr lang="en-US" sz="1100" dirty="0">
+                          <a:endParaRPr lang="en-US" sz="1200" dirty="0">
                             <a:effectLst/>
                             <a:latin typeface="Times New Roman"/>
                             <a:ea typeface="Calibri"/>
@@ -4177,7 +7292,7 @@
                             </a:spcAft>
                           </a:pPr>
                           <a:r>
-                            <a:rPr lang="ru-RU" sz="1100" dirty="0">
+                            <a:rPr lang="ru-RU" sz="1200" dirty="0">
                               <a:effectLst/>
                             </a:rPr>
                             <a:t>Координата скорости ЛА относительно земли вдоль </a:t>
@@ -4187,7 +7302,7 @@
                               <m:sSub>
                                 <m:sSubPr>
                                   <m:ctrlPr>
-                                    <a:rPr lang="en-US" sz="1100" i="1">
+                                    <a:rPr lang="en-US" sz="1200" i="1">
                                       <a:effectLst/>
                                       <a:latin typeface="Cambria Math"/>
                                     </a:rPr>
@@ -4195,7 +7310,7 @@
                                 </m:sSubPr>
                                 <m:e>
                                   <m:r>
-                                    <a:rPr lang="en-US" sz="1100">
+                                    <a:rPr lang="en-US" sz="1200">
                                       <a:effectLst/>
                                       <a:latin typeface="Cambria Math"/>
                                     </a:rPr>
@@ -4204,7 +7319,7 @@
                                 </m:e>
                                 <m:sub>
                                   <m:r>
-                                    <a:rPr lang="en-US" sz="1100">
+                                    <a:rPr lang="en-US" sz="1200">
                                       <a:effectLst/>
                                       <a:latin typeface="Cambria Math"/>
                                     </a:rPr>
@@ -4215,18 +7330,18 @@
                             </m:oMath>
                           </a14:m>
                           <a:r>
-                            <a:rPr lang="en-US" sz="1100" dirty="0">
+                            <a:rPr lang="en-US" sz="1200" dirty="0">
                               <a:effectLst/>
                             </a:rPr>
                             <a:t> </a:t>
                           </a:r>
                           <a:r>
-                            <a:rPr lang="ru-RU" sz="1100" dirty="0">
+                            <a:rPr lang="ru-RU" sz="1200" dirty="0">
                               <a:effectLst/>
                             </a:rPr>
                             <a:t>ССК</a:t>
                           </a:r>
-                          <a:endParaRPr lang="en-US" sz="1100" dirty="0">
+                          <a:endParaRPr lang="en-US" sz="1200" dirty="0">
                             <a:effectLst/>
                             <a:latin typeface="Times New Roman"/>
                             <a:ea typeface="Calibri"/>
@@ -4291,12 +7406,12 @@
                             </a:spcAft>
                           </a:pPr>
                           <a:r>
-                            <a:rPr lang="ru-RU" sz="1100" dirty="0">
+                            <a:rPr lang="ru-RU" sz="1200" dirty="0">
                               <a:effectLst/>
                             </a:rPr>
                             <a:t>Угол крена</a:t>
                           </a:r>
-                          <a:endParaRPr lang="en-US" sz="1100" dirty="0">
+                          <a:endParaRPr lang="en-US" sz="1200" dirty="0">
                             <a:effectLst/>
                             <a:latin typeface="Times New Roman"/>
                             <a:ea typeface="Calibri"/>
@@ -4361,18 +7476,18 @@
                             </a:spcAft>
                           </a:pPr>
                           <a:r>
-                            <a:rPr lang="ru-RU" sz="1100" dirty="0">
+                            <a:rPr lang="ru-RU" sz="1200" dirty="0">
                               <a:effectLst/>
                             </a:rPr>
                             <a:t>Угол </a:t>
                           </a:r>
                           <a:r>
-                            <a:rPr lang="ru-RU" sz="1100" dirty="0" err="1">
+                            <a:rPr lang="ru-RU" sz="1200" dirty="0" err="1">
                               <a:effectLst/>
                             </a:rPr>
                             <a:t>тангажа</a:t>
                           </a:r>
-                          <a:endParaRPr lang="en-US" sz="1100" dirty="0">
+                          <a:endParaRPr lang="en-US" sz="1200" dirty="0">
                             <a:effectLst/>
                             <a:latin typeface="Times New Roman"/>
                             <a:ea typeface="Calibri"/>
@@ -4437,12 +7552,12 @@
                             </a:spcAft>
                           </a:pPr>
                           <a:r>
-                            <a:rPr lang="ru-RU" sz="1100" dirty="0">
+                            <a:rPr lang="ru-RU" sz="1200" dirty="0">
                               <a:effectLst/>
                             </a:rPr>
                             <a:t>Угол рыскания</a:t>
                           </a:r>
-                          <a:endParaRPr lang="en-US" sz="1100" dirty="0">
+                          <a:endParaRPr lang="en-US" sz="1200" dirty="0">
                             <a:effectLst/>
                             <a:latin typeface="Times New Roman"/>
                             <a:ea typeface="Calibri"/>
@@ -4507,7 +7622,7 @@
                             </a:spcAft>
                           </a:pPr>
                           <a:r>
-                            <a:rPr lang="ru-RU" sz="1100" dirty="0">
+                            <a:rPr lang="ru-RU" sz="1200" dirty="0">
                               <a:effectLst/>
                             </a:rPr>
                             <a:t>Компонента угловой скорости ЛА </a:t>
@@ -4517,7 +7632,7 @@
                               <m:sSubSup>
                                 <m:sSubSupPr>
                                   <m:ctrlPr>
-                                    <a:rPr lang="en-US" sz="1100" i="1">
+                                    <a:rPr lang="en-US" sz="1200" i="1">
                                       <a:effectLst/>
                                       <a:latin typeface="Cambria Math"/>
                                     </a:rPr>
@@ -4525,7 +7640,7 @@
                                 </m:sSubSupPr>
                                 <m:e>
                                   <m:r>
-                                    <a:rPr lang="ru-RU" sz="1100">
+                                    <a:rPr lang="ru-RU" sz="1200">
                                       <a:effectLst/>
                                       <a:latin typeface="Cambria Math"/>
                                     </a:rPr>
@@ -4534,21 +7649,21 @@
                                 </m:e>
                                 <m:sub>
                                   <m:r>
-                                    <a:rPr lang="ru-RU" sz="1100">
+                                    <a:rPr lang="ru-RU" sz="1200">
                                       <a:effectLst/>
                                       <a:latin typeface="Cambria Math"/>
                                     </a:rPr>
                                     <m:t>𝑏</m:t>
                                   </m:r>
                                   <m:r>
-                                    <a:rPr lang="ru-RU" sz="1100">
+                                    <a:rPr lang="ru-RU" sz="1200">
                                       <a:effectLst/>
                                       <a:latin typeface="Cambria Math"/>
                                     </a:rPr>
                                     <m:t>/</m:t>
                                   </m:r>
                                   <m:r>
-                                    <a:rPr lang="ru-RU" sz="1100">
+                                    <a:rPr lang="ru-RU" sz="1200">
                                       <a:effectLst/>
                                       <a:latin typeface="Cambria Math"/>
                                     </a:rPr>
@@ -4557,7 +7672,7 @@
                                 </m:sub>
                                 <m:sup>
                                   <m:r>
-                                    <a:rPr lang="ru-RU" sz="1100">
+                                    <a:rPr lang="ru-RU" sz="1200">
                                       <a:effectLst/>
                                       <a:latin typeface="Cambria Math"/>
                                     </a:rPr>
@@ -4568,7 +7683,7 @@
                             </m:oMath>
                           </a14:m>
                           <a:r>
-                            <a:rPr lang="ru-RU" sz="1100" dirty="0">
+                            <a:rPr lang="ru-RU" sz="1200" dirty="0">
                               <a:effectLst/>
                             </a:rPr>
                             <a:t> вдоль </a:t>
@@ -4578,7 +7693,7 @@
                               <m:sSub>
                                 <m:sSubPr>
                                   <m:ctrlPr>
-                                    <a:rPr lang="en-US" sz="1100" i="1">
+                                    <a:rPr lang="en-US" sz="1200" i="1">
                                       <a:effectLst/>
                                       <a:latin typeface="Cambria Math"/>
                                     </a:rPr>
@@ -4586,7 +7701,7 @@
                                 </m:sSubPr>
                                 <m:e>
                                   <m:r>
-                                    <a:rPr lang="en-US" sz="1100">
+                                    <a:rPr lang="en-US" sz="1200">
                                       <a:effectLst/>
                                       <a:latin typeface="Cambria Math"/>
                                     </a:rPr>
@@ -4595,7 +7710,7 @@
                                 </m:e>
                                 <m:sub>
                                   <m:r>
-                                    <a:rPr lang="en-US" sz="1100">
+                                    <a:rPr lang="en-US" sz="1200">
                                       <a:effectLst/>
                                       <a:latin typeface="Cambria Math"/>
                                     </a:rPr>
@@ -4606,18 +7721,18 @@
                             </m:oMath>
                           </a14:m>
                           <a:r>
-                            <a:rPr lang="en-US" sz="1100" dirty="0">
+                            <a:rPr lang="en-US" sz="1200" dirty="0">
                               <a:effectLst/>
                             </a:rPr>
                             <a:t> </a:t>
                           </a:r>
                           <a:r>
-                            <a:rPr lang="ru-RU" sz="1100" dirty="0">
+                            <a:rPr lang="ru-RU" sz="1200" dirty="0">
                               <a:effectLst/>
                             </a:rPr>
                             <a:t>ССК</a:t>
                           </a:r>
-                          <a:endParaRPr lang="en-US" sz="1100" dirty="0">
+                          <a:endParaRPr lang="en-US" sz="1200" dirty="0">
                             <a:effectLst/>
                             <a:latin typeface="Times New Roman"/>
                             <a:ea typeface="Calibri"/>
@@ -4682,7 +7797,7 @@
                             </a:spcAft>
                           </a:pPr>
                           <a:r>
-                            <a:rPr lang="ru-RU" sz="1100" dirty="0">
+                            <a:rPr lang="ru-RU" sz="1200" dirty="0">
                               <a:effectLst/>
                             </a:rPr>
                             <a:t>Компонента угловой скорости ЛА </a:t>
@@ -4692,7 +7807,7 @@
                               <m:sSubSup>
                                 <m:sSubSupPr>
                                   <m:ctrlPr>
-                                    <a:rPr lang="en-US" sz="1100" i="1">
+                                    <a:rPr lang="en-US" sz="1200" i="1">
                                       <a:effectLst/>
                                       <a:latin typeface="Cambria Math"/>
                                     </a:rPr>
@@ -4700,7 +7815,7 @@
                                 </m:sSubSupPr>
                                 <m:e>
                                   <m:r>
-                                    <a:rPr lang="ru-RU" sz="1100">
+                                    <a:rPr lang="ru-RU" sz="1200">
                                       <a:effectLst/>
                                       <a:latin typeface="Cambria Math"/>
                                     </a:rPr>
@@ -4709,21 +7824,21 @@
                                 </m:e>
                                 <m:sub>
                                   <m:r>
-                                    <a:rPr lang="ru-RU" sz="1100">
+                                    <a:rPr lang="ru-RU" sz="1200">
                                       <a:effectLst/>
                                       <a:latin typeface="Cambria Math"/>
                                     </a:rPr>
                                     <m:t>𝑏</m:t>
                                   </m:r>
                                   <m:r>
-                                    <a:rPr lang="ru-RU" sz="1100">
+                                    <a:rPr lang="ru-RU" sz="1200">
                                       <a:effectLst/>
                                       <a:latin typeface="Cambria Math"/>
                                     </a:rPr>
                                     <m:t>/</m:t>
                                   </m:r>
                                   <m:r>
-                                    <a:rPr lang="ru-RU" sz="1100">
+                                    <a:rPr lang="ru-RU" sz="1200">
                                       <a:effectLst/>
                                       <a:latin typeface="Cambria Math"/>
                                     </a:rPr>
@@ -4732,7 +7847,7 @@
                                 </m:sub>
                                 <m:sup>
                                   <m:r>
-                                    <a:rPr lang="ru-RU" sz="1100">
+                                    <a:rPr lang="ru-RU" sz="1200">
                                       <a:effectLst/>
                                       <a:latin typeface="Cambria Math"/>
                                     </a:rPr>
@@ -4743,7 +7858,7 @@
                             </m:oMath>
                           </a14:m>
                           <a:r>
-                            <a:rPr lang="ru-RU" sz="1100" dirty="0">
+                            <a:rPr lang="ru-RU" sz="1200" dirty="0">
                               <a:effectLst/>
                             </a:rPr>
                             <a:t> вдоль </a:t>
@@ -4753,7 +7868,7 @@
                               <m:sSub>
                                 <m:sSubPr>
                                   <m:ctrlPr>
-                                    <a:rPr lang="en-US" sz="1100" i="1">
+                                    <a:rPr lang="en-US" sz="1200" i="1">
                                       <a:effectLst/>
                                       <a:latin typeface="Cambria Math"/>
                                     </a:rPr>
@@ -4761,7 +7876,7 @@
                                 </m:sSubPr>
                                 <m:e>
                                   <m:r>
-                                    <a:rPr lang="en-US" sz="1100">
+                                    <a:rPr lang="en-US" sz="1200">
                                       <a:effectLst/>
                                       <a:latin typeface="Cambria Math"/>
                                     </a:rPr>
@@ -4770,7 +7885,7 @@
                                 </m:e>
                                 <m:sub>
                                   <m:r>
-                                    <a:rPr lang="en-US" sz="1100">
+                                    <a:rPr lang="en-US" sz="1200">
                                       <a:effectLst/>
                                       <a:latin typeface="Cambria Math"/>
                                     </a:rPr>
@@ -4781,18 +7896,18 @@
                             </m:oMath>
                           </a14:m>
                           <a:r>
-                            <a:rPr lang="en-US" sz="1100" dirty="0">
+                            <a:rPr lang="en-US" sz="1200" dirty="0">
                               <a:effectLst/>
                             </a:rPr>
                             <a:t> </a:t>
                           </a:r>
                           <a:r>
-                            <a:rPr lang="ru-RU" sz="1100" dirty="0">
+                            <a:rPr lang="ru-RU" sz="1200" dirty="0">
                               <a:effectLst/>
                             </a:rPr>
                             <a:t>ССК</a:t>
                           </a:r>
-                          <a:endParaRPr lang="en-US" sz="1100" dirty="0">
+                          <a:endParaRPr lang="en-US" sz="1200" dirty="0">
                             <a:effectLst/>
                             <a:latin typeface="Times New Roman"/>
                             <a:ea typeface="Calibri"/>
@@ -4857,7 +7972,7 @@
                             </a:spcAft>
                           </a:pPr>
                           <a:r>
-                            <a:rPr lang="ru-RU" sz="1100" dirty="0">
+                            <a:rPr lang="ru-RU" sz="1200" dirty="0">
                               <a:effectLst/>
                             </a:rPr>
                             <a:t>Компонента угловой скорости ЛА </a:t>
@@ -4867,7 +7982,7 @@
                               <m:sSubSup>
                                 <m:sSubSupPr>
                                   <m:ctrlPr>
-                                    <a:rPr lang="en-US" sz="1100" i="1">
+                                    <a:rPr lang="en-US" sz="1200" i="1">
                                       <a:effectLst/>
                                       <a:latin typeface="Cambria Math"/>
                                     </a:rPr>
@@ -4875,7 +7990,7 @@
                                 </m:sSubSupPr>
                                 <m:e>
                                   <m:r>
-                                    <a:rPr lang="ru-RU" sz="1100">
+                                    <a:rPr lang="ru-RU" sz="1200">
                                       <a:effectLst/>
                                       <a:latin typeface="Cambria Math"/>
                                     </a:rPr>
@@ -4884,21 +7999,21 @@
                                 </m:e>
                                 <m:sub>
                                   <m:r>
-                                    <a:rPr lang="ru-RU" sz="1100">
+                                    <a:rPr lang="ru-RU" sz="1200">
                                       <a:effectLst/>
                                       <a:latin typeface="Cambria Math"/>
                                     </a:rPr>
                                     <m:t>𝑏</m:t>
                                   </m:r>
                                   <m:r>
-                                    <a:rPr lang="ru-RU" sz="1100">
+                                    <a:rPr lang="ru-RU" sz="1200">
                                       <a:effectLst/>
                                       <a:latin typeface="Cambria Math"/>
                                     </a:rPr>
                                     <m:t>/</m:t>
                                   </m:r>
                                   <m:r>
-                                    <a:rPr lang="ru-RU" sz="1100">
+                                    <a:rPr lang="ru-RU" sz="1200">
                                       <a:effectLst/>
                                       <a:latin typeface="Cambria Math"/>
                                     </a:rPr>
@@ -4907,7 +8022,7 @@
                                 </m:sub>
                                 <m:sup>
                                   <m:r>
-                                    <a:rPr lang="ru-RU" sz="1100">
+                                    <a:rPr lang="ru-RU" sz="1200">
                                       <a:effectLst/>
                                       <a:latin typeface="Cambria Math"/>
                                     </a:rPr>
@@ -4918,7 +8033,7 @@
                             </m:oMath>
                           </a14:m>
                           <a:r>
-                            <a:rPr lang="ru-RU" sz="1100" dirty="0">
+                            <a:rPr lang="ru-RU" sz="1200" dirty="0">
                               <a:effectLst/>
                             </a:rPr>
                             <a:t> вдоль </a:t>
@@ -4928,7 +8043,7 @@
                               <m:sSub>
                                 <m:sSubPr>
                                   <m:ctrlPr>
-                                    <a:rPr lang="en-US" sz="1100" i="1">
+                                    <a:rPr lang="en-US" sz="1200" i="1">
                                       <a:effectLst/>
                                       <a:latin typeface="Cambria Math"/>
                                     </a:rPr>
@@ -4936,7 +8051,7 @@
                                 </m:sSubPr>
                                 <m:e>
                                   <m:r>
-                                    <a:rPr lang="en-US" sz="1100">
+                                    <a:rPr lang="en-US" sz="1200">
                                       <a:effectLst/>
                                       <a:latin typeface="Cambria Math"/>
                                     </a:rPr>
@@ -4945,7 +8060,7 @@
                                 </m:e>
                                 <m:sub>
                                   <m:r>
-                                    <a:rPr lang="en-US" sz="1100">
+                                    <a:rPr lang="en-US" sz="1200">
                                       <a:effectLst/>
                                       <a:latin typeface="Cambria Math"/>
                                     </a:rPr>
@@ -4956,18 +8071,18 @@
                             </m:oMath>
                           </a14:m>
                           <a:r>
-                            <a:rPr lang="en-US" sz="1100" dirty="0">
+                            <a:rPr lang="en-US" sz="1200" dirty="0">
                               <a:effectLst/>
                             </a:rPr>
                             <a:t> </a:t>
                           </a:r>
                           <a:r>
-                            <a:rPr lang="ru-RU" sz="1100" dirty="0">
+                            <a:rPr lang="ru-RU" sz="1200" dirty="0">
                               <a:effectLst/>
                             </a:rPr>
                             <a:t>ССК</a:t>
                           </a:r>
-                          <a:endParaRPr lang="en-US" sz="1100" dirty="0">
+                          <a:endParaRPr lang="en-US" sz="1200" dirty="0">
                             <a:effectLst/>
                             <a:latin typeface="Times New Roman"/>
                             <a:ea typeface="Calibri"/>
@@ -4983,7 +8098,7 @@
             </a:graphic>
           </p:graphicFrame>
         </mc:Choice>
-        <mc:Fallback xmlns="">
+        <mc:Fallback>
           <p:graphicFrame>
             <p:nvGraphicFramePr>
               <p:cNvPr id="5" name="Таблица 4"/>
@@ -4993,14 +8108,14 @@
               <p:nvPr>
                 <p:extLst>
                   <p:ext uri="{D42A27DB-BD31-4B8C-83A1-F6EECF244321}">
-                    <p14:modId xmlns:p14="http://schemas.microsoft.com/office/powerpoint/2010/main" val="1411405109"/>
+                    <p14:modId xmlns:p14="http://schemas.microsoft.com/office/powerpoint/2010/main" val="3861217990"/>
                   </p:ext>
                 </p:extLst>
               </p:nvPr>
             </p:nvGraphicFramePr>
             <p:xfrm>
-              <a:off x="107504" y="759830"/>
-              <a:ext cx="5472608" cy="3756136"/>
+              <a:off x="107504" y="555526"/>
+              <a:ext cx="5472608" cy="4442382"/>
             </p:xfrm>
             <a:graphic>
               <a:graphicData uri="http://schemas.openxmlformats.org/drawingml/2006/table">
@@ -5087,7 +8202,7 @@
                       </a:tcPr>
                     </a:tc>
                   </a:tr>
-                  <a:tr h="277114">
+                  <a:tr h="519367">
                     <a:tc>
                       <a:txBody>
                         <a:bodyPr/>
@@ -5100,7 +8215,7 @@
                         <a:blipFill rotWithShape="1">
                           <a:blip r:embed="rId2"/>
                           <a:stretch>
-                            <a:fillRect l="-1042" t="-167391" r="-835417" b="-1089130"/>
+                            <a:fillRect l="-1042" t="-89412" r="-835417" b="-683529"/>
                           </a:stretch>
                         </a:blipFill>
                       </a:tcPr>
@@ -5117,13 +8232,13 @@
                         <a:blipFill rotWithShape="1">
                           <a:blip r:embed="rId2"/>
                           <a:stretch>
-                            <a:fillRect l="-12110" t="-167391" r="-125" b="-1089130"/>
+                            <a:fillRect l="-12110" t="-89412" r="-125" b="-683529"/>
                           </a:stretch>
                         </a:blipFill>
                       </a:tcPr>
                     </a:tc>
                   </a:tr>
-                  <a:tr h="277749">
+                  <a:tr h="519367">
                     <a:tc>
                       <a:txBody>
                         <a:bodyPr/>
@@ -5136,7 +8251,7 @@
                         <a:blipFill rotWithShape="1">
                           <a:blip r:embed="rId2"/>
                           <a:stretch>
-                            <a:fillRect l="-1042" t="-273333" r="-835417" b="-1013333"/>
+                            <a:fillRect l="-1042" t="-187209" r="-835417" b="-575581"/>
                           </a:stretch>
                         </a:blipFill>
                       </a:tcPr>
@@ -5153,13 +8268,13 @@
                         <a:blipFill rotWithShape="1">
                           <a:blip r:embed="rId2"/>
                           <a:stretch>
-                            <a:fillRect l="-12110" t="-273333" r="-125" b="-1013333"/>
+                            <a:fillRect l="-12110" t="-187209" r="-125" b="-575581"/>
                           </a:stretch>
                         </a:blipFill>
                       </a:tcPr>
                     </a:tc>
                   </a:tr>
-                  <a:tr h="276987">
+                  <a:tr h="519367">
                     <a:tc>
                       <a:txBody>
                         <a:bodyPr/>
@@ -5172,7 +8287,7 @@
                         <a:blipFill rotWithShape="1">
                           <a:blip r:embed="rId2"/>
                           <a:stretch>
-                            <a:fillRect l="-1042" t="-365217" r="-835417" b="-891304"/>
+                            <a:fillRect l="-1042" t="-290588" r="-835417" b="-482353"/>
                           </a:stretch>
                         </a:blipFill>
                       </a:tcPr>
@@ -5189,7 +8304,7 @@
                         <a:blipFill rotWithShape="1">
                           <a:blip r:embed="rId2"/>
                           <a:stretch>
-                            <a:fillRect l="-12110" t="-365217" r="-125" b="-891304"/>
+                            <a:fillRect l="-12110" t="-290588" r="-125" b="-482353"/>
                           </a:stretch>
                         </a:blipFill>
                       </a:tcPr>
@@ -5208,7 +8323,7 @@
                         <a:blipFill rotWithShape="1">
                           <a:blip r:embed="rId2"/>
                           <a:stretch>
-                            <a:fillRect l="-1042" t="-521951" r="-835417" b="-900000"/>
+                            <a:fillRect l="-1042" t="-809756" r="-835417" b="-900000"/>
                           </a:stretch>
                         </a:blipFill>
                       </a:tcPr>
@@ -5225,43 +8340,7 @@
                         <a:blipFill rotWithShape="1">
                           <a:blip r:embed="rId2"/>
                           <a:stretch>
-                            <a:fillRect l="-12110" t="-521951" r="-125" b="-900000"/>
-                          </a:stretch>
-                        </a:blipFill>
-                      </a:tcPr>
-                    </a:tc>
-                  </a:tr>
-                  <a:tr h="277749">
-                    <a:tc>
-                      <a:txBody>
-                        <a:bodyPr/>
-                        <a:lstStyle/>
-                        <a:p>
-                          <a:endParaRPr lang="en-US"/>
-                        </a:p>
-                      </a:txBody>
-                      <a:tcPr marL="58021" marR="58021" marT="0" marB="0">
-                        <a:blipFill rotWithShape="1">
-                          <a:blip r:embed="rId2"/>
-                          <a:stretch>
-                            <a:fillRect l="-1042" t="-566667" r="-835417" b="-720000"/>
-                          </a:stretch>
-                        </a:blipFill>
-                      </a:tcPr>
-                    </a:tc>
-                    <a:tc>
-                      <a:txBody>
-                        <a:bodyPr/>
-                        <a:lstStyle/>
-                        <a:p>
-                          <a:endParaRPr lang="en-US"/>
-                        </a:p>
-                      </a:txBody>
-                      <a:tcPr marL="58021" marR="58021" marT="0" marB="0">
-                        <a:blipFill rotWithShape="1">
-                          <a:blip r:embed="rId2"/>
-                          <a:stretch>
-                            <a:fillRect l="-12110" t="-566667" r="-125" b="-720000"/>
+                            <a:fillRect l="-12110" t="-809756" r="-125" b="-900000"/>
                           </a:stretch>
                         </a:blipFill>
                       </a:tcPr>
@@ -5280,7 +8359,7 @@
                         <a:blipFill rotWithShape="1">
                           <a:blip r:embed="rId2"/>
                           <a:stretch>
-                            <a:fillRect l="-1042" t="-714286" r="-835417" b="-671429"/>
+                            <a:fillRect l="-1042" t="-909756" r="-835417" b="-800000"/>
                           </a:stretch>
                         </a:blipFill>
                       </a:tcPr>
@@ -5297,7 +8376,7 @@
                         <a:blipFill rotWithShape="1">
                           <a:blip r:embed="rId2"/>
                           <a:stretch>
-                            <a:fillRect l="-12110" t="-714286" r="-125" b="-671429"/>
+                            <a:fillRect l="-12110" t="-909756" r="-125" b="-800000"/>
                           </a:stretch>
                         </a:blipFill>
                       </a:tcPr>
@@ -5316,7 +8395,43 @@
                         <a:blipFill rotWithShape="1">
                           <a:blip r:embed="rId2"/>
                           <a:stretch>
-                            <a:fillRect l="-1042" t="-834146" r="-835417" b="-587805"/>
+                            <a:fillRect l="-1042" t="-985714" r="-835417" b="-680952"/>
+                          </a:stretch>
+                        </a:blipFill>
+                      </a:tcPr>
+                    </a:tc>
+                    <a:tc>
+                      <a:txBody>
+                        <a:bodyPr/>
+                        <a:lstStyle/>
+                        <a:p>
+                          <a:endParaRPr lang="en-US"/>
+                        </a:p>
+                      </a:txBody>
+                      <a:tcPr marL="58021" marR="58021" marT="0" marB="0">
+                        <a:blipFill rotWithShape="1">
+                          <a:blip r:embed="rId2"/>
+                          <a:stretch>
+                            <a:fillRect l="-12110" t="-985714" r="-125" b="-680952"/>
+                          </a:stretch>
+                        </a:blipFill>
+                      </a:tcPr>
+                    </a:tc>
+                  </a:tr>
+                  <a:tr h="251460">
+                    <a:tc>
+                      <a:txBody>
+                        <a:bodyPr/>
+                        <a:lstStyle/>
+                        <a:p>
+                          <a:endParaRPr lang="en-US"/>
+                        </a:p>
+                      </a:txBody>
+                      <a:tcPr marL="58021" marR="58021" marT="0" marB="0">
+                        <a:blipFill rotWithShape="1">
+                          <a:blip r:embed="rId2"/>
+                          <a:stretch>
+                            <a:fillRect l="-1042" t="-1112195" r="-835417" b="-597561"/>
                           </a:stretch>
                         </a:blipFill>
                       </a:tcPr>
@@ -5335,12 +8450,12 @@
                             </a:spcAft>
                           </a:pPr>
                           <a:r>
-                            <a:rPr lang="ru-RU" sz="1100" dirty="0">
+                            <a:rPr lang="ru-RU" sz="1200" dirty="0">
                               <a:effectLst/>
                             </a:rPr>
                             <a:t>Угол крена</a:t>
                           </a:r>
-                          <a:endParaRPr lang="en-US" sz="1100" dirty="0">
+                          <a:endParaRPr lang="en-US" sz="1200" dirty="0">
                             <a:effectLst/>
                             <a:latin typeface="Times New Roman"/>
                             <a:ea typeface="Calibri"/>
@@ -5364,7 +8479,7 @@
                         <a:blipFill rotWithShape="1">
                           <a:blip r:embed="rId2"/>
                           <a:stretch>
-                            <a:fillRect l="-1042" t="-934146" r="-835417" b="-487805"/>
+                            <a:fillRect l="-1042" t="-1212195" r="-835417" b="-497561"/>
                           </a:stretch>
                         </a:blipFill>
                       </a:tcPr>
@@ -5383,18 +8498,18 @@
                             </a:spcAft>
                           </a:pPr>
                           <a:r>
-                            <a:rPr lang="ru-RU" sz="1100" dirty="0">
+                            <a:rPr lang="ru-RU" sz="1200" dirty="0">
                               <a:effectLst/>
                             </a:rPr>
                             <a:t>Угол </a:t>
                           </a:r>
                           <a:r>
-                            <a:rPr lang="ru-RU" sz="1100" dirty="0" err="1">
+                            <a:rPr lang="ru-RU" sz="1200" dirty="0" err="1">
                               <a:effectLst/>
                             </a:rPr>
                             <a:t>тангажа</a:t>
                           </a:r>
-                          <a:endParaRPr lang="en-US" sz="1100" dirty="0">
+                          <a:endParaRPr lang="en-US" sz="1200" dirty="0">
                             <a:effectLst/>
                             <a:latin typeface="Times New Roman"/>
                             <a:ea typeface="Calibri"/>
@@ -5418,7 +8533,7 @@
                         <a:blipFill rotWithShape="1">
                           <a:blip r:embed="rId2"/>
                           <a:stretch>
-                            <a:fillRect l="-1042" t="-1034146" r="-835417" b="-387805"/>
+                            <a:fillRect l="-1042" t="-1312195" r="-835417" b="-397561"/>
                           </a:stretch>
                         </a:blipFill>
                       </a:tcPr>
@@ -5437,12 +8552,12 @@
                             </a:spcAft>
                           </a:pPr>
                           <a:r>
-                            <a:rPr lang="ru-RU" sz="1100" dirty="0">
+                            <a:rPr lang="ru-RU" sz="1200" dirty="0">
                               <a:effectLst/>
                             </a:rPr>
                             <a:t>Угол рыскания</a:t>
                           </a:r>
-                          <a:endParaRPr lang="en-US" sz="1100" dirty="0">
+                          <a:endParaRPr lang="en-US" sz="1200" dirty="0">
                             <a:effectLst/>
                             <a:latin typeface="Times New Roman"/>
                             <a:ea typeface="Calibri"/>
@@ -5453,7 +8568,7 @@
                       <a:tcPr marL="58021" marR="58021" marT="0" marB="0"/>
                     </a:tc>
                   </a:tr>
-                  <a:tr h="308356">
+                  <a:tr h="303784">
                     <a:tc>
                       <a:txBody>
                         <a:bodyPr/>
@@ -5466,7 +8581,7 @@
                         <a:blipFill rotWithShape="1">
                           <a:blip r:embed="rId2"/>
                           <a:stretch>
-                            <a:fillRect l="-1042" t="-911765" r="-835417" b="-211765"/>
+                            <a:fillRect l="-1042" t="-1158000" r="-835417" b="-226000"/>
                           </a:stretch>
                         </a:blipFill>
                       </a:tcPr>
@@ -5483,13 +8598,13 @@
                         <a:blipFill rotWithShape="1">
                           <a:blip r:embed="rId2"/>
                           <a:stretch>
-                            <a:fillRect l="-12110" t="-911765" r="-125" b="-211765"/>
+                            <a:fillRect l="-12110" t="-1158000" r="-125" b="-226000"/>
                           </a:stretch>
                         </a:blipFill>
                       </a:tcPr>
                     </a:tc>
                   </a:tr>
-                  <a:tr h="308356">
+                  <a:tr h="303784">
                     <a:tc>
                       <a:txBody>
                         <a:bodyPr/>
@@ -5502,7 +8617,7 @@
                         <a:blipFill rotWithShape="1">
                           <a:blip r:embed="rId2"/>
                           <a:stretch>
-                            <a:fillRect l="-1042" t="-1032000" r="-835417" b="-116000"/>
+                            <a:fillRect l="-1042" t="-1258000" r="-835417" b="-126000"/>
                           </a:stretch>
                         </a:blipFill>
                       </a:tcPr>
@@ -5519,13 +8634,13 @@
                         <a:blipFill rotWithShape="1">
                           <a:blip r:embed="rId2"/>
                           <a:stretch>
-                            <a:fillRect l="-12110" t="-1032000" r="-125" b="-116000"/>
+                            <a:fillRect l="-12110" t="-1258000" r="-125" b="-126000"/>
                           </a:stretch>
                         </a:blipFill>
                       </a:tcPr>
                     </a:tc>
                   </a:tr>
-                  <a:tr h="308356">
+                  <a:tr h="303784">
                     <a:tc>
                       <a:txBody>
                         <a:bodyPr/>
@@ -5538,7 +8653,7 @@
                         <a:blipFill rotWithShape="1">
                           <a:blip r:embed="rId2"/>
                           <a:stretch>
-                            <a:fillRect l="-1042" t="-1109804" r="-835417" b="-13725"/>
+                            <a:fillRect l="-1042" t="-1358000" r="-835417" b="-26000"/>
                           </a:stretch>
                         </a:blipFill>
                       </a:tcPr>
@@ -5555,7 +8670,7 @@
                         <a:blipFill rotWithShape="1">
                           <a:blip r:embed="rId2"/>
                           <a:stretch>
-                            <a:fillRect l="-12110" t="-1109804" r="-125" b="-13725"/>
+                            <a:fillRect l="-12110" t="-1358000" r="-125" b="-26000"/>
                           </a:stretch>
                         </a:blipFill>
                       </a:tcPr>
@@ -5854,7 +8969,13 @@
                         <a:rPr lang="en-US" sz="1600" i="1">
                           <a:latin typeface="Cambria Math"/>
                         </a:rPr>
-                        <m:t> −угол рыскания</m:t>
+                        <m:t> −угол </m:t>
+                      </m:r>
+                      <m:r>
+                        <a:rPr lang="en-US" sz="1600" i="1">
+                          <a:latin typeface="Cambria Math"/>
+                        </a:rPr>
+                        <m:t>рыскания</m:t>
                       </m:r>
                       <m:r>
                         <a:rPr lang="en-US" sz="1600">
@@ -5925,7 +9046,13 @@
                         <a:rPr lang="ru-RU" sz="1600" i="1">
                           <a:latin typeface="Cambria Math"/>
                         </a:rPr>
-                        <m:t>угол крена</m:t>
+                        <m:t>угол </m:t>
+                      </m:r>
+                      <m:r>
+                        <a:rPr lang="ru-RU" sz="1600" i="1">
+                          <a:latin typeface="Cambria Math"/>
+                        </a:rPr>
+                        <m:t>крена</m:t>
                       </m:r>
                       <m:r>
                         <a:rPr lang="en-US" sz="1600" i="1">
@@ -5978,7 +9105,13 @@
                         <a:rPr lang="ru-RU" sz="1600" i="1">
                           <a:latin typeface="Cambria Math"/>
                         </a:rPr>
-                        <m:t>угол тангажа</m:t>
+                        <m:t>угол </m:t>
+                      </m:r>
+                      <m:r>
+                        <a:rPr lang="ru-RU" sz="1600" i="1">
+                          <a:latin typeface="Cambria Math"/>
+                        </a:rPr>
+                        <m:t>тангажа</m:t>
                       </m:r>
                       <m:r>
                         <a:rPr lang="en-US" sz="1600" i="1">
@@ -5990,7 +9123,13 @@
                         <a:rPr lang="en-US" sz="1600" i="1">
                           <a:latin typeface="Cambria Math"/>
                         </a:rPr>
-                        <m:t>𝑝𝑖𝑡𝑐h</m:t>
+                        <m:t>𝑝𝑖𝑡𝑐</m:t>
+                      </m:r>
+                      <m:r>
+                        <a:rPr lang="en-US" sz="1600" i="1">
+                          <a:latin typeface="Cambria Math"/>
+                        </a:rPr>
+                        <m:t>h</m:t>
                       </m:r>
                       <m:r>
                         <a:rPr lang="en-US" sz="1600" i="1">
@@ -8275,25 +11414,588 @@
           </a:p>
         </p:txBody>
       </p:sp>
-      <p:sp>
-        <p:nvSpPr>
-          <p:cNvPr id="3" name="Объект 2"/>
-          <p:cNvSpPr>
-            <a:spLocks noGrp="1"/>
-          </p:cNvSpPr>
-          <p:nvPr>
-            <p:ph idx="1"/>
-          </p:nvPr>
-        </p:nvSpPr>
-        <p:spPr/>
-        <p:txBody>
-          <a:bodyPr/>
-          <a:lstStyle/>
-          <a:p>
-            <a:endParaRPr lang="en-US" dirty="0"/>
-          </a:p>
-        </p:txBody>
-      </p:sp>
+      <mc:AlternateContent xmlns:mc="http://schemas.openxmlformats.org/markup-compatibility/2006">
+        <mc:Choice xmlns:a14="http://schemas.microsoft.com/office/drawing/2010/main" Requires="a14">
+          <p:sp>
+            <p:nvSpPr>
+              <p:cNvPr id="4" name="TextBox 3"/>
+              <p:cNvSpPr txBox="1"/>
+              <p:nvPr/>
+            </p:nvSpPr>
+            <p:spPr>
+              <a:xfrm>
+                <a:off x="467544" y="771550"/>
+                <a:ext cx="8280920" cy="3411896"/>
+              </a:xfrm>
+              <a:prstGeom prst="rect">
+                <a:avLst/>
+              </a:prstGeom>
+              <a:noFill/>
+            </p:spPr>
+            <p:txBody>
+              <a:bodyPr wrap="square" rtlCol="0">
+                <a:spAutoFit/>
+              </a:bodyPr>
+              <a:lstStyle/>
+              <a:p>
+                <a:pPr algn="just"/>
+                <a:r>
+                  <a:rPr lang="ru-RU" dirty="0" smtClean="0"/>
+                  <a:t>Зная матрицу повороту из НСК в ССК </a:t>
+                </a:r>
+                <a14:m>
+                  <m:oMath xmlns:m="http://schemas.openxmlformats.org/officeDocument/2006/math">
+                    <m:sSubSup>
+                      <m:sSubSupPr>
+                        <m:ctrlPr>
+                          <a:rPr lang="en-US" i="1">
+                            <a:latin typeface="Cambria Math"/>
+                          </a:rPr>
+                        </m:ctrlPr>
+                      </m:sSubSupPr>
+                      <m:e>
+                        <m:r>
+                          <a:rPr lang="en-US" i="1">
+                            <a:latin typeface="Cambria Math"/>
+                          </a:rPr>
+                          <m:t>𝑅</m:t>
+                        </m:r>
+                      </m:e>
+                      <m:sub>
+                        <m:r>
+                          <a:rPr lang="en-US" i="1">
+                            <a:latin typeface="Cambria Math"/>
+                          </a:rPr>
+                          <m:t>𝑖</m:t>
+                        </m:r>
+                      </m:sub>
+                      <m:sup>
+                        <m:r>
+                          <a:rPr lang="en-US" i="1">
+                            <a:latin typeface="Cambria Math"/>
+                          </a:rPr>
+                          <m:t>𝑏</m:t>
+                        </m:r>
+                      </m:sup>
+                    </m:sSubSup>
+                  </m:oMath>
+                </a14:m>
+                <a:r>
+                  <a:rPr lang="en-US" dirty="0" smtClean="0"/>
+                  <a:t> </a:t>
+                </a:r>
+                <a:r>
+                  <a:rPr lang="ru-RU" dirty="0" smtClean="0"/>
+                  <a:t>и получая показания ДУС</a:t>
+                </a:r>
+                <a:r>
+                  <a:rPr lang="en-US" dirty="0" smtClean="0"/>
+                  <a:t> </a:t>
+                </a:r>
+                <a14:m>
+                  <m:oMath xmlns:m="http://schemas.openxmlformats.org/officeDocument/2006/math">
+                    <m:sSubSup>
+                      <m:sSubSupPr>
+                        <m:ctrlPr>
+                          <a:rPr lang="en-US" i="1">
+                            <a:latin typeface="Cambria Math"/>
+                          </a:rPr>
+                        </m:ctrlPr>
+                      </m:sSubSupPr>
+                      <m:e>
+                        <m:r>
+                          <a:rPr lang="en-US" b="1" i="1">
+                            <a:latin typeface="Cambria Math"/>
+                          </a:rPr>
+                          <m:t>𝝎</m:t>
+                        </m:r>
+                      </m:e>
+                      <m:sub>
+                        <m:r>
+                          <a:rPr lang="en-US" i="1">
+                            <a:latin typeface="Cambria Math"/>
+                          </a:rPr>
+                          <m:t>𝑏</m:t>
+                        </m:r>
+                        <m:r>
+                          <a:rPr lang="en-US" i="1">
+                            <a:latin typeface="Cambria Math"/>
+                          </a:rPr>
+                          <m:t>/</m:t>
+                        </m:r>
+                        <m:r>
+                          <a:rPr lang="en-US" i="1">
+                            <a:latin typeface="Cambria Math"/>
+                          </a:rPr>
+                          <m:t>𝑖</m:t>
+                        </m:r>
+                      </m:sub>
+                      <m:sup>
+                        <m:r>
+                          <a:rPr lang="en-US" i="1">
+                            <a:latin typeface="Cambria Math"/>
+                          </a:rPr>
+                          <m:t>𝑏</m:t>
+                        </m:r>
+                      </m:sup>
+                    </m:sSubSup>
+                  </m:oMath>
+                </a14:m>
+                <a:r>
+                  <a:rPr lang="ru-RU" dirty="0" smtClean="0"/>
+                  <a:t>, можно проследить за изменением матрицы поворота во времени, что задается кинематическим уравнением Пуассона</a:t>
+                </a:r>
+                <a:r>
+                  <a:rPr lang="en-US" dirty="0" smtClean="0"/>
+                  <a:t>:</a:t>
+                </a:r>
+                <a:endParaRPr lang="ru-RU" dirty="0" smtClean="0"/>
+              </a:p>
+              <a:p>
+                <a:pPr algn="just"/>
+                <a:endParaRPr lang="ru-RU" dirty="0"/>
+              </a:p>
+              <a:p>
+                <a:pPr algn="just"/>
+                <a14:m>
+                  <m:oMathPara xmlns:m="http://schemas.openxmlformats.org/officeDocument/2006/math">
+                    <m:oMathParaPr>
+                      <m:jc m:val="centerGroup"/>
+                    </m:oMathParaPr>
+                    <m:oMath xmlns:m="http://schemas.openxmlformats.org/officeDocument/2006/math">
+                      <m:acc>
+                        <m:accPr>
+                          <m:chr m:val="̇"/>
+                          <m:ctrlPr>
+                            <a:rPr lang="en-US" b="0" i="1" smtClean="0">
+                              <a:latin typeface="Cambria Math"/>
+                            </a:rPr>
+                          </m:ctrlPr>
+                        </m:accPr>
+                        <m:e>
+                          <m:sSubSup>
+                            <m:sSubSupPr>
+                              <m:ctrlPr>
+                                <a:rPr lang="en-US" i="1">
+                                  <a:latin typeface="Cambria Math"/>
+                                </a:rPr>
+                              </m:ctrlPr>
+                            </m:sSubSupPr>
+                            <m:e>
+                              <m:r>
+                                <a:rPr lang="en-US" i="1">
+                                  <a:latin typeface="Cambria Math"/>
+                                </a:rPr>
+                                <m:t>𝑅</m:t>
+                              </m:r>
+                            </m:e>
+                            <m:sub>
+                              <m:r>
+                                <a:rPr lang="en-US" i="1">
+                                  <a:latin typeface="Cambria Math"/>
+                                </a:rPr>
+                                <m:t>𝑖</m:t>
+                              </m:r>
+                            </m:sub>
+                            <m:sup>
+                              <m:r>
+                                <a:rPr lang="en-US" i="1">
+                                  <a:latin typeface="Cambria Math"/>
+                                </a:rPr>
+                                <m:t>𝑏</m:t>
+                              </m:r>
+                            </m:sup>
+                          </m:sSubSup>
+                        </m:e>
+                      </m:acc>
+                      <m:r>
+                        <a:rPr lang="en-US" b="0" i="1" smtClean="0">
+                          <a:latin typeface="Cambria Math"/>
+                        </a:rPr>
+                        <m:t>=−</m:t>
+                      </m:r>
+                      <m:sSubSup>
+                        <m:sSubSupPr>
+                          <m:ctrlPr>
+                            <a:rPr lang="en-US" b="0" i="1" smtClean="0">
+                              <a:latin typeface="Cambria Math"/>
+                            </a:rPr>
+                          </m:ctrlPr>
+                        </m:sSubSupPr>
+                        <m:e>
+                          <m:r>
+                            <m:rPr>
+                              <m:sty m:val="p"/>
+                            </m:rPr>
+                            <a:rPr lang="en-US" b="0" i="0" smtClean="0">
+                              <a:latin typeface="Cambria Math"/>
+                            </a:rPr>
+                            <m:t>Ω</m:t>
+                          </m:r>
+                        </m:e>
+                        <m:sub>
+                          <m:r>
+                            <a:rPr lang="en-US" b="0" i="1" smtClean="0">
+                              <a:latin typeface="Cambria Math"/>
+                            </a:rPr>
+                            <m:t>𝑏</m:t>
+                          </m:r>
+                          <m:r>
+                            <a:rPr lang="en-US" b="0" i="1" smtClean="0">
+                              <a:latin typeface="Cambria Math"/>
+                            </a:rPr>
+                            <m:t>/</m:t>
+                          </m:r>
+                          <m:r>
+                            <a:rPr lang="en-US" b="0" i="1" smtClean="0">
+                              <a:latin typeface="Cambria Math"/>
+                            </a:rPr>
+                            <m:t>𝑖</m:t>
+                          </m:r>
+                        </m:sub>
+                        <m:sup>
+                          <m:r>
+                            <a:rPr lang="en-US" b="0" i="1" smtClean="0">
+                              <a:latin typeface="Cambria Math"/>
+                            </a:rPr>
+                            <m:t>𝑏</m:t>
+                          </m:r>
+                        </m:sup>
+                      </m:sSubSup>
+                      <m:sSubSup>
+                        <m:sSubSupPr>
+                          <m:ctrlPr>
+                            <a:rPr lang="en-US" b="0" i="1" smtClean="0">
+                              <a:latin typeface="Cambria Math"/>
+                            </a:rPr>
+                          </m:ctrlPr>
+                        </m:sSubSupPr>
+                        <m:e>
+                          <m:r>
+                            <a:rPr lang="en-US" b="0" i="1" smtClean="0">
+                              <a:latin typeface="Cambria Math"/>
+                            </a:rPr>
+                            <m:t>𝑅</m:t>
+                          </m:r>
+                        </m:e>
+                        <m:sub>
+                          <m:r>
+                            <a:rPr lang="en-US" b="0" i="1" smtClean="0">
+                              <a:latin typeface="Cambria Math"/>
+                            </a:rPr>
+                            <m:t>𝑖</m:t>
+                          </m:r>
+                        </m:sub>
+                        <m:sup>
+                          <m:r>
+                            <a:rPr lang="en-US" b="0" i="1" smtClean="0">
+                              <a:latin typeface="Cambria Math"/>
+                            </a:rPr>
+                            <m:t>𝑏</m:t>
+                          </m:r>
+                        </m:sup>
+                      </m:sSubSup>
+                    </m:oMath>
+                  </m:oMathPara>
+                </a14:m>
+                <a:endParaRPr lang="en-US" dirty="0" smtClean="0"/>
+              </a:p>
+              <a:p>
+                <a:pPr algn="just"/>
+                <a:endParaRPr lang="en-US" dirty="0"/>
+              </a:p>
+              <a:p>
+                <a:pPr algn="just"/>
+                <a14:m>
+                  <m:oMath xmlns:m="http://schemas.openxmlformats.org/officeDocument/2006/math">
+                    <m:sSubSup>
+                      <m:sSubSupPr>
+                        <m:ctrlPr>
+                          <a:rPr lang="en-US" b="0" i="1" smtClean="0">
+                            <a:latin typeface="Cambria Math"/>
+                          </a:rPr>
+                        </m:ctrlPr>
+                      </m:sSubSupPr>
+                      <m:e>
+                        <m:r>
+                          <m:rPr>
+                            <m:sty m:val="p"/>
+                          </m:rPr>
+                          <a:rPr lang="en-US" b="0" i="0" smtClean="0">
+                            <a:latin typeface="Cambria Math"/>
+                          </a:rPr>
+                          <m:t>Ω</m:t>
+                        </m:r>
+                      </m:e>
+                      <m:sub>
+                        <m:r>
+                          <a:rPr lang="en-US" b="0" i="1" smtClean="0">
+                            <a:latin typeface="Cambria Math"/>
+                          </a:rPr>
+                          <m:t>𝑏</m:t>
+                        </m:r>
+                        <m:r>
+                          <a:rPr lang="en-US" b="0" i="1" smtClean="0">
+                            <a:latin typeface="Cambria Math"/>
+                          </a:rPr>
+                          <m:t>/</m:t>
+                        </m:r>
+                        <m:r>
+                          <a:rPr lang="en-US" b="0" i="1" smtClean="0">
+                            <a:latin typeface="Cambria Math"/>
+                          </a:rPr>
+                          <m:t>𝑖</m:t>
+                        </m:r>
+                      </m:sub>
+                      <m:sup>
+                        <m:r>
+                          <a:rPr lang="en-US" b="0" i="1" smtClean="0">
+                            <a:latin typeface="Cambria Math"/>
+                          </a:rPr>
+                          <m:t>𝑏</m:t>
+                        </m:r>
+                      </m:sup>
+                    </m:sSubSup>
+                    <m:r>
+                      <a:rPr lang="en-US" b="0" i="1" smtClean="0">
+                        <a:latin typeface="Cambria Math"/>
+                      </a:rPr>
+                      <m:t>=</m:t>
+                    </m:r>
+                    <m:d>
+                      <m:dPr>
+                        <m:ctrlPr>
+                          <a:rPr lang="en-US" b="0" i="1" smtClean="0">
+                            <a:latin typeface="Cambria Math"/>
+                          </a:rPr>
+                        </m:ctrlPr>
+                      </m:dPr>
+                      <m:e>
+                        <m:m>
+                          <m:mPr>
+                            <m:mcs>
+                              <m:mc>
+                                <m:mcPr>
+                                  <m:count m:val="3"/>
+                                  <m:mcJc m:val="center"/>
+                                </m:mcPr>
+                              </m:mc>
+                            </m:mcs>
+                            <m:ctrlPr>
+                              <a:rPr lang="en-US" b="0" i="1" smtClean="0">
+                                <a:latin typeface="Cambria Math"/>
+                              </a:rPr>
+                            </m:ctrlPr>
+                          </m:mPr>
+                          <m:mr>
+                            <m:e>
+                              <m:r>
+                                <m:rPr>
+                                  <m:brk m:alnAt="7"/>
+                                </m:rPr>
+                                <a:rPr lang="en-US" b="0" i="1" smtClean="0">
+                                  <a:latin typeface="Cambria Math"/>
+                                </a:rPr>
+                                <m:t>0</m:t>
+                              </m:r>
+                            </m:e>
+                            <m:e>
+                              <m:r>
+                                <a:rPr lang="en-US" b="0" i="1" smtClean="0">
+                                  <a:latin typeface="Cambria Math"/>
+                                </a:rPr>
+                                <m:t>−</m:t>
+                              </m:r>
+                              <m:r>
+                                <a:rPr lang="en-US" b="0" i="1" smtClean="0">
+                                  <a:latin typeface="Cambria Math"/>
+                                </a:rPr>
+                                <m:t>𝑟</m:t>
+                              </m:r>
+                            </m:e>
+                            <m:e>
+                              <m:r>
+                                <a:rPr lang="en-US" b="0" i="1" smtClean="0">
+                                  <a:latin typeface="Cambria Math"/>
+                                </a:rPr>
+                                <m:t>𝑞</m:t>
+                              </m:r>
+                            </m:e>
+                          </m:mr>
+                          <m:mr>
+                            <m:e>
+                              <m:r>
+                                <a:rPr lang="en-US" b="0" i="1" smtClean="0">
+                                  <a:latin typeface="Cambria Math"/>
+                                </a:rPr>
+                                <m:t>𝑟</m:t>
+                              </m:r>
+                            </m:e>
+                            <m:e>
+                              <m:r>
+                                <a:rPr lang="en-US" b="0" i="1" smtClean="0">
+                                  <a:latin typeface="Cambria Math"/>
+                                </a:rPr>
+                                <m:t>0</m:t>
+                              </m:r>
+                            </m:e>
+                            <m:e>
+                              <m:r>
+                                <a:rPr lang="en-US" b="0" i="1" smtClean="0">
+                                  <a:latin typeface="Cambria Math"/>
+                                </a:rPr>
+                                <m:t>−</m:t>
+                              </m:r>
+                              <m:r>
+                                <a:rPr lang="en-US" b="0" i="1" smtClean="0">
+                                  <a:latin typeface="Cambria Math"/>
+                                </a:rPr>
+                                <m:t>𝑝</m:t>
+                              </m:r>
+                            </m:e>
+                          </m:mr>
+                          <m:mr>
+                            <m:e>
+                              <m:r>
+                                <a:rPr lang="en-US" b="0" i="1" smtClean="0">
+                                  <a:latin typeface="Cambria Math"/>
+                                </a:rPr>
+                                <m:t>−</m:t>
+                              </m:r>
+                              <m:r>
+                                <a:rPr lang="en-US" b="0" i="1" smtClean="0">
+                                  <a:latin typeface="Cambria Math"/>
+                                </a:rPr>
+                                <m:t>𝑞</m:t>
+                              </m:r>
+                            </m:e>
+                            <m:e>
+                              <m:r>
+                                <a:rPr lang="en-US" b="0" i="1" smtClean="0">
+                                  <a:latin typeface="Cambria Math"/>
+                                </a:rPr>
+                                <m:t>𝑝</m:t>
+                              </m:r>
+                            </m:e>
+                            <m:e>
+                              <m:r>
+                                <a:rPr lang="en-US" b="0" i="1" smtClean="0">
+                                  <a:latin typeface="Cambria Math"/>
+                                </a:rPr>
+                                <m:t>0</m:t>
+                              </m:r>
+                            </m:e>
+                          </m:mr>
+                        </m:m>
+                      </m:e>
+                    </m:d>
+                  </m:oMath>
+                </a14:m>
+                <a:r>
+                  <a:rPr lang="en-US" dirty="0" smtClean="0"/>
+                  <a:t> - </a:t>
+                </a:r>
+                <a:r>
+                  <a:rPr lang="ru-RU" dirty="0" smtClean="0"/>
+                  <a:t>кососимметрическая матрица, соответствующая вектору угловой скорости </a:t>
+                </a:r>
+                <a14:m>
+                  <m:oMath xmlns:m="http://schemas.openxmlformats.org/officeDocument/2006/math">
+                    <m:sSubSup>
+                      <m:sSubSupPr>
+                        <m:ctrlPr>
+                          <a:rPr lang="en-US" i="1">
+                            <a:latin typeface="Cambria Math"/>
+                          </a:rPr>
+                        </m:ctrlPr>
+                      </m:sSubSupPr>
+                      <m:e>
+                        <m:r>
+                          <a:rPr lang="en-US" b="1" i="1">
+                            <a:latin typeface="Cambria Math"/>
+                          </a:rPr>
+                          <m:t>𝝎</m:t>
+                        </m:r>
+                      </m:e>
+                      <m:sub>
+                        <m:r>
+                          <a:rPr lang="en-US" i="1">
+                            <a:latin typeface="Cambria Math"/>
+                          </a:rPr>
+                          <m:t>𝑏</m:t>
+                        </m:r>
+                        <m:r>
+                          <a:rPr lang="en-US" i="1">
+                            <a:latin typeface="Cambria Math"/>
+                          </a:rPr>
+                          <m:t>/</m:t>
+                        </m:r>
+                        <m:r>
+                          <a:rPr lang="en-US" i="1">
+                            <a:latin typeface="Cambria Math"/>
+                          </a:rPr>
+                          <m:t>𝑖</m:t>
+                        </m:r>
+                      </m:sub>
+                      <m:sup>
+                        <m:r>
+                          <a:rPr lang="en-US" i="1">
+                            <a:latin typeface="Cambria Math"/>
+                          </a:rPr>
+                          <m:t>𝑏</m:t>
+                        </m:r>
+                      </m:sup>
+                    </m:sSubSup>
+                  </m:oMath>
+                </a14:m>
+                <a:endParaRPr lang="en-US" dirty="0" smtClean="0"/>
+              </a:p>
+              <a:p>
+                <a:pPr algn="just"/>
+                <a:endParaRPr lang="en-US" dirty="0"/>
+              </a:p>
+            </p:txBody>
+          </p:sp>
+        </mc:Choice>
+        <mc:Fallback>
+          <p:sp>
+            <p:nvSpPr>
+              <p:cNvPr id="4" name="TextBox 3"/>
+              <p:cNvSpPr txBox="1">
+                <a:spLocks noRot="1" noChangeAspect="1" noMove="1" noResize="1" noEditPoints="1" noAdjustHandles="1" noChangeArrowheads="1" noChangeShapeType="1" noTextEdit="1"/>
+              </p:cNvSpPr>
+              <p:nvPr/>
+            </p:nvSpPr>
+            <p:spPr>
+              <a:xfrm>
+                <a:off x="467544" y="771550"/>
+                <a:ext cx="8280920" cy="3411896"/>
+              </a:xfrm>
+              <a:prstGeom prst="rect">
+                <a:avLst/>
+              </a:prstGeom>
+              <a:blipFill rotWithShape="1">
+                <a:blip r:embed="rId2"/>
+                <a:stretch>
+                  <a:fillRect l="-663" t="-179" r="-589"/>
+                </a:stretch>
+              </a:blipFill>
+            </p:spPr>
+            <p:txBody>
+              <a:bodyPr/>
+              <a:lstStyle/>
+              <a:p>
+                <a:r>
+                  <a:rPr lang="en-US">
+                    <a:noFill/>
+                  </a:rPr>
+                  <a:t> </a:t>
+                </a:r>
+              </a:p>
+            </p:txBody>
+          </p:sp>
+        </mc:Fallback>
+      </mc:AlternateContent>
     </p:spTree>
     <p:extLst>
       <p:ext uri="{BB962C8B-B14F-4D97-AF65-F5344CB8AC3E}">
@@ -8333,6 +12035,1059 @@
       </p:grpSpPr>
       <p:sp>
         <p:nvSpPr>
+          <p:cNvPr id="4" name="Заголовок 1"/>
+          <p:cNvSpPr txBox="1">
+            <a:spLocks/>
+          </p:cNvSpPr>
+          <p:nvPr/>
+        </p:nvSpPr>
+        <p:spPr>
+          <a:xfrm>
+            <a:off x="609600" y="-5308"/>
+            <a:ext cx="8229600" cy="857250"/>
+          </a:xfrm>
+          <a:prstGeom prst="rect">
+            <a:avLst/>
+          </a:prstGeom>
+        </p:spPr>
+        <p:txBody>
+          <a:bodyPr vert="horz" lIns="91440" tIns="45720" rIns="91440" bIns="45720" rtlCol="0" anchor="ctr">
+            <a:normAutofit/>
+          </a:bodyPr>
+          <a:lstStyle>
+            <a:lvl1pPr algn="ctr" defTabSz="914400" rtl="0" eaLnBrk="1" latinLnBrk="0" hangingPunct="1">
+              <a:spcBef>
+                <a:spcPct val="0"/>
+              </a:spcBef>
+              <a:buNone/>
+              <a:defRPr sz="4400" kern="1200">
+                <a:solidFill>
+                  <a:schemeClr val="tx1"/>
+                </a:solidFill>
+                <a:latin typeface="+mj-lt"/>
+                <a:ea typeface="+mj-ea"/>
+                <a:cs typeface="+mj-cs"/>
+              </a:defRPr>
+            </a:lvl1pPr>
+          </a:lstStyle>
+          <a:p>
+            <a:r>
+              <a:rPr lang="ru-RU" sz="3600" smtClean="0"/>
+              <a:t>Уравнение Пуассона</a:t>
+            </a:r>
+            <a:endParaRPr lang="en-US" sz="3600" dirty="0"/>
+          </a:p>
+        </p:txBody>
+      </p:sp>
+      <p:pic>
+        <p:nvPicPr>
+          <p:cNvPr id="6" name="Рисунок 5"/>
+          <p:cNvPicPr>
+            <a:picLocks noChangeAspect="1"/>
+          </p:cNvPicPr>
+          <p:nvPr/>
+        </p:nvPicPr>
+        <p:blipFill>
+          <a:blip r:embed="rId2" cstate="print">
+            <a:extLst>
+              <a:ext uri="{28A0092B-C50C-407E-A947-70E740481C1C}">
+                <a14:useLocalDpi xmlns:a14="http://schemas.microsoft.com/office/drawing/2010/main" val="0"/>
+              </a:ext>
+            </a:extLst>
+          </a:blip>
+          <a:stretch>
+            <a:fillRect/>
+          </a:stretch>
+        </p:blipFill>
+        <p:spPr>
+          <a:xfrm>
+            <a:off x="107504" y="2139702"/>
+            <a:ext cx="8945447" cy="1251586"/>
+          </a:xfrm>
+          <a:prstGeom prst="rect">
+            <a:avLst/>
+          </a:prstGeom>
+        </p:spPr>
+      </p:pic>
+      <mc:AlternateContent xmlns:mc="http://schemas.openxmlformats.org/markup-compatibility/2006">
+        <mc:Choice xmlns:a14="http://schemas.microsoft.com/office/drawing/2010/main" Requires="a14">
+          <p:sp>
+            <p:nvSpPr>
+              <p:cNvPr id="7" name="Прямоугольник 6"/>
+              <p:cNvSpPr/>
+              <p:nvPr/>
+            </p:nvSpPr>
+            <p:spPr>
+              <a:xfrm>
+                <a:off x="2247492" y="843558"/>
+                <a:ext cx="5141792" cy="984052"/>
+              </a:xfrm>
+              <a:prstGeom prst="rect">
+                <a:avLst/>
+              </a:prstGeom>
+            </p:spPr>
+            <p:txBody>
+              <a:bodyPr wrap="none">
+                <a:spAutoFit/>
+              </a:bodyPr>
+              <a:lstStyle/>
+              <a:p>
+                <a14:m>
+                  <m:oMathPara xmlns:m="http://schemas.openxmlformats.org/officeDocument/2006/math">
+                    <m:oMathParaPr>
+                      <m:jc m:val="centerGroup"/>
+                    </m:oMathParaPr>
+                    <m:oMath xmlns:m="http://schemas.openxmlformats.org/officeDocument/2006/math">
+                      <m:sSubSup>
+                        <m:sSubSupPr>
+                          <m:ctrlPr>
+                            <a:rPr lang="en-US" b="0" i="1" smtClean="0">
+                              <a:latin typeface="Cambria Math"/>
+                            </a:rPr>
+                          </m:ctrlPr>
+                        </m:sSubSupPr>
+                        <m:e>
+                          <m:r>
+                            <m:rPr>
+                              <m:sty m:val="p"/>
+                            </m:rPr>
+                            <a:rPr lang="en-US" i="1" smtClean="0">
+                              <a:latin typeface="Cambria Math"/>
+                            </a:rPr>
+                            <m:t>R</m:t>
+                          </m:r>
+                        </m:e>
+                        <m:sub>
+                          <m:r>
+                            <a:rPr lang="en-US" b="0" i="1" smtClean="0">
+                              <a:latin typeface="Cambria Math"/>
+                            </a:rPr>
+                            <m:t>𝑖</m:t>
+                          </m:r>
+                        </m:sub>
+                        <m:sup>
+                          <m:r>
+                            <a:rPr lang="en-US" b="0" i="1" smtClean="0">
+                              <a:latin typeface="Cambria Math"/>
+                            </a:rPr>
+                            <m:t>𝑏</m:t>
+                          </m:r>
+                        </m:sup>
+                      </m:sSubSup>
+                      <m:r>
+                        <a:rPr lang="en-US" b="0" i="1" smtClean="0">
+                          <a:latin typeface="Cambria Math"/>
+                        </a:rPr>
+                        <m:t>=</m:t>
+                      </m:r>
+                      <m:d>
+                        <m:dPr>
+                          <m:ctrlPr>
+                            <a:rPr lang="en-US" i="1">
+                              <a:latin typeface="Cambria Math"/>
+                            </a:rPr>
+                          </m:ctrlPr>
+                        </m:dPr>
+                        <m:e>
+                          <m:m>
+                            <m:mPr>
+                              <m:mcs>
+                                <m:mc>
+                                  <m:mcPr>
+                                    <m:count m:val="3"/>
+                                    <m:mcJc m:val="center"/>
+                                  </m:mcPr>
+                                </m:mc>
+                              </m:mcs>
+                              <m:ctrlPr>
+                                <a:rPr lang="en-US" i="1">
+                                  <a:latin typeface="Cambria Math"/>
+                                </a:rPr>
+                              </m:ctrlPr>
+                            </m:mPr>
+                            <m:mr>
+                              <m:e>
+                                <m:sSub>
+                                  <m:sSubPr>
+                                    <m:ctrlPr>
+                                      <a:rPr lang="en-US" i="1">
+                                        <a:latin typeface="Cambria Math"/>
+                                      </a:rPr>
+                                    </m:ctrlPr>
+                                  </m:sSubPr>
+                                  <m:e>
+                                    <m:r>
+                                      <m:rPr>
+                                        <m:brk m:alnAt="7"/>
+                                      </m:rPr>
+                                      <a:rPr lang="en-US" i="1">
+                                        <a:latin typeface="Cambria Math"/>
+                                      </a:rPr>
+                                      <m:t>𝑐</m:t>
+                                    </m:r>
+                                  </m:e>
+                                  <m:sub>
+                                    <m:r>
+                                      <a:rPr lang="en-US" i="1">
+                                        <a:latin typeface="Cambria Math"/>
+                                      </a:rPr>
+                                      <m:t>𝜓</m:t>
+                                    </m:r>
+                                  </m:sub>
+                                </m:sSub>
+                                <m:sSub>
+                                  <m:sSubPr>
+                                    <m:ctrlPr>
+                                      <a:rPr lang="en-US" i="1">
+                                        <a:latin typeface="Cambria Math"/>
+                                      </a:rPr>
+                                    </m:ctrlPr>
+                                  </m:sSubPr>
+                                  <m:e>
+                                    <m:r>
+                                      <m:rPr>
+                                        <m:brk m:alnAt="7"/>
+                                      </m:rPr>
+                                      <a:rPr lang="en-US" i="1">
+                                        <a:latin typeface="Cambria Math"/>
+                                      </a:rPr>
+                                      <m:t>𝑐</m:t>
+                                    </m:r>
+                                  </m:e>
+                                  <m:sub>
+                                    <m:r>
+                                      <a:rPr lang="en-US" i="1">
+                                        <a:latin typeface="Cambria Math"/>
+                                      </a:rPr>
+                                      <m:t>𝜃</m:t>
+                                    </m:r>
+                                  </m:sub>
+                                </m:sSub>
+                              </m:e>
+                              <m:e>
+                                <m:sSub>
+                                  <m:sSubPr>
+                                    <m:ctrlPr>
+                                      <a:rPr lang="en-US" i="1">
+                                        <a:latin typeface="Cambria Math"/>
+                                      </a:rPr>
+                                    </m:ctrlPr>
+                                  </m:sSubPr>
+                                  <m:e>
+                                    <m:r>
+                                      <a:rPr lang="en-US" i="1">
+                                        <a:latin typeface="Cambria Math"/>
+                                      </a:rPr>
+                                      <m:t>𝑠</m:t>
+                                    </m:r>
+                                  </m:e>
+                                  <m:sub>
+                                    <m:r>
+                                      <a:rPr lang="en-US" i="1">
+                                        <a:latin typeface="Cambria Math"/>
+                                      </a:rPr>
+                                      <m:t>𝜓</m:t>
+                                    </m:r>
+                                  </m:sub>
+                                </m:sSub>
+                                <m:sSub>
+                                  <m:sSubPr>
+                                    <m:ctrlPr>
+                                      <a:rPr lang="en-US" i="1">
+                                        <a:latin typeface="Cambria Math"/>
+                                      </a:rPr>
+                                    </m:ctrlPr>
+                                  </m:sSubPr>
+                                  <m:e>
+                                    <m:r>
+                                      <a:rPr lang="en-US" i="1">
+                                        <a:latin typeface="Cambria Math"/>
+                                      </a:rPr>
+                                      <m:t>𝑐</m:t>
+                                    </m:r>
+                                  </m:e>
+                                  <m:sub>
+                                    <m:r>
+                                      <a:rPr lang="en-US" i="1">
+                                        <a:latin typeface="Cambria Math"/>
+                                      </a:rPr>
+                                      <m:t>𝜃</m:t>
+                                    </m:r>
+                                  </m:sub>
+                                </m:sSub>
+                              </m:e>
+                              <m:e>
+                                <m:r>
+                                  <a:rPr lang="en-US" i="1">
+                                    <a:latin typeface="Cambria Math"/>
+                                  </a:rPr>
+                                  <m:t>−</m:t>
+                                </m:r>
+                                <m:sSub>
+                                  <m:sSubPr>
+                                    <m:ctrlPr>
+                                      <a:rPr lang="en-US" i="1">
+                                        <a:latin typeface="Cambria Math"/>
+                                      </a:rPr>
+                                    </m:ctrlPr>
+                                  </m:sSubPr>
+                                  <m:e>
+                                    <m:r>
+                                      <a:rPr lang="en-US" i="1">
+                                        <a:latin typeface="Cambria Math"/>
+                                      </a:rPr>
+                                      <m:t>𝑠</m:t>
+                                    </m:r>
+                                  </m:e>
+                                  <m:sub>
+                                    <m:r>
+                                      <a:rPr lang="en-US" i="1">
+                                        <a:latin typeface="Cambria Math"/>
+                                      </a:rPr>
+                                      <m:t>𝜃</m:t>
+                                    </m:r>
+                                  </m:sub>
+                                </m:sSub>
+                              </m:e>
+                            </m:mr>
+                            <m:mr>
+                              <m:e>
+                                <m:sSub>
+                                  <m:sSubPr>
+                                    <m:ctrlPr>
+                                      <a:rPr lang="en-US" i="1">
+                                        <a:latin typeface="Cambria Math"/>
+                                      </a:rPr>
+                                    </m:ctrlPr>
+                                  </m:sSubPr>
+                                  <m:e>
+                                    <m:r>
+                                      <a:rPr lang="en-US" i="1">
+                                        <a:latin typeface="Cambria Math"/>
+                                      </a:rPr>
+                                      <m:t>𝑠</m:t>
+                                    </m:r>
+                                  </m:e>
+                                  <m:sub>
+                                    <m:r>
+                                      <a:rPr lang="en-US" i="1">
+                                        <a:latin typeface="Cambria Math"/>
+                                      </a:rPr>
+                                      <m:t>𝜙</m:t>
+                                    </m:r>
+                                  </m:sub>
+                                </m:sSub>
+                                <m:sSub>
+                                  <m:sSubPr>
+                                    <m:ctrlPr>
+                                      <a:rPr lang="en-US" i="1">
+                                        <a:latin typeface="Cambria Math"/>
+                                      </a:rPr>
+                                    </m:ctrlPr>
+                                  </m:sSubPr>
+                                  <m:e>
+                                    <m:r>
+                                      <m:rPr>
+                                        <m:sty m:val="p"/>
+                                      </m:rPr>
+                                      <a:rPr lang="en-US" i="1">
+                                        <a:latin typeface="Cambria Math"/>
+                                      </a:rPr>
+                                      <m:t>s</m:t>
+                                    </m:r>
+                                  </m:e>
+                                  <m:sub>
+                                    <m:r>
+                                      <a:rPr lang="en-US" i="1">
+                                        <a:latin typeface="Cambria Math"/>
+                                      </a:rPr>
+                                      <m:t>𝜃</m:t>
+                                    </m:r>
+                                  </m:sub>
+                                </m:sSub>
+                                <m:r>
+                                  <a:rPr lang="en-US" i="1">
+                                    <a:latin typeface="Cambria Math"/>
+                                  </a:rPr>
+                                  <m:t> </m:t>
+                                </m:r>
+                                <m:sSub>
+                                  <m:sSubPr>
+                                    <m:ctrlPr>
+                                      <a:rPr lang="en-US" i="1">
+                                        <a:latin typeface="Cambria Math"/>
+                                      </a:rPr>
+                                    </m:ctrlPr>
+                                  </m:sSubPr>
+                                  <m:e>
+                                    <m:r>
+                                      <a:rPr lang="en-US" i="1">
+                                        <a:latin typeface="Cambria Math"/>
+                                      </a:rPr>
+                                      <m:t>𝑐</m:t>
+                                    </m:r>
+                                  </m:e>
+                                  <m:sub>
+                                    <m:r>
+                                      <a:rPr lang="en-US" i="1">
+                                        <a:latin typeface="Cambria Math"/>
+                                      </a:rPr>
+                                      <m:t>𝜓</m:t>
+                                    </m:r>
+                                  </m:sub>
+                                </m:sSub>
+                                <m:r>
+                                  <a:rPr lang="en-US" i="1">
+                                    <a:latin typeface="Cambria Math"/>
+                                  </a:rPr>
+                                  <m:t> −</m:t>
+                                </m:r>
+                                <m:sSub>
+                                  <m:sSubPr>
+                                    <m:ctrlPr>
+                                      <a:rPr lang="en-US" i="1">
+                                        <a:latin typeface="Cambria Math"/>
+                                      </a:rPr>
+                                    </m:ctrlPr>
+                                  </m:sSubPr>
+                                  <m:e>
+                                    <m:r>
+                                      <a:rPr lang="en-US" i="1">
+                                        <a:latin typeface="Cambria Math"/>
+                                      </a:rPr>
+                                      <m:t>𝑠</m:t>
+                                    </m:r>
+                                  </m:e>
+                                  <m:sub>
+                                    <m:r>
+                                      <a:rPr lang="en-US" i="1">
+                                        <a:latin typeface="Cambria Math"/>
+                                      </a:rPr>
+                                      <m:t>𝜓</m:t>
+                                    </m:r>
+                                  </m:sub>
+                                </m:sSub>
+                                <m:sSub>
+                                  <m:sSubPr>
+                                    <m:ctrlPr>
+                                      <a:rPr lang="en-US" i="1">
+                                        <a:latin typeface="Cambria Math"/>
+                                      </a:rPr>
+                                    </m:ctrlPr>
+                                  </m:sSubPr>
+                                  <m:e>
+                                    <m:r>
+                                      <a:rPr lang="en-US" i="1">
+                                        <a:latin typeface="Cambria Math"/>
+                                      </a:rPr>
+                                      <m:t>𝑐</m:t>
+                                    </m:r>
+                                  </m:e>
+                                  <m:sub>
+                                    <m:r>
+                                      <a:rPr lang="en-US" i="1">
+                                        <a:latin typeface="Cambria Math"/>
+                                      </a:rPr>
+                                      <m:t>𝜙</m:t>
+                                    </m:r>
+                                  </m:sub>
+                                </m:sSub>
+                              </m:e>
+                              <m:e>
+                                <m:sSub>
+                                  <m:sSubPr>
+                                    <m:ctrlPr>
+                                      <a:rPr lang="en-US" i="1">
+                                        <a:latin typeface="Cambria Math"/>
+                                      </a:rPr>
+                                    </m:ctrlPr>
+                                  </m:sSubPr>
+                                  <m:e>
+                                    <m:r>
+                                      <a:rPr lang="en-US" i="1">
+                                        <a:latin typeface="Cambria Math"/>
+                                      </a:rPr>
+                                      <m:t>𝑠</m:t>
+                                    </m:r>
+                                  </m:e>
+                                  <m:sub>
+                                    <m:r>
+                                      <a:rPr lang="en-US" i="1">
+                                        <a:latin typeface="Cambria Math"/>
+                                      </a:rPr>
+                                      <m:t>𝜙</m:t>
+                                    </m:r>
+                                  </m:sub>
+                                </m:sSub>
+                                <m:sSub>
+                                  <m:sSubPr>
+                                    <m:ctrlPr>
+                                      <a:rPr lang="en-US" i="1">
+                                        <a:latin typeface="Cambria Math"/>
+                                      </a:rPr>
+                                    </m:ctrlPr>
+                                  </m:sSubPr>
+                                  <m:e>
+                                    <m:r>
+                                      <a:rPr lang="en-US" i="1">
+                                        <a:latin typeface="Cambria Math"/>
+                                      </a:rPr>
+                                      <m:t>𝑠</m:t>
+                                    </m:r>
+                                  </m:e>
+                                  <m:sub>
+                                    <m:r>
+                                      <a:rPr lang="en-US" i="1">
+                                        <a:latin typeface="Cambria Math"/>
+                                      </a:rPr>
+                                      <m:t>𝜓</m:t>
+                                    </m:r>
+                                  </m:sub>
+                                </m:sSub>
+                                <m:sSub>
+                                  <m:sSubPr>
+                                    <m:ctrlPr>
+                                      <a:rPr lang="en-US" i="1">
+                                        <a:latin typeface="Cambria Math"/>
+                                      </a:rPr>
+                                    </m:ctrlPr>
+                                  </m:sSubPr>
+                                  <m:e>
+                                    <m:r>
+                                      <a:rPr lang="en-US" i="1">
+                                        <a:latin typeface="Cambria Math"/>
+                                      </a:rPr>
+                                      <m:t>𝑠</m:t>
+                                    </m:r>
+                                  </m:e>
+                                  <m:sub>
+                                    <m:r>
+                                      <a:rPr lang="en-US" i="1">
+                                        <a:latin typeface="Cambria Math"/>
+                                      </a:rPr>
+                                      <m:t>𝜃</m:t>
+                                    </m:r>
+                                  </m:sub>
+                                </m:sSub>
+                                <m:r>
+                                  <a:rPr lang="en-US" i="1">
+                                    <a:latin typeface="Cambria Math"/>
+                                  </a:rPr>
+                                  <m:t>+</m:t>
+                                </m:r>
+                                <m:sSub>
+                                  <m:sSubPr>
+                                    <m:ctrlPr>
+                                      <a:rPr lang="en-US" i="1">
+                                        <a:latin typeface="Cambria Math"/>
+                                      </a:rPr>
+                                    </m:ctrlPr>
+                                  </m:sSubPr>
+                                  <m:e>
+                                    <m:r>
+                                      <a:rPr lang="en-US" i="1">
+                                        <a:latin typeface="Cambria Math"/>
+                                      </a:rPr>
+                                      <m:t>𝑐</m:t>
+                                    </m:r>
+                                  </m:e>
+                                  <m:sub>
+                                    <m:r>
+                                      <a:rPr lang="en-US" i="1">
+                                        <a:latin typeface="Cambria Math"/>
+                                      </a:rPr>
+                                      <m:t>𝜙</m:t>
+                                    </m:r>
+                                  </m:sub>
+                                </m:sSub>
+                                <m:sSub>
+                                  <m:sSubPr>
+                                    <m:ctrlPr>
+                                      <a:rPr lang="en-US" i="1">
+                                        <a:latin typeface="Cambria Math"/>
+                                      </a:rPr>
+                                    </m:ctrlPr>
+                                  </m:sSubPr>
+                                  <m:e>
+                                    <m:r>
+                                      <a:rPr lang="en-US" i="1">
+                                        <a:latin typeface="Cambria Math"/>
+                                      </a:rPr>
+                                      <m:t>𝑐</m:t>
+                                    </m:r>
+                                  </m:e>
+                                  <m:sub>
+                                    <m:r>
+                                      <a:rPr lang="en-US" i="1">
+                                        <a:latin typeface="Cambria Math"/>
+                                      </a:rPr>
+                                      <m:t>𝜓</m:t>
+                                    </m:r>
+                                  </m:sub>
+                                </m:sSub>
+                              </m:e>
+                              <m:e>
+                                <m:sSub>
+                                  <m:sSubPr>
+                                    <m:ctrlPr>
+                                      <a:rPr lang="en-US" i="1">
+                                        <a:latin typeface="Cambria Math"/>
+                                      </a:rPr>
+                                    </m:ctrlPr>
+                                  </m:sSubPr>
+                                  <m:e>
+                                    <m:r>
+                                      <a:rPr lang="en-US" i="1">
+                                        <a:latin typeface="Cambria Math"/>
+                                      </a:rPr>
+                                      <m:t>𝑠</m:t>
+                                    </m:r>
+                                  </m:e>
+                                  <m:sub>
+                                    <m:r>
+                                      <a:rPr lang="en-US" i="1">
+                                        <a:latin typeface="Cambria Math"/>
+                                      </a:rPr>
+                                      <m:t>𝜙</m:t>
+                                    </m:r>
+                                  </m:sub>
+                                </m:sSub>
+                                <m:sSub>
+                                  <m:sSubPr>
+                                    <m:ctrlPr>
+                                      <a:rPr lang="en-US" i="1">
+                                        <a:latin typeface="Cambria Math"/>
+                                      </a:rPr>
+                                    </m:ctrlPr>
+                                  </m:sSubPr>
+                                  <m:e>
+                                    <m:r>
+                                      <a:rPr lang="en-US" i="1">
+                                        <a:latin typeface="Cambria Math"/>
+                                      </a:rPr>
+                                      <m:t>𝑐</m:t>
+                                    </m:r>
+                                  </m:e>
+                                  <m:sub>
+                                    <m:r>
+                                      <a:rPr lang="en-US" i="1">
+                                        <a:latin typeface="Cambria Math"/>
+                                      </a:rPr>
+                                      <m:t>𝜃</m:t>
+                                    </m:r>
+                                  </m:sub>
+                                </m:sSub>
+                              </m:e>
+                            </m:mr>
+                            <m:mr>
+                              <m:e>
+                                <m:sSub>
+                                  <m:sSubPr>
+                                    <m:ctrlPr>
+                                      <a:rPr lang="en-US" i="1">
+                                        <a:latin typeface="Cambria Math"/>
+                                      </a:rPr>
+                                    </m:ctrlPr>
+                                  </m:sSubPr>
+                                  <m:e>
+                                    <m:r>
+                                      <a:rPr lang="en-US" i="1">
+                                        <a:latin typeface="Cambria Math"/>
+                                      </a:rPr>
+                                      <m:t>𝑠</m:t>
+                                    </m:r>
+                                  </m:e>
+                                  <m:sub>
+                                    <m:r>
+                                      <a:rPr lang="en-US" i="1">
+                                        <a:latin typeface="Cambria Math"/>
+                                      </a:rPr>
+                                      <m:t>𝜙</m:t>
+                                    </m:r>
+                                  </m:sub>
+                                </m:sSub>
+                                <m:sSub>
+                                  <m:sSubPr>
+                                    <m:ctrlPr>
+                                      <a:rPr lang="en-US" i="1">
+                                        <a:latin typeface="Cambria Math"/>
+                                      </a:rPr>
+                                    </m:ctrlPr>
+                                  </m:sSubPr>
+                                  <m:e>
+                                    <m:r>
+                                      <a:rPr lang="en-US" i="1">
+                                        <a:latin typeface="Cambria Math"/>
+                                      </a:rPr>
+                                      <m:t>𝑠</m:t>
+                                    </m:r>
+                                  </m:e>
+                                  <m:sub>
+                                    <m:r>
+                                      <a:rPr lang="en-US" i="1">
+                                        <a:latin typeface="Cambria Math"/>
+                                      </a:rPr>
+                                      <m:t>𝜓</m:t>
+                                    </m:r>
+                                  </m:sub>
+                                </m:sSub>
+                                <m:r>
+                                  <a:rPr lang="en-US" i="1">
+                                    <a:latin typeface="Cambria Math"/>
+                                  </a:rPr>
+                                  <m:t>+</m:t>
+                                </m:r>
+                                <m:sSub>
+                                  <m:sSubPr>
+                                    <m:ctrlPr>
+                                      <a:rPr lang="en-US" i="1">
+                                        <a:latin typeface="Cambria Math"/>
+                                      </a:rPr>
+                                    </m:ctrlPr>
+                                  </m:sSubPr>
+                                  <m:e>
+                                    <m:r>
+                                      <a:rPr lang="en-US" i="1">
+                                        <a:latin typeface="Cambria Math"/>
+                                      </a:rPr>
+                                      <m:t>𝑠</m:t>
+                                    </m:r>
+                                  </m:e>
+                                  <m:sub>
+                                    <m:r>
+                                      <a:rPr lang="en-US" i="1">
+                                        <a:latin typeface="Cambria Math"/>
+                                      </a:rPr>
+                                      <m:t>𝜃</m:t>
+                                    </m:r>
+                                  </m:sub>
+                                </m:sSub>
+                                <m:sSub>
+                                  <m:sSubPr>
+                                    <m:ctrlPr>
+                                      <a:rPr lang="en-US" i="1">
+                                        <a:latin typeface="Cambria Math"/>
+                                      </a:rPr>
+                                    </m:ctrlPr>
+                                  </m:sSubPr>
+                                  <m:e>
+                                    <m:r>
+                                      <a:rPr lang="en-US" i="1">
+                                        <a:latin typeface="Cambria Math"/>
+                                      </a:rPr>
+                                      <m:t>𝑐</m:t>
+                                    </m:r>
+                                  </m:e>
+                                  <m:sub>
+                                    <m:r>
+                                      <a:rPr lang="en-US" i="1">
+                                        <a:latin typeface="Cambria Math"/>
+                                      </a:rPr>
+                                      <m:t>𝜙</m:t>
+                                    </m:r>
+                                  </m:sub>
+                                </m:sSub>
+                                <m:sSub>
+                                  <m:sSubPr>
+                                    <m:ctrlPr>
+                                      <a:rPr lang="en-US" i="1">
+                                        <a:latin typeface="Cambria Math"/>
+                                      </a:rPr>
+                                    </m:ctrlPr>
+                                  </m:sSubPr>
+                                  <m:e>
+                                    <m:r>
+                                      <a:rPr lang="en-US" i="1">
+                                        <a:latin typeface="Cambria Math"/>
+                                      </a:rPr>
+                                      <m:t>𝑐</m:t>
+                                    </m:r>
+                                  </m:e>
+                                  <m:sub>
+                                    <m:r>
+                                      <a:rPr lang="en-US" i="1">
+                                        <a:latin typeface="Cambria Math"/>
+                                      </a:rPr>
+                                      <m:t>𝜓</m:t>
+                                    </m:r>
+                                  </m:sub>
+                                </m:sSub>
+                              </m:e>
+                              <m:e>
+                                <m:sSub>
+                                  <m:sSubPr>
+                                    <m:ctrlPr>
+                                      <a:rPr lang="en-US" i="1">
+                                        <a:latin typeface="Cambria Math"/>
+                                      </a:rPr>
+                                    </m:ctrlPr>
+                                  </m:sSubPr>
+                                  <m:e>
+                                    <m:r>
+                                      <a:rPr lang="en-US" i="1">
+                                        <a:latin typeface="Cambria Math"/>
+                                      </a:rPr>
+                                      <m:t>𝑠</m:t>
+                                    </m:r>
+                                  </m:e>
+                                  <m:sub>
+                                    <m:r>
+                                      <a:rPr lang="en-US" i="1">
+                                        <a:latin typeface="Cambria Math"/>
+                                      </a:rPr>
+                                      <m:t>𝜓</m:t>
+                                    </m:r>
+                                  </m:sub>
+                                </m:sSub>
+                                <m:sSub>
+                                  <m:sSubPr>
+                                    <m:ctrlPr>
+                                      <a:rPr lang="en-US" i="1">
+                                        <a:latin typeface="Cambria Math"/>
+                                      </a:rPr>
+                                    </m:ctrlPr>
+                                  </m:sSubPr>
+                                  <m:e>
+                                    <m:r>
+                                      <a:rPr lang="en-US" i="1">
+                                        <a:latin typeface="Cambria Math"/>
+                                      </a:rPr>
+                                      <m:t>𝑠</m:t>
+                                    </m:r>
+                                  </m:e>
+                                  <m:sub>
+                                    <m:r>
+                                      <a:rPr lang="en-US" i="1">
+                                        <a:latin typeface="Cambria Math"/>
+                                      </a:rPr>
+                                      <m:t>𝜃</m:t>
+                                    </m:r>
+                                  </m:sub>
+                                </m:sSub>
+                                <m:sSub>
+                                  <m:sSubPr>
+                                    <m:ctrlPr>
+                                      <a:rPr lang="en-US" i="1">
+                                        <a:latin typeface="Cambria Math"/>
+                                      </a:rPr>
+                                    </m:ctrlPr>
+                                  </m:sSubPr>
+                                  <m:e>
+                                    <m:r>
+                                      <a:rPr lang="en-US" i="1">
+                                        <a:latin typeface="Cambria Math"/>
+                                      </a:rPr>
+                                      <m:t>𝑐</m:t>
+                                    </m:r>
+                                  </m:e>
+                                  <m:sub>
+                                    <m:r>
+                                      <a:rPr lang="en-US" i="1">
+                                        <a:latin typeface="Cambria Math"/>
+                                      </a:rPr>
+                                      <m:t>𝜙</m:t>
+                                    </m:r>
+                                  </m:sub>
+                                </m:sSub>
+                                <m:r>
+                                  <a:rPr lang="en-US" i="1">
+                                    <a:latin typeface="Cambria Math"/>
+                                  </a:rPr>
+                                  <m:t> −</m:t>
+                                </m:r>
+                                <m:sSub>
+                                  <m:sSubPr>
+                                    <m:ctrlPr>
+                                      <a:rPr lang="en-US" i="1">
+                                        <a:latin typeface="Cambria Math"/>
+                                      </a:rPr>
+                                    </m:ctrlPr>
+                                  </m:sSubPr>
+                                  <m:e>
+                                    <m:r>
+                                      <a:rPr lang="en-US" i="1">
+                                        <a:latin typeface="Cambria Math"/>
+                                      </a:rPr>
+                                      <m:t>𝑠</m:t>
+                                    </m:r>
+                                  </m:e>
+                                  <m:sub>
+                                    <m:r>
+                                      <a:rPr lang="en-US" i="1">
+                                        <a:latin typeface="Cambria Math"/>
+                                      </a:rPr>
+                                      <m:t>𝜙</m:t>
+                                    </m:r>
+                                  </m:sub>
+                                </m:sSub>
+                                <m:sSub>
+                                  <m:sSubPr>
+                                    <m:ctrlPr>
+                                      <a:rPr lang="en-US" i="1">
+                                        <a:latin typeface="Cambria Math"/>
+                                      </a:rPr>
+                                    </m:ctrlPr>
+                                  </m:sSubPr>
+                                  <m:e>
+                                    <m:r>
+                                      <a:rPr lang="en-US" i="1">
+                                        <a:latin typeface="Cambria Math"/>
+                                      </a:rPr>
+                                      <m:t>𝑐</m:t>
+                                    </m:r>
+                                  </m:e>
+                                  <m:sub>
+                                    <m:r>
+                                      <a:rPr lang="en-US" i="1">
+                                        <a:latin typeface="Cambria Math"/>
+                                      </a:rPr>
+                                      <m:t>𝜓</m:t>
+                                    </m:r>
+                                  </m:sub>
+                                </m:sSub>
+                              </m:e>
+                              <m:e>
+                                <m:sSub>
+                                  <m:sSubPr>
+                                    <m:ctrlPr>
+                                      <a:rPr lang="en-US" i="1">
+                                        <a:latin typeface="Cambria Math"/>
+                                      </a:rPr>
+                                    </m:ctrlPr>
+                                  </m:sSubPr>
+                                  <m:e>
+                                    <m:r>
+                                      <a:rPr lang="en-US" i="1">
+                                        <a:latin typeface="Cambria Math"/>
+                                      </a:rPr>
+                                      <m:t>𝑐</m:t>
+                                    </m:r>
+                                  </m:e>
+                                  <m:sub>
+                                    <m:r>
+                                      <a:rPr lang="en-US" i="1">
+                                        <a:latin typeface="Cambria Math"/>
+                                      </a:rPr>
+                                      <m:t>𝜙</m:t>
+                                    </m:r>
+                                  </m:sub>
+                                </m:sSub>
+                                <m:sSub>
+                                  <m:sSubPr>
+                                    <m:ctrlPr>
+                                      <a:rPr lang="en-US" i="1">
+                                        <a:latin typeface="Cambria Math"/>
+                                      </a:rPr>
+                                    </m:ctrlPr>
+                                  </m:sSubPr>
+                                  <m:e>
+                                    <m:r>
+                                      <a:rPr lang="en-US" i="1">
+                                        <a:latin typeface="Cambria Math"/>
+                                      </a:rPr>
+                                      <m:t>𝑐</m:t>
+                                    </m:r>
+                                  </m:e>
+                                  <m:sub>
+                                    <m:r>
+                                      <a:rPr lang="en-US" i="1">
+                                        <a:latin typeface="Cambria Math"/>
+                                      </a:rPr>
+                                      <m:t>𝜃</m:t>
+                                    </m:r>
+                                  </m:sub>
+                                </m:sSub>
+                              </m:e>
+                            </m:mr>
+                          </m:m>
+                        </m:e>
+                      </m:d>
+                    </m:oMath>
+                  </m:oMathPara>
+                </a14:m>
+                <a:endParaRPr lang="en-US" dirty="0"/>
+              </a:p>
+            </p:txBody>
+          </p:sp>
+        </mc:Choice>
+        <mc:Fallback>
+          <p:sp>
+            <p:nvSpPr>
+              <p:cNvPr id="7" name="Прямоугольник 6"/>
+              <p:cNvSpPr>
+                <a:spLocks noRot="1" noChangeAspect="1" noMove="1" noResize="1" noEditPoints="1" noAdjustHandles="1" noChangeArrowheads="1" noChangeShapeType="1" noTextEdit="1"/>
+              </p:cNvSpPr>
+              <p:nvPr/>
+            </p:nvSpPr>
+            <p:spPr>
+              <a:xfrm>
+                <a:off x="2247492" y="843558"/>
+                <a:ext cx="5141792" cy="984052"/>
+              </a:xfrm>
+              <a:prstGeom prst="rect">
+                <a:avLst/>
+              </a:prstGeom>
+              <a:blipFill rotWithShape="1">
+                <a:blip r:embed="rId3"/>
+                <a:stretch>
+                  <a:fillRect/>
+                </a:stretch>
+              </a:blipFill>
+            </p:spPr>
+            <p:txBody>
+              <a:bodyPr/>
+              <a:lstStyle/>
+              <a:p>
+                <a:r>
+                  <a:rPr lang="en-US">
+                    <a:noFill/>
+                  </a:rPr>
+                  <a:t> </a:t>
+                </a:r>
+              </a:p>
+            </p:txBody>
+          </p:sp>
+        </mc:Fallback>
+      </mc:AlternateContent>
+    </p:spTree>
+    <p:extLst>
+      <p:ext uri="{BB962C8B-B14F-4D97-AF65-F5344CB8AC3E}">
+        <p14:creationId xmlns:p14="http://schemas.microsoft.com/office/powerpoint/2010/main" val="1595612155"/>
+      </p:ext>
+    </p:extLst>
+  </p:cSld>
+  <p:clrMapOvr>
+    <a:masterClrMapping/>
+  </p:clrMapOvr>
+  <p:timing>
+    <p:tnLst>
+      <p:par>
+        <p:cTn id="1" dur="indefinite" restart="never" nodeType="tmRoot"/>
+      </p:par>
+    </p:tnLst>
+  </p:timing>
+</p:sld>
+</file>
+
+<file path=ppt/slides/slide9.xml><?xml version="1.0" encoding="utf-8"?>
+<p:sld xmlns:a="http://schemas.openxmlformats.org/drawingml/2006/main" xmlns:r="http://schemas.openxmlformats.org/officeDocument/2006/relationships" xmlns:p="http://schemas.openxmlformats.org/presentationml/2006/main">
+  <p:cSld>
+    <p:spTree>
+      <p:nvGrpSpPr>
+        <p:cNvPr id="1" name=""/>
+        <p:cNvGrpSpPr/>
+        <p:nvPr/>
+      </p:nvGrpSpPr>
+      <p:grpSpPr>
+        <a:xfrm>
+          <a:off x="0" y="0"/>
+          <a:ext cx="0" cy="0"/>
+          <a:chOff x="0" y="0"/>
+          <a:chExt cx="0" cy="0"/>
+        </a:xfrm>
+      </p:grpSpPr>
+      <p:sp>
+        <p:nvSpPr>
           <p:cNvPr id="2" name="Заголовок 1"/>
           <p:cNvSpPr>
             <a:spLocks noGrp="1"/>
@@ -8353,33 +13108,1305 @@
           </a:bodyPr>
           <a:lstStyle/>
           <a:p>
+            <a:r>
+              <a:rPr lang="ru-RU" sz="3600" dirty="0" smtClean="0"/>
+              <a:t>Кватернионы</a:t>
+            </a:r>
             <a:endParaRPr lang="en-US" sz="3600" dirty="0"/>
           </a:p>
         </p:txBody>
       </p:sp>
+      <mc:AlternateContent xmlns:mc="http://schemas.openxmlformats.org/markup-compatibility/2006">
+        <mc:Choice xmlns:a14="http://schemas.microsoft.com/office/drawing/2010/main" Requires="a14">
+          <p:sp>
+            <p:nvSpPr>
+              <p:cNvPr id="6" name="TextBox 5"/>
+              <p:cNvSpPr txBox="1"/>
+              <p:nvPr/>
+            </p:nvSpPr>
+            <p:spPr>
+              <a:xfrm>
+                <a:off x="251520" y="1131590"/>
+                <a:ext cx="8712968" cy="3458576"/>
+              </a:xfrm>
+              <a:prstGeom prst="rect">
+                <a:avLst/>
+              </a:prstGeom>
+              <a:noFill/>
+            </p:spPr>
+            <p:txBody>
+              <a:bodyPr wrap="square" rtlCol="0">
+                <a:spAutoFit/>
+              </a:bodyPr>
+              <a:lstStyle/>
+              <a:p>
+                <a:pPr>
+                  <a:lnSpc>
+                    <a:spcPct val="150000"/>
+                  </a:lnSpc>
+                </a:pPr>
+                <a14:m>
+                  <m:oMathPara xmlns:m="http://schemas.openxmlformats.org/officeDocument/2006/math">
+                    <m:oMathParaPr>
+                      <m:jc m:val="centerGroup"/>
+                    </m:oMathParaPr>
+                    <m:oMath xmlns:m="http://schemas.openxmlformats.org/officeDocument/2006/math">
+                      <m:r>
+                        <m:rPr>
+                          <m:sty m:val="p"/>
+                        </m:rPr>
+                        <a:rPr lang="ru-RU" b="0" i="0" smtClean="0">
+                          <a:latin typeface="Cambria Math"/>
+                        </a:rPr>
+                        <m:t>Λ</m:t>
+                      </m:r>
+                      <m:r>
+                        <a:rPr lang="en-US" b="0" i="1" smtClean="0">
+                          <a:latin typeface="Cambria Math"/>
+                        </a:rPr>
+                        <m:t>=</m:t>
+                      </m:r>
+                      <m:sSup>
+                        <m:sSupPr>
+                          <m:ctrlPr>
+                            <a:rPr lang="en-US" b="0" i="1" smtClean="0">
+                              <a:latin typeface="Cambria Math"/>
+                            </a:rPr>
+                          </m:ctrlPr>
+                        </m:sSupPr>
+                        <m:e>
+                          <m:sSup>
+                            <m:sSupPr>
+                              <m:ctrlPr>
+                                <a:rPr lang="en-US" b="0" i="1" smtClean="0">
+                                  <a:latin typeface="Cambria Math"/>
+                                </a:rPr>
+                              </m:ctrlPr>
+                            </m:sSupPr>
+                            <m:e>
+                              <m:d>
+                                <m:dPr>
+                                  <m:ctrlPr>
+                                    <a:rPr lang="ru-RU" b="0" i="1" smtClean="0">
+                                      <a:latin typeface="Cambria Math"/>
+                                    </a:rPr>
+                                  </m:ctrlPr>
+                                </m:dPr>
+                                <m:e>
+                                  <m:sSub>
+                                    <m:sSubPr>
+                                      <m:ctrlPr>
+                                        <a:rPr lang="ru-RU" b="0" i="1" smtClean="0">
+                                          <a:latin typeface="Cambria Math"/>
+                                        </a:rPr>
+                                      </m:ctrlPr>
+                                    </m:sSubPr>
+                                    <m:e>
+                                      <m:r>
+                                        <a:rPr lang="ru-RU" b="0" i="1" smtClean="0">
+                                          <a:latin typeface="Cambria Math"/>
+                                        </a:rPr>
+                                        <m:t>𝜆</m:t>
+                                      </m:r>
+                                    </m:e>
+                                    <m:sub>
+                                      <m:r>
+                                        <a:rPr lang="en-US" b="0" i="1" smtClean="0">
+                                          <a:latin typeface="Cambria Math"/>
+                                        </a:rPr>
+                                        <m:t>0</m:t>
+                                      </m:r>
+                                    </m:sub>
+                                  </m:sSub>
+                                  <m:r>
+                                    <a:rPr lang="en-US" b="0" i="1" smtClean="0">
+                                      <a:latin typeface="Cambria Math"/>
+                                    </a:rPr>
+                                    <m:t> </m:t>
+                                  </m:r>
+                                  <m:sSub>
+                                    <m:sSubPr>
+                                      <m:ctrlPr>
+                                        <a:rPr lang="en-US" b="0" i="1" smtClean="0">
+                                          <a:latin typeface="Cambria Math"/>
+                                        </a:rPr>
+                                      </m:ctrlPr>
+                                    </m:sSubPr>
+                                    <m:e>
+                                      <m:r>
+                                        <a:rPr lang="en-US" b="0" i="1" smtClean="0">
+                                          <a:latin typeface="Cambria Math"/>
+                                        </a:rPr>
+                                        <m:t>𝜆</m:t>
+                                      </m:r>
+                                    </m:e>
+                                    <m:sub>
+                                      <m:r>
+                                        <a:rPr lang="en-US" b="0" i="1" smtClean="0">
+                                          <a:latin typeface="Cambria Math"/>
+                                        </a:rPr>
+                                        <m:t>1</m:t>
+                                      </m:r>
+                                    </m:sub>
+                                  </m:sSub>
+                                  <m:r>
+                                    <a:rPr lang="en-US" b="0" i="1" smtClean="0">
+                                      <a:latin typeface="Cambria Math"/>
+                                    </a:rPr>
+                                    <m:t> </m:t>
+                                  </m:r>
+                                  <m:sSub>
+                                    <m:sSubPr>
+                                      <m:ctrlPr>
+                                        <a:rPr lang="en-US" b="0" i="1" smtClean="0">
+                                          <a:latin typeface="Cambria Math"/>
+                                        </a:rPr>
+                                      </m:ctrlPr>
+                                    </m:sSubPr>
+                                    <m:e>
+                                      <m:r>
+                                        <a:rPr lang="en-US" b="0" i="1" smtClean="0">
+                                          <a:latin typeface="Cambria Math"/>
+                                        </a:rPr>
+                                        <m:t>𝜆</m:t>
+                                      </m:r>
+                                    </m:e>
+                                    <m:sub>
+                                      <m:r>
+                                        <a:rPr lang="en-US" b="0" i="1" smtClean="0">
+                                          <a:latin typeface="Cambria Math"/>
+                                        </a:rPr>
+                                        <m:t>2</m:t>
+                                      </m:r>
+                                    </m:sub>
+                                  </m:sSub>
+                                  <m:r>
+                                    <a:rPr lang="en-US" b="0" i="1" smtClean="0">
+                                      <a:latin typeface="Cambria Math"/>
+                                    </a:rPr>
+                                    <m:t> </m:t>
+                                  </m:r>
+                                  <m:sSub>
+                                    <m:sSubPr>
+                                      <m:ctrlPr>
+                                        <a:rPr lang="en-US" b="0" i="1" smtClean="0">
+                                          <a:latin typeface="Cambria Math"/>
+                                        </a:rPr>
+                                      </m:ctrlPr>
+                                    </m:sSubPr>
+                                    <m:e>
+                                      <m:r>
+                                        <a:rPr lang="en-US" b="0" i="1" smtClean="0">
+                                          <a:latin typeface="Cambria Math"/>
+                                        </a:rPr>
+                                        <m:t>𝜆</m:t>
+                                      </m:r>
+                                    </m:e>
+                                    <m:sub>
+                                      <m:r>
+                                        <a:rPr lang="en-US" b="0" i="1" smtClean="0">
+                                          <a:latin typeface="Cambria Math"/>
+                                        </a:rPr>
+                                        <m:t>3</m:t>
+                                      </m:r>
+                                    </m:sub>
+                                  </m:sSub>
+                                </m:e>
+                              </m:d>
+                            </m:e>
+                            <m:sup>
+                              <m:r>
+                                <a:rPr lang="en-US" b="0" i="1" smtClean="0">
+                                  <a:latin typeface="Cambria Math"/>
+                                </a:rPr>
+                                <m:t>𝑇</m:t>
+                              </m:r>
+                            </m:sup>
+                          </m:sSup>
+                          <m:r>
+                            <a:rPr lang="en-US" b="0" i="1" smtClean="0">
+                              <a:latin typeface="Cambria Math"/>
+                            </a:rPr>
+                            <m:t>= </m:t>
+                          </m:r>
+                          <m:d>
+                            <m:dPr>
+                              <m:ctrlPr>
+                                <a:rPr lang="en-US" b="0" i="1" smtClean="0">
+                                  <a:latin typeface="Cambria Math"/>
+                                </a:rPr>
+                              </m:ctrlPr>
+                            </m:dPr>
+                            <m:e>
+                              <m:sSub>
+                                <m:sSubPr>
+                                  <m:ctrlPr>
+                                    <a:rPr lang="en-US" b="0" i="1" smtClean="0">
+                                      <a:latin typeface="Cambria Math"/>
+                                    </a:rPr>
+                                  </m:ctrlPr>
+                                </m:sSubPr>
+                                <m:e>
+                                  <m:r>
+                                    <a:rPr lang="en-US" b="0" i="1" smtClean="0">
+                                      <a:latin typeface="Cambria Math"/>
+                                    </a:rPr>
+                                    <m:t>𝜆</m:t>
+                                  </m:r>
+                                </m:e>
+                                <m:sub>
+                                  <m:r>
+                                    <a:rPr lang="en-US" b="0" i="1" smtClean="0">
+                                      <a:latin typeface="Cambria Math"/>
+                                    </a:rPr>
+                                    <m:t>0</m:t>
+                                  </m:r>
+                                </m:sub>
+                              </m:sSub>
+                              <m:r>
+                                <a:rPr lang="en-US" b="0" i="1" smtClean="0">
+                                  <a:latin typeface="Cambria Math"/>
+                                </a:rPr>
+                                <m:t> </m:t>
+                              </m:r>
+                              <m:r>
+                                <a:rPr lang="en-US" b="1" i="1" smtClean="0">
+                                  <a:latin typeface="Cambria Math"/>
+                                </a:rPr>
+                                <m:t>𝝀</m:t>
+                              </m:r>
+                            </m:e>
+                          </m:d>
+                        </m:e>
+                        <m:sup>
+                          <m:r>
+                            <a:rPr lang="en-US" b="0" i="1" smtClean="0">
+                              <a:latin typeface="Cambria Math"/>
+                            </a:rPr>
+                            <m:t>𝑇</m:t>
+                          </m:r>
+                        </m:sup>
+                      </m:sSup>
+                    </m:oMath>
+                  </m:oMathPara>
+                </a14:m>
+                <a:endParaRPr lang="en-US" dirty="0" smtClean="0"/>
+              </a:p>
+              <a:p>
+                <a:pPr>
+                  <a:lnSpc>
+                    <a:spcPct val="150000"/>
+                  </a:lnSpc>
+                </a:pPr>
+                <a14:m>
+                  <m:oMath xmlns:m="http://schemas.openxmlformats.org/officeDocument/2006/math">
+                    <m:sSub>
+                      <m:sSubPr>
+                        <m:ctrlPr>
+                          <a:rPr lang="en-US" b="0" i="1" smtClean="0">
+                            <a:latin typeface="Cambria Math"/>
+                          </a:rPr>
+                        </m:ctrlPr>
+                      </m:sSubPr>
+                      <m:e>
+                        <m:r>
+                          <a:rPr lang="en-US" b="0" i="1" smtClean="0">
+                            <a:latin typeface="Cambria Math"/>
+                          </a:rPr>
+                          <m:t>𝜆</m:t>
+                        </m:r>
+                      </m:e>
+                      <m:sub>
+                        <m:r>
+                          <a:rPr lang="en-US" b="0" i="1" smtClean="0">
+                            <a:latin typeface="Cambria Math"/>
+                          </a:rPr>
+                          <m:t>0</m:t>
+                        </m:r>
+                      </m:sub>
+                    </m:sSub>
+                  </m:oMath>
+                </a14:m>
+                <a:r>
+                  <a:rPr lang="en-US" dirty="0" smtClean="0"/>
+                  <a:t> - </a:t>
+                </a:r>
+                <a:r>
+                  <a:rPr lang="ru-RU" dirty="0" smtClean="0"/>
+                  <a:t>скалярная часть </a:t>
+                </a:r>
+                <a:r>
+                  <a:rPr lang="ru-RU" dirty="0" err="1" smtClean="0"/>
+                  <a:t>кватериниона</a:t>
+                </a:r>
+                <a:r>
+                  <a:rPr lang="ru-RU" dirty="0" smtClean="0"/>
+                  <a:t>, </a:t>
+                </a:r>
+              </a:p>
+              <a:p>
+                <a:pPr>
+                  <a:lnSpc>
+                    <a:spcPct val="150000"/>
+                  </a:lnSpc>
+                </a:pPr>
+                <a14:m>
+                  <m:oMath xmlns:m="http://schemas.openxmlformats.org/officeDocument/2006/math">
+                    <m:sSub>
+                      <m:sSubPr>
+                        <m:ctrlPr>
+                          <a:rPr lang="en-US" b="0" i="1" smtClean="0">
+                            <a:latin typeface="Cambria Math"/>
+                          </a:rPr>
+                        </m:ctrlPr>
+                      </m:sSubPr>
+                      <m:e>
+                        <m:r>
+                          <a:rPr lang="en-US" b="0" i="1" smtClean="0">
+                            <a:latin typeface="Cambria Math"/>
+                          </a:rPr>
+                          <m:t>𝜆</m:t>
+                        </m:r>
+                      </m:e>
+                      <m:sub>
+                        <m:r>
+                          <a:rPr lang="en-US" b="0" i="1" smtClean="0">
+                            <a:latin typeface="Cambria Math"/>
+                          </a:rPr>
+                          <m:t>𝑖</m:t>
+                        </m:r>
+                      </m:sub>
+                    </m:sSub>
+                    <m:r>
+                      <a:rPr lang="en-US" b="0" i="1" smtClean="0">
+                        <a:latin typeface="Cambria Math"/>
+                      </a:rPr>
+                      <m:t>, </m:t>
+                    </m:r>
+                    <m:r>
+                      <a:rPr lang="en-US" b="0" i="1" smtClean="0">
+                        <a:latin typeface="Cambria Math"/>
+                      </a:rPr>
+                      <m:t>𝑖</m:t>
+                    </m:r>
+                    <m:r>
+                      <a:rPr lang="en-US" b="0" i="1" smtClean="0">
+                        <a:latin typeface="Cambria Math"/>
+                      </a:rPr>
+                      <m:t>=1,2,3</m:t>
+                    </m:r>
+                  </m:oMath>
+                </a14:m>
+                <a:r>
+                  <a:rPr lang="en-US" dirty="0" smtClean="0"/>
+                  <a:t> – </a:t>
+                </a:r>
+                <a:r>
+                  <a:rPr lang="ru-RU" dirty="0" smtClean="0"/>
+                  <a:t>компоненты векторной части</a:t>
+                </a:r>
+                <a:endParaRPr lang="en-US" dirty="0" smtClean="0"/>
+              </a:p>
+              <a:p>
+                <a:pPr>
+                  <a:lnSpc>
+                    <a:spcPct val="150000"/>
+                  </a:lnSpc>
+                </a:pPr>
+                <a:r>
+                  <a:rPr lang="ru-RU" dirty="0" smtClean="0"/>
+                  <a:t>Нормированный кватернион</a:t>
+                </a:r>
+                <a:r>
+                  <a:rPr lang="en-US" dirty="0" smtClean="0"/>
+                  <a:t> </a:t>
+                </a:r>
+                <a14:m>
+                  <m:oMath xmlns:m="http://schemas.openxmlformats.org/officeDocument/2006/math">
+                    <m:r>
+                      <m:rPr>
+                        <m:sty m:val="p"/>
+                      </m:rPr>
+                      <a:rPr lang="en-US" b="0" i="0" smtClean="0">
+                        <a:latin typeface="Cambria Math"/>
+                      </a:rPr>
+                      <m:t>Λ</m:t>
+                    </m:r>
+                    <m:r>
+                      <a:rPr lang="en-US" b="0" i="0" smtClean="0">
+                        <a:latin typeface="Cambria Math"/>
+                      </a:rPr>
+                      <m:t>=(</m:t>
+                    </m:r>
+                    <m:func>
+                      <m:funcPr>
+                        <m:ctrlPr>
+                          <a:rPr lang="en-US" b="0" i="1" smtClean="0">
+                            <a:latin typeface="Cambria Math"/>
+                          </a:rPr>
+                        </m:ctrlPr>
+                      </m:funcPr>
+                      <m:fName>
+                        <m:r>
+                          <m:rPr>
+                            <m:sty m:val="p"/>
+                          </m:rPr>
+                          <a:rPr lang="en-US" b="0" i="0" smtClean="0">
+                            <a:latin typeface="Cambria Math"/>
+                          </a:rPr>
+                          <m:t>cos</m:t>
+                        </m:r>
+                      </m:fName>
+                      <m:e>
+                        <m:f>
+                          <m:fPr>
+                            <m:ctrlPr>
+                              <a:rPr lang="en-US" b="0" i="1" smtClean="0">
+                                <a:latin typeface="Cambria Math"/>
+                              </a:rPr>
+                            </m:ctrlPr>
+                          </m:fPr>
+                          <m:num>
+                            <m:r>
+                              <a:rPr lang="en-US" b="0" i="1" smtClean="0">
+                                <a:latin typeface="Cambria Math"/>
+                              </a:rPr>
+                              <m:t>𝜃</m:t>
+                            </m:r>
+                          </m:num>
+                          <m:den>
+                            <m:r>
+                              <a:rPr lang="en-US" b="0" i="1" smtClean="0">
+                                <a:latin typeface="Cambria Math"/>
+                              </a:rPr>
+                              <m:t>2</m:t>
+                            </m:r>
+                          </m:den>
+                        </m:f>
+                      </m:e>
+                    </m:func>
+                    <m:r>
+                      <a:rPr lang="en-US" b="0" i="1" smtClean="0">
+                        <a:latin typeface="Cambria Math"/>
+                      </a:rPr>
+                      <m:t>+</m:t>
+                    </m:r>
+                    <m:r>
+                      <a:rPr lang="en-US" b="1" i="1" smtClean="0">
+                        <a:latin typeface="Cambria Math"/>
+                      </a:rPr>
+                      <m:t>𝜻</m:t>
+                    </m:r>
+                    <m:func>
+                      <m:funcPr>
+                        <m:ctrlPr>
+                          <a:rPr lang="en-US" i="1" smtClean="0">
+                            <a:latin typeface="Cambria Math"/>
+                          </a:rPr>
+                        </m:ctrlPr>
+                      </m:funcPr>
+                      <m:fName>
+                        <m:r>
+                          <m:rPr>
+                            <m:sty m:val="p"/>
+                          </m:rPr>
+                          <a:rPr lang="en-US" b="0" i="0" smtClean="0">
+                            <a:latin typeface="Cambria Math"/>
+                          </a:rPr>
+                          <m:t>sin</m:t>
+                        </m:r>
+                      </m:fName>
+                      <m:e>
+                        <m:f>
+                          <m:fPr>
+                            <m:ctrlPr>
+                              <a:rPr lang="en-US" i="1" smtClean="0">
+                                <a:latin typeface="Cambria Math"/>
+                              </a:rPr>
+                            </m:ctrlPr>
+                          </m:fPr>
+                          <m:num>
+                            <m:r>
+                              <a:rPr lang="en-US" b="0" i="1" smtClean="0">
+                                <a:latin typeface="Cambria Math"/>
+                              </a:rPr>
+                              <m:t>𝜃</m:t>
+                            </m:r>
+                          </m:num>
+                          <m:den>
+                            <m:r>
+                              <a:rPr lang="en-US" b="0" i="1" smtClean="0">
+                                <a:latin typeface="Cambria Math"/>
+                              </a:rPr>
+                              <m:t>2</m:t>
+                            </m:r>
+                          </m:den>
+                        </m:f>
+                      </m:e>
+                    </m:func>
+                    <m:r>
+                      <a:rPr lang="en-US" b="0" i="0" smtClean="0">
+                        <a:latin typeface="Cambria Math"/>
+                      </a:rPr>
+                      <m:t>)</m:t>
+                    </m:r>
+                  </m:oMath>
+                </a14:m>
+                <a:r>
+                  <a:rPr lang="ru-RU" dirty="0" smtClean="0"/>
+                  <a:t>: </a:t>
+                </a:r>
+                <a14:m>
+                  <m:oMath xmlns:m="http://schemas.openxmlformats.org/officeDocument/2006/math">
+                    <m:d>
+                      <m:dPr>
+                        <m:begChr m:val="‖"/>
+                        <m:endChr m:val="‖"/>
+                        <m:ctrlPr>
+                          <a:rPr lang="ru-RU" i="1" smtClean="0">
+                            <a:latin typeface="Cambria Math"/>
+                          </a:rPr>
+                        </m:ctrlPr>
+                      </m:dPr>
+                      <m:e>
+                        <m:r>
+                          <m:rPr>
+                            <m:sty m:val="p"/>
+                          </m:rPr>
+                          <a:rPr lang="en-US" b="0" i="0" smtClean="0">
+                            <a:latin typeface="Cambria Math"/>
+                          </a:rPr>
+                          <m:t>Λ</m:t>
+                        </m:r>
+                      </m:e>
+                    </m:d>
+                    <m:r>
+                      <a:rPr lang="en-US" b="0" i="1" smtClean="0">
+                        <a:latin typeface="Cambria Math"/>
+                      </a:rPr>
+                      <m:t>=</m:t>
+                    </m:r>
+                    <m:nary>
+                      <m:naryPr>
+                        <m:chr m:val="∑"/>
+                        <m:ctrlPr>
+                          <a:rPr lang="en-US" b="0" i="1" smtClean="0">
+                            <a:latin typeface="Cambria Math"/>
+                          </a:rPr>
+                        </m:ctrlPr>
+                      </m:naryPr>
+                      <m:sub>
+                        <m:r>
+                          <m:rPr>
+                            <m:brk m:alnAt="23"/>
+                          </m:rPr>
+                          <a:rPr lang="en-US" b="0" i="1" smtClean="0">
+                            <a:latin typeface="Cambria Math"/>
+                          </a:rPr>
+                          <m:t>1</m:t>
+                        </m:r>
+                      </m:sub>
+                      <m:sup>
+                        <m:r>
+                          <a:rPr lang="en-US" b="0" i="1" smtClean="0">
+                            <a:latin typeface="Cambria Math"/>
+                          </a:rPr>
+                          <m:t>3</m:t>
+                        </m:r>
+                      </m:sup>
+                      <m:e>
+                        <m:sSubSup>
+                          <m:sSubSupPr>
+                            <m:ctrlPr>
+                              <a:rPr lang="en-US" b="0" i="1" smtClean="0">
+                                <a:latin typeface="Cambria Math"/>
+                              </a:rPr>
+                            </m:ctrlPr>
+                          </m:sSubSupPr>
+                          <m:e>
+                            <m:r>
+                              <a:rPr lang="en-US" b="0" i="1" smtClean="0">
+                                <a:latin typeface="Cambria Math"/>
+                              </a:rPr>
+                              <m:t>𝜆</m:t>
+                            </m:r>
+                          </m:e>
+                          <m:sub>
+                            <m:r>
+                              <a:rPr lang="en-US" b="0" i="1" smtClean="0">
+                                <a:latin typeface="Cambria Math"/>
+                              </a:rPr>
+                              <m:t>𝑖</m:t>
+                            </m:r>
+                          </m:sub>
+                          <m:sup>
+                            <m:r>
+                              <a:rPr lang="en-US" b="0" i="1" smtClean="0">
+                                <a:latin typeface="Cambria Math"/>
+                              </a:rPr>
+                              <m:t>2</m:t>
+                            </m:r>
+                          </m:sup>
+                        </m:sSubSup>
+                        <m:r>
+                          <a:rPr lang="en-US" b="0" i="1" smtClean="0">
+                            <a:latin typeface="Cambria Math"/>
+                          </a:rPr>
+                          <m:t>=1</m:t>
+                        </m:r>
+                      </m:e>
+                    </m:nary>
+                  </m:oMath>
+                </a14:m>
+                <a:endParaRPr lang="ru-RU" b="0" dirty="0" smtClean="0"/>
+              </a:p>
+              <a:p>
+                <a:pPr>
+                  <a:lnSpc>
+                    <a:spcPct val="150000"/>
+                  </a:lnSpc>
+                </a:pPr>
+                <a:r>
+                  <a:rPr lang="ru-RU" b="0" dirty="0" smtClean="0"/>
+                  <a:t>Сопряженный и обратный кватернионы: </a:t>
+                </a:r>
+                <a14:m>
+                  <m:oMath xmlns:m="http://schemas.openxmlformats.org/officeDocument/2006/math">
+                    <m:acc>
+                      <m:accPr>
+                        <m:chr m:val="̅"/>
+                        <m:ctrlPr>
+                          <a:rPr lang="en-US" b="0" i="1" smtClean="0">
+                            <a:latin typeface="Cambria Math"/>
+                          </a:rPr>
+                        </m:ctrlPr>
+                      </m:accPr>
+                      <m:e>
+                        <m:r>
+                          <m:rPr>
+                            <m:sty m:val="p"/>
+                          </m:rPr>
+                          <a:rPr lang="en-US" b="0" i="0" smtClean="0">
+                            <a:latin typeface="Cambria Math"/>
+                          </a:rPr>
+                          <m:t>Λ</m:t>
+                        </m:r>
+                      </m:e>
+                    </m:acc>
+                    <m:r>
+                      <a:rPr lang="en-US" b="0" i="1" smtClean="0">
+                        <a:latin typeface="Cambria Math"/>
+                      </a:rPr>
+                      <m:t>=</m:t>
+                    </m:r>
+                    <m:d>
+                      <m:dPr>
+                        <m:ctrlPr>
+                          <a:rPr lang="en-US" b="0" i="1" smtClean="0">
+                            <a:latin typeface="Cambria Math"/>
+                          </a:rPr>
+                        </m:ctrlPr>
+                      </m:dPr>
+                      <m:e>
+                        <m:sSub>
+                          <m:sSubPr>
+                            <m:ctrlPr>
+                              <a:rPr lang="en-US" b="0" i="1" smtClean="0">
+                                <a:latin typeface="Cambria Math"/>
+                              </a:rPr>
+                            </m:ctrlPr>
+                          </m:sSubPr>
+                          <m:e>
+                            <m:r>
+                              <a:rPr lang="en-US" b="0" i="1" smtClean="0">
+                                <a:latin typeface="Cambria Math"/>
+                              </a:rPr>
+                              <m:t>𝜆</m:t>
+                            </m:r>
+                          </m:e>
+                          <m:sub>
+                            <m:r>
+                              <a:rPr lang="en-US" b="0" i="1" smtClean="0">
+                                <a:latin typeface="Cambria Math"/>
+                              </a:rPr>
+                              <m:t>0</m:t>
+                            </m:r>
+                          </m:sub>
+                        </m:sSub>
+                        <m:r>
+                          <a:rPr lang="en-US" b="0" i="1" smtClean="0">
+                            <a:latin typeface="Cambria Math"/>
+                          </a:rPr>
+                          <m:t> −</m:t>
+                        </m:r>
+                        <m:r>
+                          <a:rPr lang="en-US" b="1" i="1" smtClean="0">
+                            <a:latin typeface="Cambria Math"/>
+                          </a:rPr>
+                          <m:t>𝝀</m:t>
+                        </m:r>
+                      </m:e>
+                    </m:d>
+                    <m:r>
+                      <a:rPr lang="en-US" b="1" i="1" smtClean="0">
+                        <a:latin typeface="Cambria Math"/>
+                      </a:rPr>
+                      <m:t>, </m:t>
+                    </m:r>
+                    <m:sSup>
+                      <m:sSupPr>
+                        <m:ctrlPr>
+                          <a:rPr lang="en-US" i="0" smtClean="0">
+                            <a:latin typeface="Cambria Math"/>
+                          </a:rPr>
+                        </m:ctrlPr>
+                      </m:sSupPr>
+                      <m:e>
+                        <m:r>
+                          <m:rPr>
+                            <m:sty m:val="p"/>
+                          </m:rPr>
+                          <a:rPr lang="en-US" b="0" i="0" smtClean="0">
+                            <a:latin typeface="Cambria Math"/>
+                          </a:rPr>
+                          <m:t>Λ</m:t>
+                        </m:r>
+                      </m:e>
+                      <m:sup>
+                        <m:r>
+                          <a:rPr lang="en-US" b="0" i="0" smtClean="0">
+                            <a:latin typeface="Cambria Math"/>
+                          </a:rPr>
+                          <m:t>−1</m:t>
+                        </m:r>
+                      </m:sup>
+                    </m:sSup>
+                    <m:r>
+                      <a:rPr lang="en-US" b="1" i="0" smtClean="0">
+                        <a:latin typeface="Cambria Math"/>
+                      </a:rPr>
+                      <m:t>=</m:t>
+                    </m:r>
+                    <m:f>
+                      <m:fPr>
+                        <m:ctrlPr>
+                          <a:rPr lang="en-US" b="1" i="1" smtClean="0">
+                            <a:latin typeface="Cambria Math"/>
+                          </a:rPr>
+                        </m:ctrlPr>
+                      </m:fPr>
+                      <m:num>
+                        <m:acc>
+                          <m:accPr>
+                            <m:chr m:val="̅"/>
+                            <m:ctrlPr>
+                              <a:rPr lang="en-US" b="1" i="1" smtClean="0">
+                                <a:latin typeface="Cambria Math"/>
+                              </a:rPr>
+                            </m:ctrlPr>
+                          </m:accPr>
+                          <m:e>
+                            <m:r>
+                              <m:rPr>
+                                <m:sty m:val="p"/>
+                              </m:rPr>
+                              <a:rPr lang="en-US" b="0" i="0" smtClean="0">
+                                <a:latin typeface="Cambria Math"/>
+                              </a:rPr>
+                              <m:t>Λ</m:t>
+                            </m:r>
+                          </m:e>
+                        </m:acc>
+                      </m:num>
+                      <m:den>
+                        <m:d>
+                          <m:dPr>
+                            <m:begChr m:val="‖"/>
+                            <m:endChr m:val="‖"/>
+                            <m:ctrlPr>
+                              <a:rPr lang="en-US" b="1" i="1" smtClean="0">
+                                <a:latin typeface="Cambria Math"/>
+                              </a:rPr>
+                            </m:ctrlPr>
+                          </m:dPr>
+                          <m:e>
+                            <m:r>
+                              <m:rPr>
+                                <m:sty m:val="p"/>
+                              </m:rPr>
+                              <a:rPr lang="en-US" b="0" i="0" smtClean="0">
+                                <a:latin typeface="Cambria Math"/>
+                              </a:rPr>
+                              <m:t>Λ</m:t>
+                            </m:r>
+                          </m:e>
+                        </m:d>
+                      </m:den>
+                    </m:f>
+                  </m:oMath>
+                </a14:m>
+                <a:endParaRPr lang="en-US" b="1" dirty="0" smtClean="0"/>
+              </a:p>
+              <a:p>
+                <a:pPr>
+                  <a:lnSpc>
+                    <a:spcPct val="150000"/>
+                  </a:lnSpc>
+                </a:pPr>
+                <a:r>
+                  <a:rPr lang="ru-RU" dirty="0" smtClean="0"/>
+                  <a:t>Правило произведения кватернионов:</a:t>
+                </a:r>
+              </a:p>
+              <a:p>
+                <a:pPr>
+                  <a:lnSpc>
+                    <a:spcPct val="150000"/>
+                  </a:lnSpc>
+                </a:pPr>
+                <a14:m>
+                  <m:oMathPara xmlns:m="http://schemas.openxmlformats.org/officeDocument/2006/math">
+                    <m:oMathParaPr>
+                      <m:jc m:val="centerGroup"/>
+                    </m:oMathParaPr>
+                    <m:oMath xmlns:m="http://schemas.openxmlformats.org/officeDocument/2006/math">
+                      <m:r>
+                        <m:rPr>
+                          <m:sty m:val="p"/>
+                        </m:rPr>
+                        <a:rPr lang="en-US" b="0" i="0" smtClean="0">
+                          <a:latin typeface="Cambria Math"/>
+                        </a:rPr>
+                        <m:t>Λ</m:t>
+                      </m:r>
+                      <m:r>
+                        <a:rPr lang="en-US" i="1">
+                          <a:latin typeface="Cambria Math"/>
+                          <a:ea typeface="Cambria Math"/>
+                        </a:rPr>
+                        <m:t>∘</m:t>
+                      </m:r>
+                      <m:r>
+                        <a:rPr lang="en-US" b="0" i="1" smtClean="0">
+                          <a:latin typeface="Cambria Math"/>
+                          <a:ea typeface="Cambria Math"/>
+                        </a:rPr>
+                        <m:t>𝑀</m:t>
+                      </m:r>
+                      <m:r>
+                        <a:rPr lang="en-US" b="0" i="1" smtClean="0">
+                          <a:latin typeface="Cambria Math"/>
+                          <a:ea typeface="Cambria Math"/>
+                        </a:rPr>
+                        <m:t>=</m:t>
+                      </m:r>
+                      <m:d>
+                        <m:dPr>
+                          <m:ctrlPr>
+                            <a:rPr lang="en-US" b="0" i="1" smtClean="0">
+                              <a:latin typeface="Cambria Math"/>
+                              <a:ea typeface="Cambria Math"/>
+                            </a:rPr>
+                          </m:ctrlPr>
+                        </m:dPr>
+                        <m:e>
+                          <m:sSub>
+                            <m:sSubPr>
+                              <m:ctrlPr>
+                                <a:rPr lang="en-US" b="0" i="1" smtClean="0">
+                                  <a:latin typeface="Cambria Math"/>
+                                  <a:ea typeface="Cambria Math"/>
+                                </a:rPr>
+                              </m:ctrlPr>
+                            </m:sSubPr>
+                            <m:e>
+                              <m:r>
+                                <a:rPr lang="en-US" b="0" i="1" smtClean="0">
+                                  <a:latin typeface="Cambria Math"/>
+                                  <a:ea typeface="Cambria Math"/>
+                                </a:rPr>
+                                <m:t>𝜆</m:t>
+                              </m:r>
+                            </m:e>
+                            <m:sub>
+                              <m:r>
+                                <a:rPr lang="en-US" b="0" i="1" smtClean="0">
+                                  <a:latin typeface="Cambria Math"/>
+                                  <a:ea typeface="Cambria Math"/>
+                                </a:rPr>
+                                <m:t>0</m:t>
+                              </m:r>
+                            </m:sub>
+                          </m:sSub>
+                          <m:r>
+                            <a:rPr lang="en-US" b="0" i="1" smtClean="0">
+                              <a:latin typeface="Cambria Math"/>
+                              <a:ea typeface="Cambria Math"/>
+                            </a:rPr>
+                            <m:t>+</m:t>
+                          </m:r>
+                          <m:r>
+                            <a:rPr lang="en-US" b="1" i="1" smtClean="0">
+                              <a:latin typeface="Cambria Math"/>
+                              <a:ea typeface="Cambria Math"/>
+                            </a:rPr>
+                            <m:t>𝝀</m:t>
+                          </m:r>
+                        </m:e>
+                      </m:d>
+                      <m:r>
+                        <a:rPr lang="en-US" b="0" i="1" smtClean="0">
+                          <a:latin typeface="Cambria Math"/>
+                          <a:ea typeface="Cambria Math"/>
+                        </a:rPr>
+                        <m:t>∘</m:t>
+                      </m:r>
+                      <m:d>
+                        <m:dPr>
+                          <m:ctrlPr>
+                            <a:rPr lang="en-US" b="0" i="1" smtClean="0">
+                              <a:latin typeface="Cambria Math"/>
+                              <a:ea typeface="Cambria Math"/>
+                            </a:rPr>
+                          </m:ctrlPr>
+                        </m:dPr>
+                        <m:e>
+                          <m:sSub>
+                            <m:sSubPr>
+                              <m:ctrlPr>
+                                <a:rPr lang="en-US" b="0" i="1" smtClean="0">
+                                  <a:latin typeface="Cambria Math"/>
+                                  <a:ea typeface="Cambria Math"/>
+                                </a:rPr>
+                              </m:ctrlPr>
+                            </m:sSubPr>
+                            <m:e>
+                              <m:r>
+                                <a:rPr lang="en-US" b="0" i="1" smtClean="0">
+                                  <a:latin typeface="Cambria Math"/>
+                                  <a:ea typeface="Cambria Math"/>
+                                </a:rPr>
+                                <m:t>𝜇</m:t>
+                              </m:r>
+                            </m:e>
+                            <m:sub>
+                              <m:r>
+                                <a:rPr lang="en-US" b="0" i="1" smtClean="0">
+                                  <a:latin typeface="Cambria Math"/>
+                                  <a:ea typeface="Cambria Math"/>
+                                </a:rPr>
+                                <m:t>0</m:t>
+                              </m:r>
+                            </m:sub>
+                          </m:sSub>
+                          <m:r>
+                            <a:rPr lang="en-US" b="0" i="1" smtClean="0">
+                              <a:latin typeface="Cambria Math"/>
+                              <a:ea typeface="Cambria Math"/>
+                            </a:rPr>
+                            <m:t>+</m:t>
+                          </m:r>
+                          <m:r>
+                            <a:rPr lang="en-US" b="1" i="1" smtClean="0">
+                              <a:latin typeface="Cambria Math"/>
+                              <a:ea typeface="Cambria Math"/>
+                            </a:rPr>
+                            <m:t>𝝁</m:t>
+                          </m:r>
+                        </m:e>
+                      </m:d>
+                      <m:r>
+                        <a:rPr lang="en-US" b="0" i="1" smtClean="0">
+                          <a:latin typeface="Cambria Math"/>
+                          <a:ea typeface="Cambria Math"/>
+                        </a:rPr>
+                        <m:t>=</m:t>
+                      </m:r>
+                      <m:sSub>
+                        <m:sSubPr>
+                          <m:ctrlPr>
+                            <a:rPr lang="en-US" b="0" i="1" smtClean="0">
+                              <a:latin typeface="Cambria Math"/>
+                              <a:ea typeface="Cambria Math"/>
+                            </a:rPr>
+                          </m:ctrlPr>
+                        </m:sSubPr>
+                        <m:e>
+                          <m:r>
+                            <a:rPr lang="en-US" b="0" i="1" smtClean="0">
+                              <a:latin typeface="Cambria Math"/>
+                              <a:ea typeface="Cambria Math"/>
+                            </a:rPr>
+                            <m:t>𝜆</m:t>
+                          </m:r>
+                        </m:e>
+                        <m:sub>
+                          <m:r>
+                            <a:rPr lang="en-US" b="0" i="1" smtClean="0">
+                              <a:latin typeface="Cambria Math"/>
+                              <a:ea typeface="Cambria Math"/>
+                            </a:rPr>
+                            <m:t>0</m:t>
+                          </m:r>
+                        </m:sub>
+                      </m:sSub>
+                      <m:sSub>
+                        <m:sSubPr>
+                          <m:ctrlPr>
+                            <a:rPr lang="en-US" b="0" i="1" smtClean="0">
+                              <a:latin typeface="Cambria Math"/>
+                              <a:ea typeface="Cambria Math"/>
+                            </a:rPr>
+                          </m:ctrlPr>
+                        </m:sSubPr>
+                        <m:e>
+                          <m:r>
+                            <a:rPr lang="en-US" b="0" i="1" smtClean="0">
+                              <a:latin typeface="Cambria Math"/>
+                              <a:ea typeface="Cambria Math"/>
+                            </a:rPr>
+                            <m:t>𝜇</m:t>
+                          </m:r>
+                        </m:e>
+                        <m:sub>
+                          <m:r>
+                            <a:rPr lang="en-US" b="0" i="1" smtClean="0">
+                              <a:latin typeface="Cambria Math"/>
+                              <a:ea typeface="Cambria Math"/>
+                            </a:rPr>
+                            <m:t>0</m:t>
+                          </m:r>
+                        </m:sub>
+                      </m:sSub>
+                      <m:r>
+                        <a:rPr lang="en-US" b="0" i="1" smtClean="0">
+                          <a:latin typeface="Cambria Math"/>
+                          <a:ea typeface="Cambria Math"/>
+                        </a:rPr>
+                        <m:t>+</m:t>
+                      </m:r>
+                      <m:sSub>
+                        <m:sSubPr>
+                          <m:ctrlPr>
+                            <a:rPr lang="en-US" b="0" i="1" smtClean="0">
+                              <a:latin typeface="Cambria Math"/>
+                              <a:ea typeface="Cambria Math"/>
+                            </a:rPr>
+                          </m:ctrlPr>
+                        </m:sSubPr>
+                        <m:e>
+                          <m:r>
+                            <a:rPr lang="en-US" b="0" i="1" smtClean="0">
+                              <a:latin typeface="Cambria Math"/>
+                              <a:ea typeface="Cambria Math"/>
+                            </a:rPr>
+                            <m:t>𝜆</m:t>
+                          </m:r>
+                        </m:e>
+                        <m:sub>
+                          <m:r>
+                            <a:rPr lang="en-US" b="0" i="1" smtClean="0">
+                              <a:latin typeface="Cambria Math"/>
+                              <a:ea typeface="Cambria Math"/>
+                            </a:rPr>
+                            <m:t>0</m:t>
+                          </m:r>
+                        </m:sub>
+                      </m:sSub>
+                      <m:r>
+                        <a:rPr lang="en-US" b="1" i="1" smtClean="0">
+                          <a:latin typeface="Cambria Math"/>
+                          <a:ea typeface="Cambria Math"/>
+                        </a:rPr>
+                        <m:t>𝝁</m:t>
+                      </m:r>
+                      <m:r>
+                        <a:rPr lang="en-US" b="1" i="1" smtClean="0">
+                          <a:latin typeface="Cambria Math"/>
+                          <a:ea typeface="Cambria Math"/>
+                        </a:rPr>
+                        <m:t>+</m:t>
+                      </m:r>
+                      <m:sSub>
+                        <m:sSubPr>
+                          <m:ctrlPr>
+                            <a:rPr lang="en-US" b="0" i="1" smtClean="0">
+                              <a:latin typeface="Cambria Math"/>
+                              <a:ea typeface="Cambria Math"/>
+                            </a:rPr>
+                          </m:ctrlPr>
+                        </m:sSubPr>
+                        <m:e>
+                          <m:r>
+                            <a:rPr lang="en-US" b="0" i="1" smtClean="0">
+                              <a:latin typeface="Cambria Math"/>
+                              <a:ea typeface="Cambria Math"/>
+                            </a:rPr>
+                            <m:t>𝜇</m:t>
+                          </m:r>
+                        </m:e>
+                        <m:sub>
+                          <m:r>
+                            <a:rPr lang="en-US" b="0" i="1" smtClean="0">
+                              <a:latin typeface="Cambria Math"/>
+                              <a:ea typeface="Cambria Math"/>
+                            </a:rPr>
+                            <m:t>0</m:t>
+                          </m:r>
+                        </m:sub>
+                      </m:sSub>
+                      <m:r>
+                        <a:rPr lang="en-US" b="1" i="1" smtClean="0">
+                          <a:latin typeface="Cambria Math"/>
+                          <a:ea typeface="Cambria Math"/>
+                        </a:rPr>
+                        <m:t>𝝀</m:t>
+                      </m:r>
+                      <m:r>
+                        <a:rPr lang="en-US" b="1" i="1" smtClean="0">
+                          <a:latin typeface="Cambria Math"/>
+                          <a:ea typeface="Cambria Math"/>
+                        </a:rPr>
+                        <m:t> −</m:t>
+                      </m:r>
+                      <m:r>
+                        <a:rPr lang="en-US" b="1" i="1" smtClean="0">
+                          <a:latin typeface="Cambria Math"/>
+                          <a:ea typeface="Cambria Math"/>
+                        </a:rPr>
+                        <m:t>𝝀</m:t>
+                      </m:r>
+                      <m:r>
+                        <a:rPr lang="en-US" b="1" i="1" smtClean="0">
+                          <a:latin typeface="Cambria Math"/>
+                          <a:ea typeface="Cambria Math"/>
+                        </a:rPr>
+                        <m:t>∙</m:t>
+                      </m:r>
+                      <m:r>
+                        <a:rPr lang="en-US" b="1" i="1" smtClean="0">
+                          <a:latin typeface="Cambria Math"/>
+                          <a:ea typeface="Cambria Math"/>
+                        </a:rPr>
+                        <m:t>𝝁</m:t>
+                      </m:r>
+                      <m:r>
+                        <a:rPr lang="en-US" b="1" i="1" smtClean="0">
+                          <a:latin typeface="Cambria Math"/>
+                          <a:ea typeface="Cambria Math"/>
+                        </a:rPr>
+                        <m:t>+</m:t>
+                      </m:r>
+                      <m:r>
+                        <a:rPr lang="en-US" b="1" i="1" smtClean="0">
+                          <a:latin typeface="Cambria Math"/>
+                          <a:ea typeface="Cambria Math"/>
+                        </a:rPr>
+                        <m:t>𝝀</m:t>
+                      </m:r>
+                      <m:r>
+                        <a:rPr lang="en-US" b="1" i="1" smtClean="0">
+                          <a:latin typeface="Cambria Math"/>
+                          <a:ea typeface="Cambria Math"/>
+                        </a:rPr>
+                        <m:t>×</m:t>
+                      </m:r>
+                      <m:r>
+                        <a:rPr lang="en-US" b="1" i="1" smtClean="0">
+                          <a:latin typeface="Cambria Math"/>
+                          <a:ea typeface="Cambria Math"/>
+                        </a:rPr>
+                        <m:t>𝝁</m:t>
+                      </m:r>
+                      <m:r>
+                        <a:rPr lang="en-US" b="1" i="1" smtClean="0">
+                          <a:latin typeface="Cambria Math"/>
+                          <a:ea typeface="Cambria Math"/>
+                        </a:rPr>
+                        <m:t> </m:t>
+                      </m:r>
+                    </m:oMath>
+                  </m:oMathPara>
+                </a14:m>
+                <a:endParaRPr lang="en-US" b="1" dirty="0"/>
+              </a:p>
+            </p:txBody>
+          </p:sp>
+        </mc:Choice>
+        <mc:Fallback>
+          <p:sp>
+            <p:nvSpPr>
+              <p:cNvPr id="6" name="TextBox 5"/>
+              <p:cNvSpPr txBox="1">
+                <a:spLocks noRot="1" noChangeAspect="1" noMove="1" noResize="1" noEditPoints="1" noAdjustHandles="1" noChangeArrowheads="1" noChangeShapeType="1" noTextEdit="1"/>
+              </p:cNvSpPr>
+              <p:nvPr/>
+            </p:nvSpPr>
+            <p:spPr>
+              <a:xfrm>
+                <a:off x="251520" y="1131590"/>
+                <a:ext cx="8712968" cy="3458576"/>
+              </a:xfrm>
+              <a:prstGeom prst="rect">
+                <a:avLst/>
+              </a:prstGeom>
+              <a:blipFill rotWithShape="1">
+                <a:blip r:embed="rId2"/>
+                <a:stretch>
+                  <a:fillRect l="-559"/>
+                </a:stretch>
+              </a:blipFill>
+            </p:spPr>
+            <p:txBody>
+              <a:bodyPr/>
+              <a:lstStyle/>
+              <a:p>
+                <a:r>
+                  <a:rPr lang="en-US">
+                    <a:noFill/>
+                  </a:rPr>
+                  <a:t> </a:t>
+                </a:r>
+              </a:p>
+            </p:txBody>
+          </p:sp>
+        </mc:Fallback>
+      </mc:AlternateContent>
       <p:sp>
         <p:nvSpPr>
-          <p:cNvPr id="3" name="Объект 2"/>
-          <p:cNvSpPr>
-            <a:spLocks noGrp="1"/>
-          </p:cNvSpPr>
-          <p:nvPr>
-            <p:ph idx="1"/>
-          </p:nvPr>
+          <p:cNvPr id="7" name="TextBox 6"/>
+          <p:cNvSpPr txBox="1"/>
+          <p:nvPr/>
         </p:nvSpPr>
-        <p:spPr/>
+        <p:spPr>
+          <a:xfrm>
+            <a:off x="107504" y="555526"/>
+            <a:ext cx="8856984" cy="646331"/>
+          </a:xfrm>
+          <a:prstGeom prst="rect">
+            <a:avLst/>
+          </a:prstGeom>
+          <a:noFill/>
+        </p:spPr>
         <p:txBody>
-          <a:bodyPr/>
+          <a:bodyPr wrap="square" rtlCol="0">
+            <a:spAutoFit/>
+          </a:bodyPr>
           <a:lstStyle/>
           <a:p>
-            <a:endParaRPr lang="en-US"/>
+            <a:pPr algn="just"/>
+            <a:r>
+              <a:rPr lang="ru-RU" dirty="0" smtClean="0"/>
+              <a:t>Ориентацию ЛА и преобразование систем координат можно описать с помощью кватернионов</a:t>
+            </a:r>
+            <a:endParaRPr lang="en-US" dirty="0"/>
           </a:p>
         </p:txBody>
       </p:sp>
     </p:spTree>
     <p:extLst>
       <p:ext uri="{BB962C8B-B14F-4D97-AF65-F5344CB8AC3E}">
-        <p14:creationId xmlns:p14="http://schemas.microsoft.com/office/powerpoint/2010/main" val="1595612155"/>
+        <p14:creationId xmlns:p14="http://schemas.microsoft.com/office/powerpoint/2010/main" val="3572181697"/>
       </p:ext>
     </p:extLst>
   </p:cSld>
